--- a/src/SARibbonBar/doc/SARibbonBar.pptx
+++ b/src/SARibbonBar/doc/SARibbonBar.pptx
@@ -1,11 +1,12 @@
 
 <file path=ppt/presentation.xml><?xml version="1.0" encoding="utf-8"?>
-<p:presentation xmlns:a="http://schemas.openxmlformats.org/drawingml/2006/main" xmlns:r="http://schemas.openxmlformats.org/officeDocument/2006/relationships" xmlns:p="http://schemas.openxmlformats.org/presentationml/2006/main" saveSubsetFonts="1">
+<p:presentation xmlns:a="http://schemas.openxmlformats.org/drawingml/2006/main" xmlns:r="http://schemas.openxmlformats.org/officeDocument/2006/relationships" xmlns:p="http://schemas.openxmlformats.org/presentationml/2006/main">
   <p:sldMasterIdLst>
     <p:sldMasterId id="2147483648" r:id="rId1"/>
   </p:sldMasterIdLst>
   <p:sldIdLst>
-    <p:sldId id="256" r:id="rId2"/>
+    <p:sldId id="257" r:id="rId3"/>
+    <p:sldId id="256" r:id="rId4"/>
   </p:sldIdLst>
   <p:sldSz cx="12192000" cy="6858000"/>
   <p:notesSz cx="6858000" cy="9144000"/>
@@ -238,7 +239,6 @@
           <a:p>
             <a:fld id="{791025AC-6364-4DCA-9BF0-1CB07E70C9CD}" type="datetimeFigureOut">
               <a:rPr lang="zh-CN" altLang="en-US" smtClean="0"/>
-              <a:t>2021/1/16</a:t>
             </a:fld>
             <a:endParaRPr lang="zh-CN" altLang="en-US"/>
           </a:p>
@@ -280,18 +280,12 @@
           <a:p>
             <a:fld id="{B11A056D-85D3-471D-A642-53DA42750F49}" type="slidenum">
               <a:rPr lang="zh-CN" altLang="en-US" smtClean="0"/>
-              <a:t>‹#›</a:t>
             </a:fld>
             <a:endParaRPr lang="zh-CN" altLang="en-US"/>
           </a:p>
         </p:txBody>
       </p:sp>
     </p:spTree>
-    <p:extLst>
-      <p:ext uri="{BB962C8B-B14F-4D97-AF65-F5344CB8AC3E}">
-        <p14:creationId xmlns:p14="http://schemas.microsoft.com/office/powerpoint/2010/main" val="465384024"/>
-      </p:ext>
-    </p:extLst>
   </p:cSld>
   <p:clrMapOvr>
     <a:masterClrMapping/>
@@ -359,6 +353,7 @@
               <a:rPr lang="zh-CN" altLang="en-US" smtClean="0"/>
               <a:t>单击此处编辑母版文本样式</a:t>
             </a:r>
+            <a:endParaRPr lang="zh-CN" altLang="en-US" smtClean="0"/>
           </a:p>
           <a:p>
             <a:pPr lvl="1"/>
@@ -366,6 +361,7 @@
               <a:rPr lang="zh-CN" altLang="en-US" smtClean="0"/>
               <a:t>第二级</a:t>
             </a:r>
+            <a:endParaRPr lang="zh-CN" altLang="en-US" smtClean="0"/>
           </a:p>
           <a:p>
             <a:pPr lvl="2"/>
@@ -373,6 +369,7 @@
               <a:rPr lang="zh-CN" altLang="en-US" smtClean="0"/>
               <a:t>第三级</a:t>
             </a:r>
+            <a:endParaRPr lang="zh-CN" altLang="en-US" smtClean="0"/>
           </a:p>
           <a:p>
             <a:pPr lvl="3"/>
@@ -380,6 +377,7 @@
               <a:rPr lang="zh-CN" altLang="en-US" smtClean="0"/>
               <a:t>第四级</a:t>
             </a:r>
+            <a:endParaRPr lang="zh-CN" altLang="en-US" smtClean="0"/>
           </a:p>
           <a:p>
             <a:pPr lvl="4"/>
@@ -408,7 +406,6 @@
           <a:p>
             <a:fld id="{791025AC-6364-4DCA-9BF0-1CB07E70C9CD}" type="datetimeFigureOut">
               <a:rPr lang="zh-CN" altLang="en-US" smtClean="0"/>
-              <a:t>2021/1/16</a:t>
             </a:fld>
             <a:endParaRPr lang="zh-CN" altLang="en-US"/>
           </a:p>
@@ -450,18 +447,12 @@
           <a:p>
             <a:fld id="{B11A056D-85D3-471D-A642-53DA42750F49}" type="slidenum">
               <a:rPr lang="zh-CN" altLang="en-US" smtClean="0"/>
-              <a:t>‹#›</a:t>
             </a:fld>
             <a:endParaRPr lang="zh-CN" altLang="en-US"/>
           </a:p>
         </p:txBody>
       </p:sp>
     </p:spTree>
-    <p:extLst>
-      <p:ext uri="{BB962C8B-B14F-4D97-AF65-F5344CB8AC3E}">
-        <p14:creationId xmlns:p14="http://schemas.microsoft.com/office/powerpoint/2010/main" val="1937852335"/>
-      </p:ext>
-    </p:extLst>
   </p:cSld>
   <p:clrMapOvr>
     <a:masterClrMapping/>
@@ -539,6 +530,7 @@
               <a:rPr lang="zh-CN" altLang="en-US" smtClean="0"/>
               <a:t>单击此处编辑母版文本样式</a:t>
             </a:r>
+            <a:endParaRPr lang="zh-CN" altLang="en-US" smtClean="0"/>
           </a:p>
           <a:p>
             <a:pPr lvl="1"/>
@@ -546,6 +538,7 @@
               <a:rPr lang="zh-CN" altLang="en-US" smtClean="0"/>
               <a:t>第二级</a:t>
             </a:r>
+            <a:endParaRPr lang="zh-CN" altLang="en-US" smtClean="0"/>
           </a:p>
           <a:p>
             <a:pPr lvl="2"/>
@@ -553,6 +546,7 @@
               <a:rPr lang="zh-CN" altLang="en-US" smtClean="0"/>
               <a:t>第三级</a:t>
             </a:r>
+            <a:endParaRPr lang="zh-CN" altLang="en-US" smtClean="0"/>
           </a:p>
           <a:p>
             <a:pPr lvl="3"/>
@@ -560,6 +554,7 @@
               <a:rPr lang="zh-CN" altLang="en-US" smtClean="0"/>
               <a:t>第四级</a:t>
             </a:r>
+            <a:endParaRPr lang="zh-CN" altLang="en-US" smtClean="0"/>
           </a:p>
           <a:p>
             <a:pPr lvl="4"/>
@@ -588,7 +583,6 @@
           <a:p>
             <a:fld id="{791025AC-6364-4DCA-9BF0-1CB07E70C9CD}" type="datetimeFigureOut">
               <a:rPr lang="zh-CN" altLang="en-US" smtClean="0"/>
-              <a:t>2021/1/16</a:t>
             </a:fld>
             <a:endParaRPr lang="zh-CN" altLang="en-US"/>
           </a:p>
@@ -630,18 +624,12 @@
           <a:p>
             <a:fld id="{B11A056D-85D3-471D-A642-53DA42750F49}" type="slidenum">
               <a:rPr lang="zh-CN" altLang="en-US" smtClean="0"/>
-              <a:t>‹#›</a:t>
             </a:fld>
             <a:endParaRPr lang="zh-CN" altLang="en-US"/>
           </a:p>
         </p:txBody>
       </p:sp>
     </p:spTree>
-    <p:extLst>
-      <p:ext uri="{BB962C8B-B14F-4D97-AF65-F5344CB8AC3E}">
-        <p14:creationId xmlns:p14="http://schemas.microsoft.com/office/powerpoint/2010/main" val="3798069891"/>
-      </p:ext>
-    </p:extLst>
   </p:cSld>
   <p:clrMapOvr>
     <a:masterClrMapping/>
@@ -709,6 +697,7 @@
               <a:rPr lang="zh-CN" altLang="en-US" smtClean="0"/>
               <a:t>单击此处编辑母版文本样式</a:t>
             </a:r>
+            <a:endParaRPr lang="zh-CN" altLang="en-US" smtClean="0"/>
           </a:p>
           <a:p>
             <a:pPr lvl="1"/>
@@ -716,6 +705,7 @@
               <a:rPr lang="zh-CN" altLang="en-US" smtClean="0"/>
               <a:t>第二级</a:t>
             </a:r>
+            <a:endParaRPr lang="zh-CN" altLang="en-US" smtClean="0"/>
           </a:p>
           <a:p>
             <a:pPr lvl="2"/>
@@ -723,6 +713,7 @@
               <a:rPr lang="zh-CN" altLang="en-US" smtClean="0"/>
               <a:t>第三级</a:t>
             </a:r>
+            <a:endParaRPr lang="zh-CN" altLang="en-US" smtClean="0"/>
           </a:p>
           <a:p>
             <a:pPr lvl="3"/>
@@ -730,6 +721,7 @@
               <a:rPr lang="zh-CN" altLang="en-US" smtClean="0"/>
               <a:t>第四级</a:t>
             </a:r>
+            <a:endParaRPr lang="zh-CN" altLang="en-US" smtClean="0"/>
           </a:p>
           <a:p>
             <a:pPr lvl="4"/>
@@ -758,7 +750,6 @@
           <a:p>
             <a:fld id="{791025AC-6364-4DCA-9BF0-1CB07E70C9CD}" type="datetimeFigureOut">
               <a:rPr lang="zh-CN" altLang="en-US" smtClean="0"/>
-              <a:t>2021/1/16</a:t>
             </a:fld>
             <a:endParaRPr lang="zh-CN" altLang="en-US"/>
           </a:p>
@@ -800,18 +791,12 @@
           <a:p>
             <a:fld id="{B11A056D-85D3-471D-A642-53DA42750F49}" type="slidenum">
               <a:rPr lang="zh-CN" altLang="en-US" smtClean="0"/>
-              <a:t>‹#›</a:t>
             </a:fld>
             <a:endParaRPr lang="zh-CN" altLang="en-US"/>
           </a:p>
         </p:txBody>
       </p:sp>
     </p:spTree>
-    <p:extLst>
-      <p:ext uri="{BB962C8B-B14F-4D97-AF65-F5344CB8AC3E}">
-        <p14:creationId xmlns:p14="http://schemas.microsoft.com/office/powerpoint/2010/main" val="1866533964"/>
-      </p:ext>
-    </p:extLst>
   </p:cSld>
   <p:clrMapOvr>
     <a:masterClrMapping/>
@@ -984,6 +969,7 @@
               <a:rPr lang="zh-CN" altLang="en-US" smtClean="0"/>
               <a:t>单击此处编辑母版文本样式</a:t>
             </a:r>
+            <a:endParaRPr lang="zh-CN" altLang="en-US" smtClean="0"/>
           </a:p>
         </p:txBody>
       </p:sp>
@@ -1004,7 +990,6 @@
           <a:p>
             <a:fld id="{791025AC-6364-4DCA-9BF0-1CB07E70C9CD}" type="datetimeFigureOut">
               <a:rPr lang="zh-CN" altLang="en-US" smtClean="0"/>
-              <a:t>2021/1/16</a:t>
             </a:fld>
             <a:endParaRPr lang="zh-CN" altLang="en-US"/>
           </a:p>
@@ -1046,18 +1031,12 @@
           <a:p>
             <a:fld id="{B11A056D-85D3-471D-A642-53DA42750F49}" type="slidenum">
               <a:rPr lang="zh-CN" altLang="en-US" smtClean="0"/>
-              <a:t>‹#›</a:t>
             </a:fld>
             <a:endParaRPr lang="zh-CN" altLang="en-US"/>
           </a:p>
         </p:txBody>
       </p:sp>
     </p:spTree>
-    <p:extLst>
-      <p:ext uri="{BB962C8B-B14F-4D97-AF65-F5344CB8AC3E}">
-        <p14:creationId xmlns:p14="http://schemas.microsoft.com/office/powerpoint/2010/main" val="2364631930"/>
-      </p:ext>
-    </p:extLst>
   </p:cSld>
   <p:clrMapOvr>
     <a:masterClrMapping/>
@@ -1130,6 +1109,7 @@
               <a:rPr lang="zh-CN" altLang="en-US" smtClean="0"/>
               <a:t>单击此处编辑母版文本样式</a:t>
             </a:r>
+            <a:endParaRPr lang="zh-CN" altLang="en-US" smtClean="0"/>
           </a:p>
           <a:p>
             <a:pPr lvl="1"/>
@@ -1137,6 +1117,7 @@
               <a:rPr lang="zh-CN" altLang="en-US" smtClean="0"/>
               <a:t>第二级</a:t>
             </a:r>
+            <a:endParaRPr lang="zh-CN" altLang="en-US" smtClean="0"/>
           </a:p>
           <a:p>
             <a:pPr lvl="2"/>
@@ -1144,6 +1125,7 @@
               <a:rPr lang="zh-CN" altLang="en-US" smtClean="0"/>
               <a:t>第三级</a:t>
             </a:r>
+            <a:endParaRPr lang="zh-CN" altLang="en-US" smtClean="0"/>
           </a:p>
           <a:p>
             <a:pPr lvl="3"/>
@@ -1151,6 +1133,7 @@
               <a:rPr lang="zh-CN" altLang="en-US" smtClean="0"/>
               <a:t>第四级</a:t>
             </a:r>
+            <a:endParaRPr lang="zh-CN" altLang="en-US" smtClean="0"/>
           </a:p>
           <a:p>
             <a:pPr lvl="4"/>
@@ -1187,6 +1170,7 @@
               <a:rPr lang="zh-CN" altLang="en-US" smtClean="0"/>
               <a:t>单击此处编辑母版文本样式</a:t>
             </a:r>
+            <a:endParaRPr lang="zh-CN" altLang="en-US" smtClean="0"/>
           </a:p>
           <a:p>
             <a:pPr lvl="1"/>
@@ -1194,6 +1178,7 @@
               <a:rPr lang="zh-CN" altLang="en-US" smtClean="0"/>
               <a:t>第二级</a:t>
             </a:r>
+            <a:endParaRPr lang="zh-CN" altLang="en-US" smtClean="0"/>
           </a:p>
           <a:p>
             <a:pPr lvl="2"/>
@@ -1201,6 +1186,7 @@
               <a:rPr lang="zh-CN" altLang="en-US" smtClean="0"/>
               <a:t>第三级</a:t>
             </a:r>
+            <a:endParaRPr lang="zh-CN" altLang="en-US" smtClean="0"/>
           </a:p>
           <a:p>
             <a:pPr lvl="3"/>
@@ -1208,6 +1194,7 @@
               <a:rPr lang="zh-CN" altLang="en-US" smtClean="0"/>
               <a:t>第四级</a:t>
             </a:r>
+            <a:endParaRPr lang="zh-CN" altLang="en-US" smtClean="0"/>
           </a:p>
           <a:p>
             <a:pPr lvl="4"/>
@@ -1236,7 +1223,6 @@
           <a:p>
             <a:fld id="{791025AC-6364-4DCA-9BF0-1CB07E70C9CD}" type="datetimeFigureOut">
               <a:rPr lang="zh-CN" altLang="en-US" smtClean="0"/>
-              <a:t>2021/1/16</a:t>
             </a:fld>
             <a:endParaRPr lang="zh-CN" altLang="en-US"/>
           </a:p>
@@ -1278,18 +1264,12 @@
           <a:p>
             <a:fld id="{B11A056D-85D3-471D-A642-53DA42750F49}" type="slidenum">
               <a:rPr lang="zh-CN" altLang="en-US" smtClean="0"/>
-              <a:t>‹#›</a:t>
             </a:fld>
             <a:endParaRPr lang="zh-CN" altLang="en-US"/>
           </a:p>
         </p:txBody>
       </p:sp>
     </p:spTree>
-    <p:extLst>
-      <p:ext uri="{BB962C8B-B14F-4D97-AF65-F5344CB8AC3E}">
-        <p14:creationId xmlns:p14="http://schemas.microsoft.com/office/powerpoint/2010/main" val="757064700"/>
-      </p:ext>
-    </p:extLst>
   </p:cSld>
   <p:clrMapOvr>
     <a:masterClrMapping/>
@@ -1404,6 +1384,7 @@
               <a:rPr lang="zh-CN" altLang="en-US" smtClean="0"/>
               <a:t>单击此处编辑母版文本样式</a:t>
             </a:r>
+            <a:endParaRPr lang="zh-CN" altLang="en-US" smtClean="0"/>
           </a:p>
         </p:txBody>
       </p:sp>
@@ -1432,6 +1413,7 @@
               <a:rPr lang="zh-CN" altLang="en-US" smtClean="0"/>
               <a:t>单击此处编辑母版文本样式</a:t>
             </a:r>
+            <a:endParaRPr lang="zh-CN" altLang="en-US" smtClean="0"/>
           </a:p>
           <a:p>
             <a:pPr lvl="1"/>
@@ -1439,6 +1421,7 @@
               <a:rPr lang="zh-CN" altLang="en-US" smtClean="0"/>
               <a:t>第二级</a:t>
             </a:r>
+            <a:endParaRPr lang="zh-CN" altLang="en-US" smtClean="0"/>
           </a:p>
           <a:p>
             <a:pPr lvl="2"/>
@@ -1446,6 +1429,7 @@
               <a:rPr lang="zh-CN" altLang="en-US" smtClean="0"/>
               <a:t>第三级</a:t>
             </a:r>
+            <a:endParaRPr lang="zh-CN" altLang="en-US" smtClean="0"/>
           </a:p>
           <a:p>
             <a:pPr lvl="3"/>
@@ -1453,6 +1437,7 @@
               <a:rPr lang="zh-CN" altLang="en-US" smtClean="0"/>
               <a:t>第四级</a:t>
             </a:r>
+            <a:endParaRPr lang="zh-CN" altLang="en-US" smtClean="0"/>
           </a:p>
           <a:p>
             <a:pPr lvl="4"/>
@@ -1526,6 +1511,7 @@
               <a:rPr lang="zh-CN" altLang="en-US" smtClean="0"/>
               <a:t>单击此处编辑母版文本样式</a:t>
             </a:r>
+            <a:endParaRPr lang="zh-CN" altLang="en-US" smtClean="0"/>
           </a:p>
         </p:txBody>
       </p:sp>
@@ -1554,6 +1540,7 @@
               <a:rPr lang="zh-CN" altLang="en-US" smtClean="0"/>
               <a:t>单击此处编辑母版文本样式</a:t>
             </a:r>
+            <a:endParaRPr lang="zh-CN" altLang="en-US" smtClean="0"/>
           </a:p>
           <a:p>
             <a:pPr lvl="1"/>
@@ -1561,6 +1548,7 @@
               <a:rPr lang="zh-CN" altLang="en-US" smtClean="0"/>
               <a:t>第二级</a:t>
             </a:r>
+            <a:endParaRPr lang="zh-CN" altLang="en-US" smtClean="0"/>
           </a:p>
           <a:p>
             <a:pPr lvl="2"/>
@@ -1568,6 +1556,7 @@
               <a:rPr lang="zh-CN" altLang="en-US" smtClean="0"/>
               <a:t>第三级</a:t>
             </a:r>
+            <a:endParaRPr lang="zh-CN" altLang="en-US" smtClean="0"/>
           </a:p>
           <a:p>
             <a:pPr lvl="3"/>
@@ -1575,6 +1564,7 @@
               <a:rPr lang="zh-CN" altLang="en-US" smtClean="0"/>
               <a:t>第四级</a:t>
             </a:r>
+            <a:endParaRPr lang="zh-CN" altLang="en-US" smtClean="0"/>
           </a:p>
           <a:p>
             <a:pPr lvl="4"/>
@@ -1603,7 +1593,6 @@
           <a:p>
             <a:fld id="{791025AC-6364-4DCA-9BF0-1CB07E70C9CD}" type="datetimeFigureOut">
               <a:rPr lang="zh-CN" altLang="en-US" smtClean="0"/>
-              <a:t>2021/1/16</a:t>
             </a:fld>
             <a:endParaRPr lang="zh-CN" altLang="en-US"/>
           </a:p>
@@ -1645,18 +1634,12 @@
           <a:p>
             <a:fld id="{B11A056D-85D3-471D-A642-53DA42750F49}" type="slidenum">
               <a:rPr lang="zh-CN" altLang="en-US" smtClean="0"/>
-              <a:t>‹#›</a:t>
             </a:fld>
             <a:endParaRPr lang="zh-CN" altLang="en-US"/>
           </a:p>
         </p:txBody>
       </p:sp>
     </p:spTree>
-    <p:extLst>
-      <p:ext uri="{BB962C8B-B14F-4D97-AF65-F5344CB8AC3E}">
-        <p14:creationId xmlns:p14="http://schemas.microsoft.com/office/powerpoint/2010/main" val="1676269755"/>
-      </p:ext>
-    </p:extLst>
   </p:cSld>
   <p:clrMapOvr>
     <a:masterClrMapping/>
@@ -1721,7 +1704,6 @@
           <a:p>
             <a:fld id="{791025AC-6364-4DCA-9BF0-1CB07E70C9CD}" type="datetimeFigureOut">
               <a:rPr lang="zh-CN" altLang="en-US" smtClean="0"/>
-              <a:t>2021/1/16</a:t>
             </a:fld>
             <a:endParaRPr lang="zh-CN" altLang="en-US"/>
           </a:p>
@@ -1763,18 +1745,12 @@
           <a:p>
             <a:fld id="{B11A056D-85D3-471D-A642-53DA42750F49}" type="slidenum">
               <a:rPr lang="zh-CN" altLang="en-US" smtClean="0"/>
-              <a:t>‹#›</a:t>
             </a:fld>
             <a:endParaRPr lang="zh-CN" altLang="en-US"/>
           </a:p>
         </p:txBody>
       </p:sp>
     </p:spTree>
-    <p:extLst>
-      <p:ext uri="{BB962C8B-B14F-4D97-AF65-F5344CB8AC3E}">
-        <p14:creationId xmlns:p14="http://schemas.microsoft.com/office/powerpoint/2010/main" val="3155689998"/>
-      </p:ext>
-    </p:extLst>
   </p:cSld>
   <p:clrMapOvr>
     <a:masterClrMapping/>
@@ -1816,7 +1792,6 @@
           <a:p>
             <a:fld id="{791025AC-6364-4DCA-9BF0-1CB07E70C9CD}" type="datetimeFigureOut">
               <a:rPr lang="zh-CN" altLang="en-US" smtClean="0"/>
-              <a:t>2021/1/16</a:t>
             </a:fld>
             <a:endParaRPr lang="zh-CN" altLang="en-US"/>
           </a:p>
@@ -1858,18 +1833,12 @@
           <a:p>
             <a:fld id="{B11A056D-85D3-471D-A642-53DA42750F49}" type="slidenum">
               <a:rPr lang="zh-CN" altLang="en-US" smtClean="0"/>
-              <a:t>‹#›</a:t>
             </a:fld>
             <a:endParaRPr lang="zh-CN" altLang="en-US"/>
           </a:p>
         </p:txBody>
       </p:sp>
     </p:spTree>
-    <p:extLst>
-      <p:ext uri="{BB962C8B-B14F-4D97-AF65-F5344CB8AC3E}">
-        <p14:creationId xmlns:p14="http://schemas.microsoft.com/office/powerpoint/2010/main" val="620415901"/>
-      </p:ext>
-    </p:extLst>
   </p:cSld>
   <p:clrMapOvr>
     <a:masterClrMapping/>
@@ -1979,6 +1948,7 @@
               <a:rPr lang="zh-CN" altLang="en-US" smtClean="0"/>
               <a:t>单击此处编辑母版文本样式</a:t>
             </a:r>
+            <a:endParaRPr lang="zh-CN" altLang="en-US" smtClean="0"/>
           </a:p>
           <a:p>
             <a:pPr lvl="1"/>
@@ -1986,6 +1956,7 @@
               <a:rPr lang="zh-CN" altLang="en-US" smtClean="0"/>
               <a:t>第二级</a:t>
             </a:r>
+            <a:endParaRPr lang="zh-CN" altLang="en-US" smtClean="0"/>
           </a:p>
           <a:p>
             <a:pPr lvl="2"/>
@@ -1993,6 +1964,7 @@
               <a:rPr lang="zh-CN" altLang="en-US" smtClean="0"/>
               <a:t>第三级</a:t>
             </a:r>
+            <a:endParaRPr lang="zh-CN" altLang="en-US" smtClean="0"/>
           </a:p>
           <a:p>
             <a:pPr lvl="3"/>
@@ -2000,6 +1972,7 @@
               <a:rPr lang="zh-CN" altLang="en-US" smtClean="0"/>
               <a:t>第四级</a:t>
             </a:r>
+            <a:endParaRPr lang="zh-CN" altLang="en-US" smtClean="0"/>
           </a:p>
           <a:p>
             <a:pPr lvl="4"/>
@@ -2073,6 +2046,7 @@
               <a:rPr lang="zh-CN" altLang="en-US" smtClean="0"/>
               <a:t>单击此处编辑母版文本样式</a:t>
             </a:r>
+            <a:endParaRPr lang="zh-CN" altLang="en-US" smtClean="0"/>
           </a:p>
         </p:txBody>
       </p:sp>
@@ -2093,7 +2067,6 @@
           <a:p>
             <a:fld id="{791025AC-6364-4DCA-9BF0-1CB07E70C9CD}" type="datetimeFigureOut">
               <a:rPr lang="zh-CN" altLang="en-US" smtClean="0"/>
-              <a:t>2021/1/16</a:t>
             </a:fld>
             <a:endParaRPr lang="zh-CN" altLang="en-US"/>
           </a:p>
@@ -2135,18 +2108,12 @@
           <a:p>
             <a:fld id="{B11A056D-85D3-471D-A642-53DA42750F49}" type="slidenum">
               <a:rPr lang="zh-CN" altLang="en-US" smtClean="0"/>
-              <a:t>‹#›</a:t>
             </a:fld>
             <a:endParaRPr lang="zh-CN" altLang="en-US"/>
           </a:p>
         </p:txBody>
       </p:sp>
     </p:spTree>
-    <p:extLst>
-      <p:ext uri="{BB962C8B-B14F-4D97-AF65-F5344CB8AC3E}">
-        <p14:creationId xmlns:p14="http://schemas.microsoft.com/office/powerpoint/2010/main" val="1013842601"/>
-      </p:ext>
-    </p:extLst>
   </p:cSld>
   <p:clrMapOvr>
     <a:masterClrMapping/>
@@ -2326,6 +2293,7 @@
               <a:rPr lang="zh-CN" altLang="en-US" smtClean="0"/>
               <a:t>单击此处编辑母版文本样式</a:t>
             </a:r>
+            <a:endParaRPr lang="zh-CN" altLang="en-US" smtClean="0"/>
           </a:p>
         </p:txBody>
       </p:sp>
@@ -2346,7 +2314,6 @@
           <a:p>
             <a:fld id="{791025AC-6364-4DCA-9BF0-1CB07E70C9CD}" type="datetimeFigureOut">
               <a:rPr lang="zh-CN" altLang="en-US" smtClean="0"/>
-              <a:t>2021/1/16</a:t>
             </a:fld>
             <a:endParaRPr lang="zh-CN" altLang="en-US"/>
           </a:p>
@@ -2388,18 +2355,12 @@
           <a:p>
             <a:fld id="{B11A056D-85D3-471D-A642-53DA42750F49}" type="slidenum">
               <a:rPr lang="zh-CN" altLang="en-US" smtClean="0"/>
-              <a:t>‹#›</a:t>
             </a:fld>
             <a:endParaRPr lang="zh-CN" altLang="en-US"/>
           </a:p>
         </p:txBody>
       </p:sp>
     </p:spTree>
-    <p:extLst>
-      <p:ext uri="{BB962C8B-B14F-4D97-AF65-F5344CB8AC3E}">
-        <p14:creationId xmlns:p14="http://schemas.microsoft.com/office/powerpoint/2010/main" val="739207015"/>
-      </p:ext>
-    </p:extLst>
   </p:cSld>
   <p:clrMapOvr>
     <a:masterClrMapping/>
@@ -2492,6 +2453,7 @@
               <a:rPr lang="zh-CN" altLang="en-US" smtClean="0"/>
               <a:t>单击此处编辑母版文本样式</a:t>
             </a:r>
+            <a:endParaRPr lang="zh-CN" altLang="en-US" smtClean="0"/>
           </a:p>
           <a:p>
             <a:pPr lvl="1"/>
@@ -2499,6 +2461,7 @@
               <a:rPr lang="zh-CN" altLang="en-US" smtClean="0"/>
               <a:t>第二级</a:t>
             </a:r>
+            <a:endParaRPr lang="zh-CN" altLang="en-US" smtClean="0"/>
           </a:p>
           <a:p>
             <a:pPr lvl="2"/>
@@ -2506,6 +2469,7 @@
               <a:rPr lang="zh-CN" altLang="en-US" smtClean="0"/>
               <a:t>第三级</a:t>
             </a:r>
+            <a:endParaRPr lang="zh-CN" altLang="en-US" smtClean="0"/>
           </a:p>
           <a:p>
             <a:pPr lvl="3"/>
@@ -2513,6 +2477,7 @@
               <a:rPr lang="zh-CN" altLang="en-US" smtClean="0"/>
               <a:t>第四级</a:t>
             </a:r>
+            <a:endParaRPr lang="zh-CN" altLang="en-US" smtClean="0"/>
           </a:p>
           <a:p>
             <a:pPr lvl="4"/>
@@ -2559,7 +2524,6 @@
           <a:p>
             <a:fld id="{791025AC-6364-4DCA-9BF0-1CB07E70C9CD}" type="datetimeFigureOut">
               <a:rPr lang="zh-CN" altLang="en-US" smtClean="0"/>
-              <a:t>2021/1/16</a:t>
             </a:fld>
             <a:endParaRPr lang="zh-CN" altLang="en-US"/>
           </a:p>
@@ -2637,18 +2601,12 @@
           <a:p>
             <a:fld id="{B11A056D-85D3-471D-A642-53DA42750F49}" type="slidenum">
               <a:rPr lang="zh-CN" altLang="en-US" smtClean="0"/>
-              <a:t>‹#›</a:t>
             </a:fld>
             <a:endParaRPr lang="zh-CN" altLang="en-US"/>
           </a:p>
         </p:txBody>
       </p:sp>
     </p:spTree>
-    <p:extLst>
-      <p:ext uri="{BB962C8B-B14F-4D97-AF65-F5344CB8AC3E}">
-        <p14:creationId xmlns:p14="http://schemas.microsoft.com/office/powerpoint/2010/main" val="1326874956"/>
-      </p:ext>
-    </p:extLst>
   </p:cSld>
   <p:clrMap bg1="lt1" tx1="dk1" bg2="lt2" tx2="dk2" accent1="accent1" accent2="accent2" accent3="accent3" accent4="accent4" accent5="accent5" accent6="accent6" hlink="hlink" folHlink="folHlink"/>
   <p:sldLayoutIdLst>
@@ -2972,6 +2930,1495 @@
         </p:nvSpPr>
         <p:spPr>
           <a:xfrm>
+            <a:off x="1210310" y="1309370"/>
+            <a:ext cx="10530840" cy="1703705"/>
+          </a:xfrm>
+          <a:prstGeom prst="rect">
+            <a:avLst/>
+          </a:prstGeom>
+          <a:solidFill>
+            <a:schemeClr val="accent1">
+              <a:lumMod val="20000"/>
+              <a:lumOff val="80000"/>
+            </a:schemeClr>
+          </a:solidFill>
+          <a:ln>
+            <a:solidFill>
+              <a:schemeClr val="tx1"/>
+            </a:solidFill>
+          </a:ln>
+        </p:spPr>
+        <p:style>
+          <a:lnRef idx="2">
+            <a:schemeClr val="accent1">
+              <a:shade val="50000"/>
+            </a:schemeClr>
+          </a:lnRef>
+          <a:fillRef idx="1">
+            <a:schemeClr val="accent1"/>
+          </a:fillRef>
+          <a:effectRef idx="0">
+            <a:schemeClr val="accent1"/>
+          </a:effectRef>
+          <a:fontRef idx="minor">
+            <a:schemeClr val="lt1"/>
+          </a:fontRef>
+        </p:style>
+        <p:txBody>
+          <a:bodyPr rtlCol="0" anchor="ctr"/>
+          <a:lstStyle/>
+          <a:p>
+            <a:pPr algn="ctr"/>
+            <a:endParaRPr lang="zh-CN" altLang="en-US"/>
+          </a:p>
+        </p:txBody>
+      </p:sp>
+      <p:sp>
+        <p:nvSpPr>
+          <p:cNvPr id="2" name="矩形 1"/>
+          <p:cNvSpPr/>
+          <p:nvPr/>
+        </p:nvSpPr>
+        <p:spPr>
+          <a:xfrm>
+            <a:off x="1210310" y="1764030"/>
+            <a:ext cx="10530205" cy="1248410"/>
+          </a:xfrm>
+          <a:prstGeom prst="rect">
+            <a:avLst/>
+          </a:prstGeom>
+          <a:solidFill>
+            <a:schemeClr val="bg1"/>
+          </a:solidFill>
+        </p:spPr>
+        <p:style>
+          <a:lnRef idx="2">
+            <a:schemeClr val="accent1">
+              <a:shade val="50000"/>
+            </a:schemeClr>
+          </a:lnRef>
+          <a:fillRef idx="1">
+            <a:schemeClr val="accent1"/>
+          </a:fillRef>
+          <a:effectRef idx="0">
+            <a:schemeClr val="accent1"/>
+          </a:effectRef>
+          <a:fontRef idx="minor">
+            <a:schemeClr val="lt1"/>
+          </a:fontRef>
+        </p:style>
+        <p:txBody>
+          <a:bodyPr rtlCol="0" anchor="ctr"/>
+          <a:p>
+            <a:pPr algn="ctr"/>
+            <a:endParaRPr lang="zh-CN" altLang="en-US"/>
+          </a:p>
+        </p:txBody>
+      </p:sp>
+      <p:sp>
+        <p:nvSpPr>
+          <p:cNvPr id="3" name="矩形 2"/>
+          <p:cNvSpPr/>
+          <p:nvPr/>
+        </p:nvSpPr>
+        <p:spPr>
+          <a:xfrm>
+            <a:off x="1210310" y="1558290"/>
+            <a:ext cx="412115" cy="205740"/>
+          </a:xfrm>
+          <a:prstGeom prst="rect">
+            <a:avLst/>
+          </a:prstGeom>
+          <a:solidFill>
+            <a:srgbClr val="C00000"/>
+          </a:solidFill>
+        </p:spPr>
+        <p:style>
+          <a:lnRef idx="2">
+            <a:schemeClr val="accent1">
+              <a:shade val="50000"/>
+            </a:schemeClr>
+          </a:lnRef>
+          <a:fillRef idx="1">
+            <a:schemeClr val="accent1"/>
+          </a:fillRef>
+          <a:effectRef idx="0">
+            <a:schemeClr val="accent1"/>
+          </a:effectRef>
+          <a:fontRef idx="minor">
+            <a:schemeClr val="lt1"/>
+          </a:fontRef>
+        </p:style>
+        <p:txBody>
+          <a:bodyPr rtlCol="0" anchor="ctr"/>
+          <a:p>
+            <a:pPr algn="ctr"/>
+            <a:endParaRPr lang="zh-CN" altLang="en-US"/>
+          </a:p>
+        </p:txBody>
+      </p:sp>
+      <p:sp>
+        <p:nvSpPr>
+          <p:cNvPr id="7" name="矩形 6"/>
+          <p:cNvSpPr/>
+          <p:nvPr/>
+        </p:nvSpPr>
+        <p:spPr>
+          <a:xfrm>
+            <a:off x="1682750" y="1558290"/>
+            <a:ext cx="3352800" cy="205740"/>
+          </a:xfrm>
+          <a:prstGeom prst="rect">
+            <a:avLst/>
+          </a:prstGeom>
+          <a:solidFill>
+            <a:schemeClr val="accent2"/>
+          </a:solidFill>
+          <a:ln>
+            <a:solidFill>
+              <a:schemeClr val="accent2"/>
+            </a:solidFill>
+          </a:ln>
+        </p:spPr>
+        <p:style>
+          <a:lnRef idx="2">
+            <a:schemeClr val="accent1">
+              <a:shade val="50000"/>
+            </a:schemeClr>
+          </a:lnRef>
+          <a:fillRef idx="1">
+            <a:schemeClr val="accent1"/>
+          </a:fillRef>
+          <a:effectRef idx="0">
+            <a:schemeClr val="accent1"/>
+          </a:effectRef>
+          <a:fontRef idx="minor">
+            <a:schemeClr val="lt1"/>
+          </a:fontRef>
+        </p:style>
+        <p:txBody>
+          <a:bodyPr rtlCol="0" anchor="ctr"/>
+          <a:p>
+            <a:pPr algn="ctr"/>
+            <a:endParaRPr lang="zh-CN" altLang="en-US"/>
+          </a:p>
+        </p:txBody>
+      </p:sp>
+      <p:sp>
+        <p:nvSpPr>
+          <p:cNvPr id="10" name="矩形 9"/>
+          <p:cNvSpPr/>
+          <p:nvPr/>
+        </p:nvSpPr>
+        <p:spPr>
+          <a:xfrm>
+            <a:off x="1210310" y="1309370"/>
+            <a:ext cx="1477010" cy="248285"/>
+          </a:xfrm>
+          <a:prstGeom prst="rect">
+            <a:avLst/>
+          </a:prstGeom>
+          <a:solidFill>
+            <a:schemeClr val="accent2">
+              <a:lumMod val="20000"/>
+              <a:lumOff val="80000"/>
+            </a:schemeClr>
+          </a:solidFill>
+          <a:ln>
+            <a:solidFill>
+              <a:schemeClr val="accent2"/>
+            </a:solidFill>
+          </a:ln>
+        </p:spPr>
+        <p:style>
+          <a:lnRef idx="2">
+            <a:schemeClr val="accent1">
+              <a:shade val="50000"/>
+            </a:schemeClr>
+          </a:lnRef>
+          <a:fillRef idx="1">
+            <a:schemeClr val="accent1"/>
+          </a:fillRef>
+          <a:effectRef idx="0">
+            <a:schemeClr val="accent1"/>
+          </a:effectRef>
+          <a:fontRef idx="minor">
+            <a:schemeClr val="lt1"/>
+          </a:fontRef>
+        </p:style>
+        <p:txBody>
+          <a:bodyPr rtlCol="0" anchor="ctr"/>
+          <a:p>
+            <a:pPr algn="ctr"/>
+            <a:endParaRPr lang="zh-CN" altLang="en-US"/>
+          </a:p>
+        </p:txBody>
+      </p:sp>
+      <p:sp>
+        <p:nvSpPr>
+          <p:cNvPr id="13" name="矩形 12"/>
+          <p:cNvSpPr/>
+          <p:nvPr/>
+        </p:nvSpPr>
+        <p:spPr>
+          <a:xfrm>
+            <a:off x="11457305" y="1309370"/>
+            <a:ext cx="283210" cy="243205"/>
+          </a:xfrm>
+          <a:prstGeom prst="rect">
+            <a:avLst/>
+          </a:prstGeom>
+          <a:solidFill>
+            <a:schemeClr val="accent2">
+              <a:lumMod val="20000"/>
+              <a:lumOff val="80000"/>
+            </a:schemeClr>
+          </a:solidFill>
+          <a:ln>
+            <a:solidFill>
+              <a:schemeClr val="accent2"/>
+            </a:solidFill>
+          </a:ln>
+        </p:spPr>
+        <p:style>
+          <a:lnRef idx="2">
+            <a:schemeClr val="accent1">
+              <a:shade val="50000"/>
+            </a:schemeClr>
+          </a:lnRef>
+          <a:fillRef idx="1">
+            <a:schemeClr val="accent1"/>
+          </a:fillRef>
+          <a:effectRef idx="0">
+            <a:schemeClr val="accent1"/>
+          </a:effectRef>
+          <a:fontRef idx="minor">
+            <a:schemeClr val="lt1"/>
+          </a:fontRef>
+        </p:style>
+        <p:txBody>
+          <a:bodyPr rtlCol="0" anchor="ctr"/>
+          <a:p>
+            <a:pPr algn="ctr"/>
+            <a:r>
+              <a:rPr lang="en-US" altLang="zh-CN">
+                <a:solidFill>
+                  <a:schemeClr val="tx1"/>
+                </a:solidFill>
+                <a:latin typeface="微软雅黑" panose="020B0503020204020204" pitchFamily="34" charset="-122"/>
+                <a:ea typeface="微软雅黑" panose="020B0503020204020204" pitchFamily="34" charset="-122"/>
+              </a:rPr>
+              <a:t>×</a:t>
+            </a:r>
+            <a:endParaRPr lang="en-US" altLang="zh-CN">
+              <a:solidFill>
+                <a:schemeClr val="tx1"/>
+              </a:solidFill>
+              <a:latin typeface="微软雅黑" panose="020B0503020204020204" pitchFamily="34" charset="-122"/>
+              <a:ea typeface="微软雅黑" panose="020B0503020204020204" pitchFamily="34" charset="-122"/>
+            </a:endParaRPr>
+          </a:p>
+        </p:txBody>
+      </p:sp>
+      <p:sp>
+        <p:nvSpPr>
+          <p:cNvPr id="24" name="矩形 23"/>
+          <p:cNvSpPr/>
+          <p:nvPr/>
+        </p:nvSpPr>
+        <p:spPr>
+          <a:xfrm>
+            <a:off x="11171555" y="1309370"/>
+            <a:ext cx="283210" cy="243205"/>
+          </a:xfrm>
+          <a:prstGeom prst="rect">
+            <a:avLst/>
+          </a:prstGeom>
+          <a:solidFill>
+            <a:schemeClr val="accent2">
+              <a:lumMod val="20000"/>
+              <a:lumOff val="80000"/>
+            </a:schemeClr>
+          </a:solidFill>
+          <a:ln>
+            <a:solidFill>
+              <a:schemeClr val="accent2"/>
+            </a:solidFill>
+          </a:ln>
+        </p:spPr>
+        <p:style>
+          <a:lnRef idx="2">
+            <a:schemeClr val="accent1">
+              <a:shade val="50000"/>
+            </a:schemeClr>
+          </a:lnRef>
+          <a:fillRef idx="1">
+            <a:schemeClr val="accent1"/>
+          </a:fillRef>
+          <a:effectRef idx="0">
+            <a:schemeClr val="accent1"/>
+          </a:effectRef>
+          <a:fontRef idx="minor">
+            <a:schemeClr val="lt1"/>
+          </a:fontRef>
+        </p:style>
+        <p:txBody>
+          <a:bodyPr rtlCol="0" anchor="ctr"/>
+          <a:p>
+            <a:pPr algn="ctr"/>
+            <a:r>
+              <a:rPr lang="zh-CN" altLang="en-US">
+                <a:solidFill>
+                  <a:schemeClr val="tx1"/>
+                </a:solidFill>
+                <a:latin typeface="微软雅黑" panose="020B0503020204020204" pitchFamily="34" charset="-122"/>
+                <a:ea typeface="微软雅黑" panose="020B0503020204020204" pitchFamily="34" charset="-122"/>
+              </a:rPr>
+              <a:t>□</a:t>
+            </a:r>
+            <a:endParaRPr lang="zh-CN" altLang="en-US">
+              <a:solidFill>
+                <a:schemeClr val="tx1"/>
+              </a:solidFill>
+              <a:latin typeface="微软雅黑" panose="020B0503020204020204" pitchFamily="34" charset="-122"/>
+              <a:ea typeface="微软雅黑" panose="020B0503020204020204" pitchFamily="34" charset="-122"/>
+            </a:endParaRPr>
+          </a:p>
+        </p:txBody>
+      </p:sp>
+      <p:sp>
+        <p:nvSpPr>
+          <p:cNvPr id="26" name="矩形 25"/>
+          <p:cNvSpPr/>
+          <p:nvPr/>
+        </p:nvSpPr>
+        <p:spPr>
+          <a:xfrm>
+            <a:off x="10888345" y="1309370"/>
+            <a:ext cx="283210" cy="243205"/>
+          </a:xfrm>
+          <a:prstGeom prst="rect">
+            <a:avLst/>
+          </a:prstGeom>
+          <a:solidFill>
+            <a:schemeClr val="accent2">
+              <a:lumMod val="20000"/>
+              <a:lumOff val="80000"/>
+            </a:schemeClr>
+          </a:solidFill>
+          <a:ln>
+            <a:solidFill>
+              <a:schemeClr val="accent2"/>
+            </a:solidFill>
+          </a:ln>
+        </p:spPr>
+        <p:style>
+          <a:lnRef idx="2">
+            <a:schemeClr val="accent1">
+              <a:shade val="50000"/>
+            </a:schemeClr>
+          </a:lnRef>
+          <a:fillRef idx="1">
+            <a:schemeClr val="accent1"/>
+          </a:fillRef>
+          <a:effectRef idx="0">
+            <a:schemeClr val="accent1"/>
+          </a:effectRef>
+          <a:fontRef idx="minor">
+            <a:schemeClr val="lt1"/>
+          </a:fontRef>
+        </p:style>
+        <p:txBody>
+          <a:bodyPr rtlCol="0" anchor="ctr"/>
+          <a:p>
+            <a:pPr algn="ctr"/>
+            <a:r>
+              <a:rPr lang="en-US" altLang="zh-CN" sz="900">
+                <a:solidFill>
+                  <a:schemeClr val="tx1"/>
+                </a:solidFill>
+              </a:rPr>
+              <a:t>_</a:t>
+            </a:r>
+            <a:endParaRPr lang="en-US" altLang="zh-CN" sz="900">
+              <a:solidFill>
+                <a:schemeClr val="tx1"/>
+              </a:solidFill>
+            </a:endParaRPr>
+          </a:p>
+        </p:txBody>
+      </p:sp>
+      <p:sp>
+        <p:nvSpPr>
+          <p:cNvPr id="29" name="矩形 28"/>
+          <p:cNvSpPr/>
+          <p:nvPr/>
+        </p:nvSpPr>
+        <p:spPr>
+          <a:xfrm>
+            <a:off x="6351271" y="3287534"/>
+            <a:ext cx="1025525" cy="368300"/>
+          </a:xfrm>
+          <a:prstGeom prst="rect">
+            <a:avLst/>
+          </a:prstGeom>
+        </p:spPr>
+        <p:txBody>
+          <a:bodyPr wrap="none">
+            <a:spAutoFit/>
+          </a:bodyPr>
+          <a:p>
+            <a:pPr algn="l"/>
+            <a:r>
+              <a:rPr lang="en-US" altLang="zh-CN" b="1" dirty="0" err="1" smtClean="0">
+                <a:solidFill>
+                  <a:schemeClr val="accent1">
+                    <a:lumMod val="75000"/>
+                  </a:schemeClr>
+                </a:solidFill>
+                <a:effectLst/>
+              </a:rPr>
+              <a:t>Category</a:t>
+            </a:r>
+            <a:endParaRPr lang="en-US" altLang="zh-CN" b="1" dirty="0" err="1" smtClean="0">
+              <a:solidFill>
+                <a:schemeClr val="accent1">
+                  <a:lumMod val="75000"/>
+                </a:schemeClr>
+              </a:solidFill>
+              <a:effectLst/>
+            </a:endParaRPr>
+          </a:p>
+        </p:txBody>
+      </p:sp>
+      <p:cxnSp>
+        <p:nvCxnSpPr>
+          <p:cNvPr id="30" name="直接箭头连接符 29"/>
+          <p:cNvCxnSpPr>
+            <a:stCxn id="29" idx="0"/>
+          </p:cNvCxnSpPr>
+          <p:nvPr/>
+        </p:nvCxnSpPr>
+        <p:spPr>
+          <a:xfrm flipH="1" flipV="1">
+            <a:off x="6410325" y="2484755"/>
+            <a:ext cx="454025" cy="802640"/>
+          </a:xfrm>
+          <a:prstGeom prst="straightConnector1">
+            <a:avLst/>
+          </a:prstGeom>
+          <a:ln>
+            <a:tailEnd type="arrow"/>
+          </a:ln>
+        </p:spPr>
+        <p:style>
+          <a:lnRef idx="1">
+            <a:schemeClr val="accent1"/>
+          </a:lnRef>
+          <a:fillRef idx="0">
+            <a:schemeClr val="accent1"/>
+          </a:fillRef>
+          <a:effectRef idx="0">
+            <a:schemeClr val="accent1"/>
+          </a:effectRef>
+          <a:fontRef idx="minor">
+            <a:schemeClr val="tx1"/>
+          </a:fontRef>
+        </p:style>
+      </p:cxnSp>
+      <p:sp>
+        <p:nvSpPr>
+          <p:cNvPr id="33" name="矩形 32"/>
+          <p:cNvSpPr/>
+          <p:nvPr/>
+        </p:nvSpPr>
+        <p:spPr>
+          <a:xfrm>
+            <a:off x="3460751" y="576719"/>
+            <a:ext cx="1755140" cy="368300"/>
+          </a:xfrm>
+          <a:prstGeom prst="rect">
+            <a:avLst/>
+          </a:prstGeom>
+        </p:spPr>
+        <p:txBody>
+          <a:bodyPr wrap="none">
+            <a:spAutoFit/>
+          </a:bodyPr>
+          <a:p>
+            <a:pPr algn="l"/>
+            <a:r>
+              <a:rPr lang="en-US" altLang="zh-CN" b="1" dirty="0" err="1" smtClean="0">
+                <a:solidFill>
+                  <a:schemeClr val="accent1">
+                    <a:lumMod val="75000"/>
+                  </a:schemeClr>
+                </a:solidFill>
+                <a:effectLst/>
+              </a:rPr>
+              <a:t>SARibbonTabBar</a:t>
+            </a:r>
+            <a:endParaRPr lang="en-US" altLang="zh-CN" b="1" dirty="0" err="1" smtClean="0">
+              <a:solidFill>
+                <a:schemeClr val="accent1">
+                  <a:lumMod val="75000"/>
+                </a:schemeClr>
+              </a:solidFill>
+              <a:effectLst/>
+            </a:endParaRPr>
+          </a:p>
+        </p:txBody>
+      </p:sp>
+      <p:cxnSp>
+        <p:nvCxnSpPr>
+          <p:cNvPr id="34" name="直接箭头连接符 33"/>
+          <p:cNvCxnSpPr/>
+          <p:nvPr/>
+        </p:nvCxnSpPr>
+        <p:spPr>
+          <a:xfrm flipH="1">
+            <a:off x="3813175" y="944880"/>
+            <a:ext cx="573405" cy="727075"/>
+          </a:xfrm>
+          <a:prstGeom prst="straightConnector1">
+            <a:avLst/>
+          </a:prstGeom>
+          <a:ln>
+            <a:tailEnd type="arrow"/>
+          </a:ln>
+        </p:spPr>
+        <p:style>
+          <a:lnRef idx="1">
+            <a:schemeClr val="accent1"/>
+          </a:lnRef>
+          <a:fillRef idx="0">
+            <a:schemeClr val="accent1"/>
+          </a:fillRef>
+          <a:effectRef idx="0">
+            <a:schemeClr val="accent1"/>
+          </a:effectRef>
+          <a:fontRef idx="minor">
+            <a:schemeClr val="tx1"/>
+          </a:fontRef>
+        </p:style>
+      </p:cxnSp>
+      <p:sp>
+        <p:nvSpPr>
+          <p:cNvPr id="35" name="矩形 34"/>
+          <p:cNvSpPr/>
+          <p:nvPr/>
+        </p:nvSpPr>
+        <p:spPr>
+          <a:xfrm>
+            <a:off x="6351271" y="577354"/>
+            <a:ext cx="890905" cy="368300"/>
+          </a:xfrm>
+          <a:prstGeom prst="rect">
+            <a:avLst/>
+          </a:prstGeom>
+        </p:spPr>
+        <p:txBody>
+          <a:bodyPr wrap="none">
+            <a:spAutoFit/>
+          </a:bodyPr>
+          <a:p>
+            <a:pPr algn="l"/>
+            <a:r>
+              <a:rPr lang="en-US" altLang="zh-CN" b="1" dirty="0" err="1" smtClean="0">
+                <a:solidFill>
+                  <a:schemeClr val="accent1">
+                    <a:lumMod val="75000"/>
+                  </a:schemeClr>
+                </a:solidFill>
+                <a:effectLst/>
+              </a:rPr>
+              <a:t>titleBar</a:t>
+            </a:r>
+            <a:endParaRPr lang="en-US" altLang="zh-CN" b="1" dirty="0" err="1" smtClean="0">
+              <a:solidFill>
+                <a:schemeClr val="accent1">
+                  <a:lumMod val="75000"/>
+                </a:schemeClr>
+              </a:solidFill>
+              <a:effectLst/>
+            </a:endParaRPr>
+          </a:p>
+        </p:txBody>
+      </p:sp>
+      <p:sp>
+        <p:nvSpPr>
+          <p:cNvPr id="36" name="文本框 35"/>
+          <p:cNvSpPr txBox="1"/>
+          <p:nvPr/>
+        </p:nvSpPr>
+        <p:spPr>
+          <a:xfrm>
+            <a:off x="2687320" y="1305560"/>
+            <a:ext cx="8201660" cy="245110"/>
+          </a:xfrm>
+          <a:prstGeom prst="rect">
+            <a:avLst/>
+          </a:prstGeom>
+          <a:noFill/>
+          <a:ln>
+            <a:solidFill>
+              <a:schemeClr val="tx1"/>
+            </a:solidFill>
+            <a:prstDash val="sysDot"/>
+          </a:ln>
+        </p:spPr>
+        <p:txBody>
+          <a:bodyPr wrap="square" rtlCol="0">
+            <a:spAutoFit/>
+          </a:bodyPr>
+          <a:p>
+            <a:pPr algn="ctr"/>
+            <a:r>
+              <a:rPr lang="en-US" altLang="zh-CN" sz="1000"/>
+              <a:t>window title</a:t>
+            </a:r>
+            <a:endParaRPr lang="en-US" altLang="zh-CN" sz="1000"/>
+          </a:p>
+        </p:txBody>
+      </p:sp>
+      <p:cxnSp>
+        <p:nvCxnSpPr>
+          <p:cNvPr id="37" name="直接箭头连接符 36"/>
+          <p:cNvCxnSpPr>
+            <a:stCxn id="35" idx="2"/>
+          </p:cNvCxnSpPr>
+          <p:nvPr/>
+        </p:nvCxnSpPr>
+        <p:spPr>
+          <a:xfrm flipH="1">
+            <a:off x="6629400" y="945515"/>
+            <a:ext cx="167640" cy="362585"/>
+          </a:xfrm>
+          <a:prstGeom prst="straightConnector1">
+            <a:avLst/>
+          </a:prstGeom>
+          <a:ln>
+            <a:tailEnd type="arrow"/>
+          </a:ln>
+        </p:spPr>
+        <p:style>
+          <a:lnRef idx="1">
+            <a:schemeClr val="accent1"/>
+          </a:lnRef>
+          <a:fillRef idx="0">
+            <a:schemeClr val="accent1"/>
+          </a:fillRef>
+          <a:effectRef idx="0">
+            <a:schemeClr val="accent1"/>
+          </a:effectRef>
+          <a:fontRef idx="minor">
+            <a:schemeClr val="tx1"/>
+          </a:fontRef>
+        </p:style>
+      </p:cxnSp>
+      <p:sp>
+        <p:nvSpPr>
+          <p:cNvPr id="38" name="矩形 37"/>
+          <p:cNvSpPr/>
+          <p:nvPr/>
+        </p:nvSpPr>
+        <p:spPr>
+          <a:xfrm>
+            <a:off x="361951" y="577354"/>
+            <a:ext cx="2593340" cy="368300"/>
+          </a:xfrm>
+          <a:prstGeom prst="rect">
+            <a:avLst/>
+          </a:prstGeom>
+        </p:spPr>
+        <p:txBody>
+          <a:bodyPr wrap="none">
+            <a:spAutoFit/>
+          </a:bodyPr>
+          <a:p>
+            <a:pPr algn="l"/>
+            <a:r>
+              <a:rPr lang="en-US" altLang="zh-CN" b="1" dirty="0" err="1" smtClean="0">
+                <a:solidFill>
+                  <a:schemeClr val="accent1">
+                    <a:lumMod val="75000"/>
+                  </a:schemeClr>
+                </a:solidFill>
+                <a:effectLst/>
+              </a:rPr>
+              <a:t>SARibbonQuickAccessBar</a:t>
+            </a:r>
+            <a:endParaRPr lang="en-US" altLang="zh-CN" b="1" dirty="0" err="1" smtClean="0">
+              <a:solidFill>
+                <a:schemeClr val="accent1">
+                  <a:lumMod val="75000"/>
+                </a:schemeClr>
+              </a:solidFill>
+              <a:effectLst/>
+            </a:endParaRPr>
+          </a:p>
+        </p:txBody>
+      </p:sp>
+      <p:cxnSp>
+        <p:nvCxnSpPr>
+          <p:cNvPr id="39" name="直接箭头连接符 38"/>
+          <p:cNvCxnSpPr>
+            <a:stCxn id="38" idx="2"/>
+          </p:cNvCxnSpPr>
+          <p:nvPr/>
+        </p:nvCxnSpPr>
+        <p:spPr>
+          <a:xfrm>
+            <a:off x="1658620" y="945515"/>
+            <a:ext cx="176530" cy="438785"/>
+          </a:xfrm>
+          <a:prstGeom prst="straightConnector1">
+            <a:avLst/>
+          </a:prstGeom>
+          <a:ln>
+            <a:tailEnd type="arrow"/>
+          </a:ln>
+        </p:spPr>
+        <p:style>
+          <a:lnRef idx="1">
+            <a:schemeClr val="accent1"/>
+          </a:lnRef>
+          <a:fillRef idx="0">
+            <a:schemeClr val="accent1"/>
+          </a:fillRef>
+          <a:effectRef idx="0">
+            <a:schemeClr val="accent1"/>
+          </a:effectRef>
+          <a:fontRef idx="minor">
+            <a:schemeClr val="tx1"/>
+          </a:fontRef>
+        </p:style>
+      </p:cxnSp>
+      <p:sp>
+        <p:nvSpPr>
+          <p:cNvPr id="40" name="矩形 39"/>
+          <p:cNvSpPr/>
+          <p:nvPr/>
+        </p:nvSpPr>
+        <p:spPr>
+          <a:xfrm>
+            <a:off x="194946" y="3287534"/>
+            <a:ext cx="1887855" cy="368300"/>
+          </a:xfrm>
+          <a:prstGeom prst="rect">
+            <a:avLst/>
+          </a:prstGeom>
+        </p:spPr>
+        <p:txBody>
+          <a:bodyPr wrap="none">
+            <a:spAutoFit/>
+          </a:bodyPr>
+          <a:p>
+            <a:pPr algn="l"/>
+            <a:r>
+              <a:rPr lang="en-US" altLang="zh-CN" b="1" dirty="0" err="1" smtClean="0">
+                <a:solidFill>
+                  <a:schemeClr val="accent1">
+                    <a:lumMod val="75000"/>
+                  </a:schemeClr>
+                </a:solidFill>
+                <a:effectLst/>
+              </a:rPr>
+              <a:t>applicationButton</a:t>
+            </a:r>
+            <a:endParaRPr lang="en-US" altLang="zh-CN" b="1" dirty="0" err="1" smtClean="0">
+              <a:solidFill>
+                <a:schemeClr val="accent1">
+                  <a:lumMod val="75000"/>
+                </a:schemeClr>
+              </a:solidFill>
+              <a:effectLst/>
+            </a:endParaRPr>
+          </a:p>
+        </p:txBody>
+      </p:sp>
+      <p:sp>
+        <p:nvSpPr>
+          <p:cNvPr id="42" name="矩形 41"/>
+          <p:cNvSpPr/>
+          <p:nvPr/>
+        </p:nvSpPr>
+        <p:spPr>
+          <a:xfrm>
+            <a:off x="1268095" y="1815465"/>
+            <a:ext cx="3780155" cy="1141095"/>
+          </a:xfrm>
+          <a:prstGeom prst="rect">
+            <a:avLst/>
+          </a:prstGeom>
+          <a:solidFill>
+            <a:schemeClr val="accent1">
+              <a:lumMod val="20000"/>
+              <a:lumOff val="80000"/>
+            </a:schemeClr>
+          </a:solidFill>
+          <a:ln>
+            <a:solidFill>
+              <a:schemeClr val="tx1"/>
+            </a:solidFill>
+          </a:ln>
+        </p:spPr>
+        <p:style>
+          <a:lnRef idx="2">
+            <a:schemeClr val="accent1">
+              <a:shade val="50000"/>
+            </a:schemeClr>
+          </a:lnRef>
+          <a:fillRef idx="1">
+            <a:schemeClr val="accent1"/>
+          </a:fillRef>
+          <a:effectRef idx="0">
+            <a:schemeClr val="accent1"/>
+          </a:effectRef>
+          <a:fontRef idx="minor">
+            <a:schemeClr val="lt1"/>
+          </a:fontRef>
+        </p:style>
+        <p:txBody>
+          <a:bodyPr rtlCol="0" anchor="ctr"/>
+          <a:p>
+            <a:pPr algn="ctr"/>
+            <a:endParaRPr lang="zh-CN" altLang="en-US"/>
+          </a:p>
+        </p:txBody>
+      </p:sp>
+      <p:sp>
+        <p:nvSpPr>
+          <p:cNvPr id="43" name="矩形 42"/>
+          <p:cNvSpPr/>
+          <p:nvPr/>
+        </p:nvSpPr>
+        <p:spPr>
+          <a:xfrm>
+            <a:off x="1268730" y="1815465"/>
+            <a:ext cx="3779520" cy="976630"/>
+          </a:xfrm>
+          <a:prstGeom prst="rect">
+            <a:avLst/>
+          </a:prstGeom>
+          <a:solidFill>
+            <a:schemeClr val="bg1"/>
+          </a:solidFill>
+        </p:spPr>
+        <p:style>
+          <a:lnRef idx="2">
+            <a:schemeClr val="accent1">
+              <a:shade val="50000"/>
+            </a:schemeClr>
+          </a:lnRef>
+          <a:fillRef idx="1">
+            <a:schemeClr val="accent1"/>
+          </a:fillRef>
+          <a:effectRef idx="0">
+            <a:schemeClr val="accent1"/>
+          </a:effectRef>
+          <a:fontRef idx="minor">
+            <a:schemeClr val="lt1"/>
+          </a:fontRef>
+        </p:style>
+        <p:txBody>
+          <a:bodyPr rtlCol="0" anchor="ctr"/>
+          <a:p>
+            <a:pPr algn="ctr"/>
+            <a:endParaRPr lang="zh-CN" altLang="en-US"/>
+          </a:p>
+        </p:txBody>
+      </p:sp>
+      <p:sp>
+        <p:nvSpPr>
+          <p:cNvPr id="44" name="矩形 43"/>
+          <p:cNvSpPr/>
+          <p:nvPr/>
+        </p:nvSpPr>
+        <p:spPr>
+          <a:xfrm>
+            <a:off x="4892040" y="2816225"/>
+            <a:ext cx="132080" cy="111125"/>
+          </a:xfrm>
+          <a:prstGeom prst="rect">
+            <a:avLst/>
+          </a:prstGeom>
+          <a:solidFill>
+            <a:schemeClr val="accent2"/>
+          </a:solidFill>
+        </p:spPr>
+        <p:style>
+          <a:lnRef idx="2">
+            <a:schemeClr val="accent1">
+              <a:shade val="50000"/>
+            </a:schemeClr>
+          </a:lnRef>
+          <a:fillRef idx="1">
+            <a:schemeClr val="accent1"/>
+          </a:fillRef>
+          <a:effectRef idx="0">
+            <a:schemeClr val="accent1"/>
+          </a:effectRef>
+          <a:fontRef idx="minor">
+            <a:schemeClr val="lt1"/>
+          </a:fontRef>
+        </p:style>
+        <p:txBody>
+          <a:bodyPr rtlCol="0" anchor="ctr"/>
+          <a:p>
+            <a:pPr algn="ctr"/>
+            <a:endParaRPr lang="zh-CN" altLang="en-US"/>
+          </a:p>
+        </p:txBody>
+      </p:sp>
+      <p:sp>
+        <p:nvSpPr>
+          <p:cNvPr id="45" name="矩形 44"/>
+          <p:cNvSpPr/>
+          <p:nvPr/>
+        </p:nvSpPr>
+        <p:spPr>
+          <a:xfrm>
+            <a:off x="1323340" y="1857375"/>
+            <a:ext cx="671195" cy="892175"/>
+          </a:xfrm>
+          <a:prstGeom prst="rect">
+            <a:avLst/>
+          </a:prstGeom>
+        </p:spPr>
+        <p:style>
+          <a:lnRef idx="2">
+            <a:schemeClr val="accent1">
+              <a:shade val="50000"/>
+            </a:schemeClr>
+          </a:lnRef>
+          <a:fillRef idx="1">
+            <a:schemeClr val="accent1"/>
+          </a:fillRef>
+          <a:effectRef idx="0">
+            <a:schemeClr val="accent1"/>
+          </a:effectRef>
+          <a:fontRef idx="minor">
+            <a:schemeClr val="lt1"/>
+          </a:fontRef>
+        </p:style>
+        <p:txBody>
+          <a:bodyPr rtlCol="0" anchor="ctr"/>
+          <a:p>
+            <a:pPr algn="ctr"/>
+            <a:endParaRPr lang="zh-CN" altLang="en-US"/>
+          </a:p>
+        </p:txBody>
+      </p:sp>
+      <p:sp>
+        <p:nvSpPr>
+          <p:cNvPr id="46" name="矩形 45"/>
+          <p:cNvSpPr/>
+          <p:nvPr/>
+        </p:nvSpPr>
+        <p:spPr>
+          <a:xfrm>
+            <a:off x="2088515" y="2494280"/>
+            <a:ext cx="894715" cy="255270"/>
+          </a:xfrm>
+          <a:prstGeom prst="rect">
+            <a:avLst/>
+          </a:prstGeom>
+        </p:spPr>
+        <p:style>
+          <a:lnRef idx="2">
+            <a:schemeClr val="accent1">
+              <a:shade val="50000"/>
+            </a:schemeClr>
+          </a:lnRef>
+          <a:fillRef idx="1">
+            <a:schemeClr val="accent1"/>
+          </a:fillRef>
+          <a:effectRef idx="0">
+            <a:schemeClr val="accent1"/>
+          </a:effectRef>
+          <a:fontRef idx="minor">
+            <a:schemeClr val="lt1"/>
+          </a:fontRef>
+        </p:style>
+        <p:txBody>
+          <a:bodyPr rtlCol="0" anchor="ctr"/>
+          <a:p>
+            <a:pPr algn="ctr"/>
+            <a:endParaRPr lang="zh-CN" altLang="en-US"/>
+          </a:p>
+        </p:txBody>
+      </p:sp>
+      <p:sp>
+        <p:nvSpPr>
+          <p:cNvPr id="47" name="矩形 46"/>
+          <p:cNvSpPr/>
+          <p:nvPr/>
+        </p:nvSpPr>
+        <p:spPr>
+          <a:xfrm>
+            <a:off x="2088515" y="1857375"/>
+            <a:ext cx="894715" cy="255270"/>
+          </a:xfrm>
+          <a:prstGeom prst="rect">
+            <a:avLst/>
+          </a:prstGeom>
+        </p:spPr>
+        <p:style>
+          <a:lnRef idx="2">
+            <a:schemeClr val="accent1">
+              <a:shade val="50000"/>
+            </a:schemeClr>
+          </a:lnRef>
+          <a:fillRef idx="1">
+            <a:schemeClr val="accent1"/>
+          </a:fillRef>
+          <a:effectRef idx="0">
+            <a:schemeClr val="accent1"/>
+          </a:effectRef>
+          <a:fontRef idx="minor">
+            <a:schemeClr val="lt1"/>
+          </a:fontRef>
+        </p:style>
+        <p:txBody>
+          <a:bodyPr rtlCol="0" anchor="ctr"/>
+          <a:p>
+            <a:pPr algn="ctr"/>
+            <a:endParaRPr lang="zh-CN" altLang="en-US"/>
+          </a:p>
+        </p:txBody>
+      </p:sp>
+      <p:sp>
+        <p:nvSpPr>
+          <p:cNvPr id="48" name="矩形 47"/>
+          <p:cNvSpPr/>
+          <p:nvPr/>
+        </p:nvSpPr>
+        <p:spPr>
+          <a:xfrm>
+            <a:off x="2088515" y="2176145"/>
+            <a:ext cx="894715" cy="255270"/>
+          </a:xfrm>
+          <a:prstGeom prst="rect">
+            <a:avLst/>
+          </a:prstGeom>
+        </p:spPr>
+        <p:style>
+          <a:lnRef idx="2">
+            <a:schemeClr val="accent1">
+              <a:shade val="50000"/>
+            </a:schemeClr>
+          </a:lnRef>
+          <a:fillRef idx="1">
+            <a:schemeClr val="accent1"/>
+          </a:fillRef>
+          <a:effectRef idx="0">
+            <a:schemeClr val="accent1"/>
+          </a:effectRef>
+          <a:fontRef idx="minor">
+            <a:schemeClr val="lt1"/>
+          </a:fontRef>
+        </p:style>
+        <p:txBody>
+          <a:bodyPr rtlCol="0" anchor="ctr"/>
+          <a:p>
+            <a:pPr algn="ctr"/>
+            <a:endParaRPr lang="zh-CN" altLang="en-US"/>
+          </a:p>
+        </p:txBody>
+      </p:sp>
+      <p:sp>
+        <p:nvSpPr>
+          <p:cNvPr id="49" name="矩形 48"/>
+          <p:cNvSpPr/>
+          <p:nvPr/>
+        </p:nvSpPr>
+        <p:spPr>
+          <a:xfrm>
+            <a:off x="3093085" y="2340610"/>
+            <a:ext cx="894715" cy="255270"/>
+          </a:xfrm>
+          <a:prstGeom prst="rect">
+            <a:avLst/>
+          </a:prstGeom>
+        </p:spPr>
+        <p:style>
+          <a:lnRef idx="2">
+            <a:schemeClr val="accent1">
+              <a:shade val="50000"/>
+            </a:schemeClr>
+          </a:lnRef>
+          <a:fillRef idx="1">
+            <a:schemeClr val="accent1"/>
+          </a:fillRef>
+          <a:effectRef idx="0">
+            <a:schemeClr val="accent1"/>
+          </a:effectRef>
+          <a:fontRef idx="minor">
+            <a:schemeClr val="lt1"/>
+          </a:fontRef>
+        </p:style>
+        <p:txBody>
+          <a:bodyPr rtlCol="0" anchor="ctr"/>
+          <a:p>
+            <a:pPr algn="ctr"/>
+            <a:endParaRPr lang="zh-CN" altLang="en-US"/>
+          </a:p>
+        </p:txBody>
+      </p:sp>
+      <p:sp>
+        <p:nvSpPr>
+          <p:cNvPr id="50" name="矩形 49"/>
+          <p:cNvSpPr/>
+          <p:nvPr/>
+        </p:nvSpPr>
+        <p:spPr>
+          <a:xfrm>
+            <a:off x="3093085" y="1967230"/>
+            <a:ext cx="894715" cy="255270"/>
+          </a:xfrm>
+          <a:prstGeom prst="rect">
+            <a:avLst/>
+          </a:prstGeom>
+        </p:spPr>
+        <p:style>
+          <a:lnRef idx="2">
+            <a:schemeClr val="accent1">
+              <a:shade val="50000"/>
+            </a:schemeClr>
+          </a:lnRef>
+          <a:fillRef idx="1">
+            <a:schemeClr val="accent1"/>
+          </a:fillRef>
+          <a:effectRef idx="0">
+            <a:schemeClr val="accent1"/>
+          </a:effectRef>
+          <a:fontRef idx="minor">
+            <a:schemeClr val="lt1"/>
+          </a:fontRef>
+        </p:style>
+        <p:txBody>
+          <a:bodyPr rtlCol="0" anchor="ctr"/>
+          <a:p>
+            <a:pPr algn="ctr"/>
+            <a:endParaRPr lang="zh-CN" altLang="en-US"/>
+          </a:p>
+        </p:txBody>
+      </p:sp>
+      <p:sp>
+        <p:nvSpPr>
+          <p:cNvPr id="51" name="文本框 50"/>
+          <p:cNvSpPr txBox="1"/>
+          <p:nvPr/>
+        </p:nvSpPr>
+        <p:spPr>
+          <a:xfrm>
+            <a:off x="1266190" y="2792730"/>
+            <a:ext cx="3606800" cy="158750"/>
+          </a:xfrm>
+          <a:prstGeom prst="rect">
+            <a:avLst/>
+          </a:prstGeom>
+          <a:noFill/>
+          <a:ln>
+            <a:solidFill>
+              <a:schemeClr val="bg1">
+                <a:lumMod val="50000"/>
+              </a:schemeClr>
+            </a:solidFill>
+            <a:prstDash val="dash"/>
+          </a:ln>
+        </p:spPr>
+        <p:txBody>
+          <a:bodyPr wrap="square" lIns="0" tIns="0" rIns="0" bIns="0" rtlCol="0">
+            <a:noAutofit/>
+          </a:bodyPr>
+          <a:p>
+            <a:pPr algn="ctr"/>
+            <a:r>
+              <a:rPr lang="en-US" altLang="zh-CN" sz="1200" dirty="0" err="1" smtClean="0"/>
+              <a:t>Pannel</a:t>
+            </a:r>
+            <a:r>
+              <a:rPr lang="en-US" altLang="zh-CN" sz="1200" dirty="0" smtClean="0"/>
+              <a:t> Title</a:t>
+            </a:r>
+            <a:endParaRPr lang="en-US" altLang="zh-CN" sz="1200" dirty="0" smtClean="0"/>
+          </a:p>
+        </p:txBody>
+      </p:sp>
+      <p:sp>
+        <p:nvSpPr>
+          <p:cNvPr id="52" name="矩形 51"/>
+          <p:cNvSpPr/>
+          <p:nvPr/>
+        </p:nvSpPr>
+        <p:spPr>
+          <a:xfrm>
+            <a:off x="4090670" y="1857375"/>
+            <a:ext cx="671195" cy="892175"/>
+          </a:xfrm>
+          <a:prstGeom prst="rect">
+            <a:avLst/>
+          </a:prstGeom>
+        </p:spPr>
+        <p:style>
+          <a:lnRef idx="2">
+            <a:schemeClr val="accent1">
+              <a:shade val="50000"/>
+            </a:schemeClr>
+          </a:lnRef>
+          <a:fillRef idx="1">
+            <a:schemeClr val="accent1"/>
+          </a:fillRef>
+          <a:effectRef idx="0">
+            <a:schemeClr val="accent1"/>
+          </a:effectRef>
+          <a:fontRef idx="minor">
+            <a:schemeClr val="lt1"/>
+          </a:fontRef>
+        </p:style>
+        <p:txBody>
+          <a:bodyPr rtlCol="0" anchor="ctr"/>
+          <a:p>
+            <a:pPr algn="ctr"/>
+            <a:endParaRPr lang="zh-CN" altLang="en-US"/>
+          </a:p>
+        </p:txBody>
+      </p:sp>
+      <p:cxnSp>
+        <p:nvCxnSpPr>
+          <p:cNvPr id="41" name="直接箭头连接符 40"/>
+          <p:cNvCxnSpPr>
+            <a:stCxn id="40" idx="0"/>
+            <a:endCxn id="3" idx="2"/>
+          </p:cNvCxnSpPr>
+          <p:nvPr/>
+        </p:nvCxnSpPr>
+        <p:spPr>
+          <a:xfrm flipV="1">
+            <a:off x="1139190" y="1764030"/>
+            <a:ext cx="277495" cy="1523365"/>
+          </a:xfrm>
+          <a:prstGeom prst="straightConnector1">
+            <a:avLst/>
+          </a:prstGeom>
+          <a:ln>
+            <a:solidFill>
+              <a:schemeClr val="tx1"/>
+            </a:solidFill>
+            <a:tailEnd type="arrow"/>
+          </a:ln>
+        </p:spPr>
+        <p:style>
+          <a:lnRef idx="1">
+            <a:schemeClr val="accent1"/>
+          </a:lnRef>
+          <a:fillRef idx="0">
+            <a:schemeClr val="accent1"/>
+          </a:fillRef>
+          <a:effectRef idx="0">
+            <a:schemeClr val="accent1"/>
+          </a:effectRef>
+          <a:fontRef idx="minor">
+            <a:schemeClr val="tx1"/>
+          </a:fontRef>
+        </p:style>
+      </p:cxnSp>
+      <p:sp>
+        <p:nvSpPr>
+          <p:cNvPr id="53" name="矩形 52"/>
+          <p:cNvSpPr/>
+          <p:nvPr/>
+        </p:nvSpPr>
+        <p:spPr>
+          <a:xfrm>
+            <a:off x="3304541" y="3287534"/>
+            <a:ext cx="828675" cy="368300"/>
+          </a:xfrm>
+          <a:prstGeom prst="rect">
+            <a:avLst/>
+          </a:prstGeom>
+        </p:spPr>
+        <p:txBody>
+          <a:bodyPr wrap="none">
+            <a:spAutoFit/>
+          </a:bodyPr>
+          <a:p>
+            <a:pPr algn="l"/>
+            <a:r>
+              <a:rPr lang="en-US" altLang="zh-CN" b="1" dirty="0" err="1" smtClean="0">
+                <a:solidFill>
+                  <a:schemeClr val="accent1">
+                    <a:lumMod val="75000"/>
+                  </a:schemeClr>
+                </a:solidFill>
+                <a:effectLst/>
+              </a:rPr>
+              <a:t>Pannel</a:t>
+            </a:r>
+            <a:endParaRPr lang="en-US" altLang="zh-CN" b="1" dirty="0" err="1" smtClean="0">
+              <a:solidFill>
+                <a:schemeClr val="accent1">
+                  <a:lumMod val="75000"/>
+                </a:schemeClr>
+              </a:solidFill>
+              <a:effectLst/>
+            </a:endParaRPr>
+          </a:p>
+        </p:txBody>
+      </p:sp>
+      <p:cxnSp>
+        <p:nvCxnSpPr>
+          <p:cNvPr id="54" name="直接箭头连接符 53"/>
+          <p:cNvCxnSpPr>
+            <a:stCxn id="53" idx="0"/>
+          </p:cNvCxnSpPr>
+          <p:nvPr/>
+        </p:nvCxnSpPr>
+        <p:spPr>
+          <a:xfrm flipV="1">
+            <a:off x="3719195" y="2952750"/>
+            <a:ext cx="100330" cy="334645"/>
+          </a:xfrm>
+          <a:prstGeom prst="straightConnector1">
+            <a:avLst/>
+          </a:prstGeom>
+          <a:ln>
+            <a:tailEnd type="arrow"/>
+          </a:ln>
+        </p:spPr>
+        <p:style>
+          <a:lnRef idx="1">
+            <a:schemeClr val="accent1"/>
+          </a:lnRef>
+          <a:fillRef idx="0">
+            <a:schemeClr val="accent1"/>
+          </a:fillRef>
+          <a:effectRef idx="0">
+            <a:schemeClr val="accent1"/>
+          </a:effectRef>
+          <a:fontRef idx="minor">
+            <a:schemeClr val="tx1"/>
+          </a:fontRef>
+        </p:style>
+      </p:cxnSp>
+      <p:sp>
+        <p:nvSpPr>
+          <p:cNvPr id="55" name="文本框 54"/>
+          <p:cNvSpPr txBox="1"/>
+          <p:nvPr/>
+        </p:nvSpPr>
+        <p:spPr>
+          <a:xfrm>
+            <a:off x="4053840" y="137795"/>
+            <a:ext cx="5345430" cy="368300"/>
+          </a:xfrm>
+          <a:prstGeom prst="rect">
+            <a:avLst/>
+          </a:prstGeom>
+        </p:spPr>
+        <p:style>
+          <a:lnRef idx="2">
+            <a:schemeClr val="dk1"/>
+          </a:lnRef>
+          <a:fillRef idx="1">
+            <a:schemeClr val="lt1"/>
+          </a:fillRef>
+          <a:effectRef idx="0">
+            <a:schemeClr val="dk1"/>
+          </a:effectRef>
+          <a:fontRef idx="minor">
+            <a:schemeClr val="dk1"/>
+          </a:fontRef>
+        </p:style>
+        <p:txBody>
+          <a:bodyPr wrap="square" rtlCol="0" anchor="t">
+            <a:spAutoFit/>
+          </a:bodyPr>
+          <a:p>
+            <a:pPr algn="ctr"/>
+            <a:r>
+              <a:rPr lang="zh-CN" altLang="en-US" b="1">
+                <a:latin typeface="微软雅黑" panose="020B0503020204020204" pitchFamily="34" charset="-122"/>
+                <a:ea typeface="微软雅黑" panose="020B0503020204020204" pitchFamily="34" charset="-122"/>
+                <a:cs typeface="微软雅黑" panose="020B0503020204020204" pitchFamily="34" charset="-122"/>
+              </a:rPr>
+              <a:t>SARibbonBar</a:t>
+            </a:r>
+            <a:r>
+              <a:rPr lang="en-US" altLang="zh-CN" b="1">
+                <a:latin typeface="微软雅黑" panose="020B0503020204020204" pitchFamily="34" charset="-122"/>
+                <a:ea typeface="微软雅黑" panose="020B0503020204020204" pitchFamily="34" charset="-122"/>
+                <a:cs typeface="微软雅黑" panose="020B0503020204020204" pitchFamily="34" charset="-122"/>
+              </a:rPr>
+              <a:t>::</a:t>
+            </a:r>
+            <a:r>
+              <a:rPr lang="zh-CN" altLang="en-US" b="1">
+                <a:latin typeface="微软雅黑" panose="020B0503020204020204" pitchFamily="34" charset="-122"/>
+                <a:ea typeface="微软雅黑" panose="020B0503020204020204" pitchFamily="34" charset="-122"/>
+                <a:cs typeface="微软雅黑" panose="020B0503020204020204" pitchFamily="34" charset="-122"/>
+              </a:rPr>
+              <a:t>OfficeStyle  </a:t>
+            </a:r>
+            <a:r>
+              <a:rPr lang="en-US" altLang="zh-CN" b="1">
+                <a:latin typeface="微软雅黑" panose="020B0503020204020204" pitchFamily="34" charset="-122"/>
+                <a:ea typeface="微软雅黑" panose="020B0503020204020204" pitchFamily="34" charset="-122"/>
+                <a:cs typeface="微软雅黑" panose="020B0503020204020204" pitchFamily="34" charset="-122"/>
+              </a:rPr>
+              <a:t>Ribbon</a:t>
+            </a:r>
+            <a:r>
+              <a:rPr lang="zh-CN" altLang="en-US" b="1">
+                <a:latin typeface="微软雅黑" panose="020B0503020204020204" pitchFamily="34" charset="-122"/>
+                <a:ea typeface="微软雅黑" panose="020B0503020204020204" pitchFamily="34" charset="-122"/>
+                <a:cs typeface="微软雅黑" panose="020B0503020204020204" pitchFamily="34" charset="-122"/>
+              </a:rPr>
+              <a:t>模式示例</a:t>
+            </a:r>
+            <a:endParaRPr lang="zh-CN" altLang="en-US" b="1">
+              <a:latin typeface="微软雅黑" panose="020B0503020204020204" pitchFamily="34" charset="-122"/>
+              <a:ea typeface="微软雅黑" panose="020B0503020204020204" pitchFamily="34" charset="-122"/>
+              <a:cs typeface="微软雅黑" panose="020B0503020204020204" pitchFamily="34" charset="-122"/>
+            </a:endParaRPr>
+          </a:p>
+        </p:txBody>
+      </p:sp>
+    </p:spTree>
+  </p:cSld>
+  <p:clrMapOvr>
+    <a:masterClrMapping/>
+  </p:clrMapOvr>
+</p:sld>
+</file>
+
+<file path=ppt/slides/slide2.xml><?xml version="1.0" encoding="utf-8"?>
+<p:sld xmlns:a="http://schemas.openxmlformats.org/drawingml/2006/main" xmlns:r="http://schemas.openxmlformats.org/officeDocument/2006/relationships" xmlns:p="http://schemas.openxmlformats.org/presentationml/2006/main">
+  <p:cSld>
+    <p:spTree>
+      <p:nvGrpSpPr>
+        <p:cNvPr id="1" name=""/>
+        <p:cNvGrpSpPr/>
+        <p:nvPr/>
+      </p:nvGrpSpPr>
+      <p:grpSpPr>
+        <a:xfrm>
+          <a:off x="0" y="0"/>
+          <a:ext cx="0" cy="0"/>
+          <a:chOff x="0" y="0"/>
+          <a:chExt cx="0" cy="0"/>
+        </a:xfrm>
+      </p:grpSpPr>
+      <p:sp>
+        <p:nvSpPr>
+          <p:cNvPr id="4" name="矩形 3"/>
+          <p:cNvSpPr/>
+          <p:nvPr/>
+        </p:nvSpPr>
+        <p:spPr>
+          <a:xfrm>
             <a:off x="1210611" y="1309512"/>
             <a:ext cx="4828347" cy="1703750"/>
           </a:xfrm>
@@ -4784,7 +6231,7 @@
           <p:nvPr/>
         </p:nvPicPr>
         <p:blipFill>
-          <a:blip r:embed="rId2"/>
+          <a:blip r:embed="rId1"/>
           <a:stretch>
             <a:fillRect/>
           </a:stretch>
@@ -5203,7 +6650,7 @@
           <p:nvPr/>
         </p:nvPicPr>
         <p:blipFill>
-          <a:blip r:embed="rId3"/>
+          <a:blip r:embed="rId2"/>
           <a:stretch>
             <a:fillRect/>
           </a:stretch>
@@ -5571,11 +7018,6 @@
         </p:txBody>
       </p:sp>
     </p:spTree>
-    <p:extLst>
-      <p:ext uri="{BB962C8B-B14F-4D97-AF65-F5344CB8AC3E}">
-        <p14:creationId xmlns:p14="http://schemas.microsoft.com/office/powerpoint/2010/main" val="1992269711"/>
-      </p:ext>
-    </p:extLst>
   </p:cSld>
   <p:clrMapOvr>
     <a:masterClrMapping/>
@@ -5626,7 +7068,7 @@
     </a:clrScheme>
     <a:fontScheme name="Office">
       <a:majorFont>
-        <a:latin typeface="Calibri Light" panose="020F0302020204030204"/>
+        <a:latin typeface="Calibri Light"/>
         <a:ea typeface=""/>
         <a:cs typeface=""/>
         <a:font script="Jpan" typeface="ＭＳ Ｐゴシック"/>
@@ -5661,7 +7103,7 @@
         <a:font script="Geor" typeface="Sylfaen"/>
       </a:majorFont>
       <a:minorFont>
-        <a:latin typeface="Calibri" panose="020F0502020204030204"/>
+        <a:latin typeface="Calibri"/>
         <a:ea typeface=""/>
         <a:cs typeface=""/>
         <a:font script="Jpan" typeface="ＭＳ Ｐゴシック"/>
@@ -5834,8 +7276,6 @@
       </a:bgFillStyleLst>
     </a:fmtScheme>
   </a:themeElements>
-  <a:objectDefaults/>
-  <a:extraClrSchemeLst/>
   <a:extLst>
     <a:ext uri="{05A4C25C-085E-4340-85A3-A5531E510DB2}">
       <thm15:themeFamily xmlns:thm15="http://schemas.microsoft.com/office/thememl/2012/main" name="Office Theme" id="{62F939B6-93AF-4DB8-9C6B-D6C7DFDC589F}" vid="{4A3C46E8-61CC-4603-A589-7422A47A8E4A}"/>

--- a/src/SARibbonBar/doc/SARibbonBar.pptx
+++ b/src/SARibbonBar/doc/SARibbonBar.pptx
@@ -6,7 +6,8 @@
   </p:sldMasterIdLst>
   <p:sldIdLst>
     <p:sldId id="257" r:id="rId3"/>
-    <p:sldId id="256" r:id="rId4"/>
+    <p:sldId id="259" r:id="rId4"/>
+    <p:sldId id="256" r:id="rId5"/>
   </p:sldIdLst>
   <p:sldSz cx="12192000" cy="6858000"/>
   <p:notesSz cx="6858000" cy="9144000"/>
@@ -3112,7 +3113,7 @@
         </p:nvSpPr>
         <p:spPr>
           <a:xfrm>
-            <a:off x="1210310" y="1309370"/>
+            <a:off x="1557020" y="1309370"/>
             <a:ext cx="1477010" cy="248285"/>
           </a:xfrm>
           <a:prstGeom prst="rect">
@@ -3553,8 +3554,8 @@
         </p:nvSpPr>
         <p:spPr>
           <a:xfrm>
-            <a:off x="2687320" y="1305560"/>
-            <a:ext cx="8201660" cy="245110"/>
+            <a:off x="3093085" y="1305560"/>
+            <a:ext cx="7795895" cy="245110"/>
           </a:xfrm>
           <a:prstGeom prst="rect">
             <a:avLst/>
@@ -4386,6 +4387,132 @@
           </a:p>
         </p:txBody>
       </p:sp>
+      <p:pic>
+        <p:nvPicPr>
+          <p:cNvPr id="6" name="图片 5"/>
+          <p:cNvPicPr>
+            <a:picLocks noChangeAspect="1"/>
+          </p:cNvPicPr>
+          <p:nvPr/>
+        </p:nvPicPr>
+        <p:blipFill>
+          <a:blip r:embed="rId1"/>
+          <a:stretch>
+            <a:fillRect/>
+          </a:stretch>
+        </p:blipFill>
+        <p:spPr>
+          <a:xfrm>
+            <a:off x="1557020" y="4365625"/>
+            <a:ext cx="8734425" cy="1428750"/>
+          </a:xfrm>
+          <a:prstGeom prst="rect">
+            <a:avLst/>
+          </a:prstGeom>
+        </p:spPr>
+      </p:pic>
+      <p:sp>
+        <p:nvSpPr>
+          <p:cNvPr id="8" name="矩形 7"/>
+          <p:cNvSpPr/>
+          <p:nvPr/>
+        </p:nvSpPr>
+        <p:spPr>
+          <a:xfrm>
+            <a:off x="1860550" y="4391025"/>
+            <a:ext cx="2619375" cy="235585"/>
+          </a:xfrm>
+          <a:prstGeom prst="rect">
+            <a:avLst/>
+          </a:prstGeom>
+          <a:solidFill>
+            <a:schemeClr val="accent2">
+              <a:lumMod val="20000"/>
+              <a:lumOff val="80000"/>
+              <a:alpha val="10000"/>
+            </a:schemeClr>
+          </a:solidFill>
+          <a:ln>
+            <a:solidFill>
+              <a:schemeClr val="accent2"/>
+            </a:solidFill>
+          </a:ln>
+        </p:spPr>
+        <p:style>
+          <a:lnRef idx="2">
+            <a:schemeClr val="accent1">
+              <a:shade val="50000"/>
+            </a:schemeClr>
+          </a:lnRef>
+          <a:fillRef idx="1">
+            <a:schemeClr val="accent1"/>
+          </a:fillRef>
+          <a:effectRef idx="0">
+            <a:schemeClr val="accent1"/>
+          </a:effectRef>
+          <a:fontRef idx="minor">
+            <a:schemeClr val="lt1"/>
+          </a:fontRef>
+        </p:style>
+        <p:txBody>
+          <a:bodyPr rtlCol="0" anchor="ctr"/>
+          <a:p>
+            <a:pPr algn="ctr"/>
+            <a:endParaRPr lang="zh-CN" altLang="en-US"/>
+          </a:p>
+        </p:txBody>
+      </p:sp>
+      <p:sp>
+        <p:nvSpPr>
+          <p:cNvPr id="9" name="矩形 8"/>
+          <p:cNvSpPr/>
+          <p:nvPr/>
+        </p:nvSpPr>
+        <p:spPr>
+          <a:xfrm>
+            <a:off x="4514850" y="4391025"/>
+            <a:ext cx="3685540" cy="235585"/>
+          </a:xfrm>
+          <a:prstGeom prst="rect">
+            <a:avLst/>
+          </a:prstGeom>
+          <a:solidFill>
+            <a:schemeClr val="accent2">
+              <a:lumMod val="20000"/>
+              <a:lumOff val="80000"/>
+              <a:alpha val="10000"/>
+            </a:schemeClr>
+          </a:solidFill>
+          <a:ln>
+            <a:solidFill>
+              <a:schemeClr val="accent2"/>
+            </a:solidFill>
+          </a:ln>
+        </p:spPr>
+        <p:style>
+          <a:lnRef idx="2">
+            <a:schemeClr val="accent1">
+              <a:shade val="50000"/>
+            </a:schemeClr>
+          </a:lnRef>
+          <a:fillRef idx="1">
+            <a:schemeClr val="accent1"/>
+          </a:fillRef>
+          <a:effectRef idx="0">
+            <a:schemeClr val="accent1"/>
+          </a:effectRef>
+          <a:fontRef idx="minor">
+            <a:schemeClr val="lt1"/>
+          </a:fontRef>
+        </p:style>
+        <p:txBody>
+          <a:bodyPr rtlCol="0" anchor="ctr"/>
+          <a:p>
+            <a:pPr algn="ctr"/>
+            <a:endParaRPr lang="zh-CN" altLang="en-US"/>
+          </a:p>
+        </p:txBody>
+      </p:sp>
     </p:spTree>
   </p:cSld>
   <p:clrMapOvr>
@@ -4395,6 +4522,2288 @@
 </file>
 
 <file path=ppt/slides/slide2.xml><?xml version="1.0" encoding="utf-8"?>
+<p:sld xmlns:a="http://schemas.openxmlformats.org/drawingml/2006/main" xmlns:r="http://schemas.openxmlformats.org/officeDocument/2006/relationships" xmlns:p="http://schemas.openxmlformats.org/presentationml/2006/main">
+  <p:cSld>
+    <p:spTree>
+      <p:nvGrpSpPr>
+        <p:cNvPr id="1" name=""/>
+        <p:cNvGrpSpPr/>
+        <p:nvPr/>
+      </p:nvGrpSpPr>
+      <p:grpSpPr>
+        <a:xfrm>
+          <a:off x="0" y="0"/>
+          <a:ext cx="0" cy="0"/>
+          <a:chOff x="0" y="0"/>
+          <a:chExt cx="0" cy="0"/>
+        </a:xfrm>
+      </p:grpSpPr>
+      <p:sp>
+        <p:nvSpPr>
+          <p:cNvPr id="4" name="矩形 3"/>
+          <p:cNvSpPr/>
+          <p:nvPr/>
+        </p:nvSpPr>
+        <p:spPr>
+          <a:xfrm>
+            <a:off x="4113530" y="2000885"/>
+            <a:ext cx="7323455" cy="1703705"/>
+          </a:xfrm>
+          <a:prstGeom prst="rect">
+            <a:avLst/>
+          </a:prstGeom>
+          <a:solidFill>
+            <a:schemeClr val="accent1">
+              <a:lumMod val="20000"/>
+              <a:lumOff val="80000"/>
+            </a:schemeClr>
+          </a:solidFill>
+          <a:ln>
+            <a:solidFill>
+              <a:schemeClr val="tx1"/>
+            </a:solidFill>
+          </a:ln>
+        </p:spPr>
+        <p:style>
+          <a:lnRef idx="2">
+            <a:schemeClr val="accent1">
+              <a:shade val="50000"/>
+            </a:schemeClr>
+          </a:lnRef>
+          <a:fillRef idx="1">
+            <a:schemeClr val="accent1"/>
+          </a:fillRef>
+          <a:effectRef idx="0">
+            <a:schemeClr val="accent1"/>
+          </a:effectRef>
+          <a:fontRef idx="minor">
+            <a:schemeClr val="lt1"/>
+          </a:fontRef>
+        </p:style>
+        <p:txBody>
+          <a:bodyPr rtlCol="0" anchor="ctr"/>
+          <a:lstStyle/>
+          <a:p>
+            <a:pPr algn="ctr"/>
+            <a:endParaRPr lang="zh-CN" altLang="en-US"/>
+          </a:p>
+        </p:txBody>
+      </p:sp>
+      <p:sp>
+        <p:nvSpPr>
+          <p:cNvPr id="2" name="矩形 1"/>
+          <p:cNvSpPr/>
+          <p:nvPr/>
+        </p:nvSpPr>
+        <p:spPr>
+          <a:xfrm>
+            <a:off x="4114165" y="2455545"/>
+            <a:ext cx="7322185" cy="1248410"/>
+          </a:xfrm>
+          <a:prstGeom prst="rect">
+            <a:avLst/>
+          </a:prstGeom>
+          <a:solidFill>
+            <a:schemeClr val="bg1"/>
+          </a:solidFill>
+        </p:spPr>
+        <p:style>
+          <a:lnRef idx="2">
+            <a:schemeClr val="accent1">
+              <a:shade val="50000"/>
+            </a:schemeClr>
+          </a:lnRef>
+          <a:fillRef idx="1">
+            <a:schemeClr val="accent1"/>
+          </a:fillRef>
+          <a:effectRef idx="0">
+            <a:schemeClr val="accent1"/>
+          </a:effectRef>
+          <a:fontRef idx="minor">
+            <a:schemeClr val="lt1"/>
+          </a:fontRef>
+        </p:style>
+        <p:txBody>
+          <a:bodyPr rtlCol="0" anchor="ctr"/>
+          <a:p>
+            <a:pPr algn="ctr"/>
+            <a:endParaRPr lang="zh-CN" altLang="en-US"/>
+          </a:p>
+        </p:txBody>
+      </p:sp>
+      <p:sp>
+        <p:nvSpPr>
+          <p:cNvPr id="3" name="矩形 2"/>
+          <p:cNvSpPr/>
+          <p:nvPr/>
+        </p:nvSpPr>
+        <p:spPr>
+          <a:xfrm>
+            <a:off x="4114165" y="2249805"/>
+            <a:ext cx="412115" cy="205740"/>
+          </a:xfrm>
+          <a:prstGeom prst="rect">
+            <a:avLst/>
+          </a:prstGeom>
+          <a:solidFill>
+            <a:srgbClr val="C00000"/>
+          </a:solidFill>
+        </p:spPr>
+        <p:style>
+          <a:lnRef idx="2">
+            <a:schemeClr val="accent1">
+              <a:shade val="50000"/>
+            </a:schemeClr>
+          </a:lnRef>
+          <a:fillRef idx="1">
+            <a:schemeClr val="accent1"/>
+          </a:fillRef>
+          <a:effectRef idx="0">
+            <a:schemeClr val="accent1"/>
+          </a:effectRef>
+          <a:fontRef idx="minor">
+            <a:schemeClr val="lt1"/>
+          </a:fontRef>
+        </p:style>
+        <p:txBody>
+          <a:bodyPr rtlCol="0" anchor="ctr"/>
+          <a:p>
+            <a:pPr algn="ctr"/>
+            <a:endParaRPr lang="zh-CN" altLang="en-US"/>
+          </a:p>
+        </p:txBody>
+      </p:sp>
+      <p:sp>
+        <p:nvSpPr>
+          <p:cNvPr id="7" name="矩形 6"/>
+          <p:cNvSpPr/>
+          <p:nvPr/>
+        </p:nvSpPr>
+        <p:spPr>
+          <a:xfrm>
+            <a:off x="4586605" y="2249805"/>
+            <a:ext cx="3352800" cy="205740"/>
+          </a:xfrm>
+          <a:prstGeom prst="rect">
+            <a:avLst/>
+          </a:prstGeom>
+          <a:solidFill>
+            <a:schemeClr val="accent2"/>
+          </a:solidFill>
+          <a:ln>
+            <a:solidFill>
+              <a:schemeClr val="accent2"/>
+            </a:solidFill>
+          </a:ln>
+        </p:spPr>
+        <p:style>
+          <a:lnRef idx="2">
+            <a:schemeClr val="accent1">
+              <a:shade val="50000"/>
+            </a:schemeClr>
+          </a:lnRef>
+          <a:fillRef idx="1">
+            <a:schemeClr val="accent1"/>
+          </a:fillRef>
+          <a:effectRef idx="0">
+            <a:schemeClr val="accent1"/>
+          </a:effectRef>
+          <a:fontRef idx="minor">
+            <a:schemeClr val="lt1"/>
+          </a:fontRef>
+        </p:style>
+        <p:txBody>
+          <a:bodyPr rtlCol="0" anchor="ctr"/>
+          <a:p>
+            <a:pPr algn="ctr"/>
+            <a:r>
+              <a:rPr lang="zh-CN" altLang="en-US" sz="1000"/>
+              <a:t>SARibbonTabBar</a:t>
+            </a:r>
+            <a:endParaRPr lang="zh-CN" altLang="en-US" sz="1000"/>
+          </a:p>
+        </p:txBody>
+      </p:sp>
+      <p:sp>
+        <p:nvSpPr>
+          <p:cNvPr id="10" name="矩形 9"/>
+          <p:cNvSpPr/>
+          <p:nvPr/>
+        </p:nvSpPr>
+        <p:spPr>
+          <a:xfrm>
+            <a:off x="4792980" y="2007235"/>
+            <a:ext cx="1888490" cy="234950"/>
+          </a:xfrm>
+          <a:prstGeom prst="rect">
+            <a:avLst/>
+          </a:prstGeom>
+          <a:solidFill>
+            <a:schemeClr val="accent2">
+              <a:lumMod val="20000"/>
+              <a:lumOff val="80000"/>
+            </a:schemeClr>
+          </a:solidFill>
+          <a:ln>
+            <a:solidFill>
+              <a:schemeClr val="accent2"/>
+            </a:solidFill>
+          </a:ln>
+        </p:spPr>
+        <p:style>
+          <a:lnRef idx="2">
+            <a:schemeClr val="accent1">
+              <a:shade val="50000"/>
+            </a:schemeClr>
+          </a:lnRef>
+          <a:fillRef idx="1">
+            <a:schemeClr val="accent1"/>
+          </a:fillRef>
+          <a:effectRef idx="0">
+            <a:schemeClr val="accent1"/>
+          </a:effectRef>
+          <a:fontRef idx="minor">
+            <a:schemeClr val="lt1"/>
+          </a:fontRef>
+        </p:style>
+        <p:txBody>
+          <a:bodyPr rtlCol="0" anchor="ctr"/>
+          <a:p>
+            <a:pPr algn="ctr"/>
+            <a:r>
+              <a:rPr lang="en-US" altLang="zh-CN" sz="1000" b="1" dirty="0" err="1" smtClean="0">
+                <a:solidFill>
+                  <a:schemeClr val="accent1">
+                    <a:lumMod val="75000"/>
+                  </a:schemeClr>
+                </a:solidFill>
+                <a:effectLst/>
+                <a:sym typeface="+mn-ea"/>
+              </a:rPr>
+              <a:t>SARibbonQuickAccessBar</a:t>
+            </a:r>
+            <a:endParaRPr lang="en-US" altLang="zh-CN" sz="1000" b="1" dirty="0" err="1" smtClean="0">
+              <a:solidFill>
+                <a:schemeClr val="accent1">
+                  <a:lumMod val="75000"/>
+                </a:schemeClr>
+              </a:solidFill>
+              <a:effectLst/>
+              <a:sym typeface="+mn-ea"/>
+            </a:endParaRPr>
+          </a:p>
+        </p:txBody>
+      </p:sp>
+      <p:sp>
+        <p:nvSpPr>
+          <p:cNvPr id="13" name="矩形 12"/>
+          <p:cNvSpPr/>
+          <p:nvPr/>
+        </p:nvSpPr>
+        <p:spPr>
+          <a:xfrm>
+            <a:off x="11153775" y="2006600"/>
+            <a:ext cx="283210" cy="236220"/>
+          </a:xfrm>
+          <a:prstGeom prst="rect">
+            <a:avLst/>
+          </a:prstGeom>
+          <a:solidFill>
+            <a:schemeClr val="accent2">
+              <a:lumMod val="20000"/>
+              <a:lumOff val="80000"/>
+            </a:schemeClr>
+          </a:solidFill>
+          <a:ln>
+            <a:solidFill>
+              <a:schemeClr val="accent2"/>
+            </a:solidFill>
+          </a:ln>
+        </p:spPr>
+        <p:style>
+          <a:lnRef idx="2">
+            <a:schemeClr val="accent1">
+              <a:shade val="50000"/>
+            </a:schemeClr>
+          </a:lnRef>
+          <a:fillRef idx="1">
+            <a:schemeClr val="accent1"/>
+          </a:fillRef>
+          <a:effectRef idx="0">
+            <a:schemeClr val="accent1"/>
+          </a:effectRef>
+          <a:fontRef idx="minor">
+            <a:schemeClr val="lt1"/>
+          </a:fontRef>
+        </p:style>
+        <p:txBody>
+          <a:bodyPr rtlCol="0" anchor="ctr"/>
+          <a:p>
+            <a:pPr algn="ctr"/>
+            <a:r>
+              <a:rPr lang="en-US" altLang="zh-CN">
+                <a:solidFill>
+                  <a:schemeClr val="tx1"/>
+                </a:solidFill>
+                <a:latin typeface="微软雅黑" panose="020B0503020204020204" pitchFamily="34" charset="-122"/>
+                <a:ea typeface="微软雅黑" panose="020B0503020204020204" pitchFamily="34" charset="-122"/>
+              </a:rPr>
+              <a:t>×</a:t>
+            </a:r>
+            <a:endParaRPr lang="en-US" altLang="zh-CN">
+              <a:solidFill>
+                <a:schemeClr val="tx1"/>
+              </a:solidFill>
+              <a:latin typeface="微软雅黑" panose="020B0503020204020204" pitchFamily="34" charset="-122"/>
+              <a:ea typeface="微软雅黑" panose="020B0503020204020204" pitchFamily="34" charset="-122"/>
+            </a:endParaRPr>
+          </a:p>
+        </p:txBody>
+      </p:sp>
+      <p:sp>
+        <p:nvSpPr>
+          <p:cNvPr id="24" name="矩形 23"/>
+          <p:cNvSpPr/>
+          <p:nvPr/>
+        </p:nvSpPr>
+        <p:spPr>
+          <a:xfrm>
+            <a:off x="10868025" y="2006600"/>
+            <a:ext cx="283210" cy="235585"/>
+          </a:xfrm>
+          <a:prstGeom prst="rect">
+            <a:avLst/>
+          </a:prstGeom>
+          <a:solidFill>
+            <a:schemeClr val="accent2">
+              <a:lumMod val="20000"/>
+              <a:lumOff val="80000"/>
+            </a:schemeClr>
+          </a:solidFill>
+          <a:ln>
+            <a:solidFill>
+              <a:schemeClr val="accent2"/>
+            </a:solidFill>
+          </a:ln>
+        </p:spPr>
+        <p:style>
+          <a:lnRef idx="2">
+            <a:schemeClr val="accent1">
+              <a:shade val="50000"/>
+            </a:schemeClr>
+          </a:lnRef>
+          <a:fillRef idx="1">
+            <a:schemeClr val="accent1"/>
+          </a:fillRef>
+          <a:effectRef idx="0">
+            <a:schemeClr val="accent1"/>
+          </a:effectRef>
+          <a:fontRef idx="minor">
+            <a:schemeClr val="lt1"/>
+          </a:fontRef>
+        </p:style>
+        <p:txBody>
+          <a:bodyPr rtlCol="0" anchor="ctr"/>
+          <a:p>
+            <a:pPr algn="ctr"/>
+            <a:r>
+              <a:rPr lang="zh-CN" altLang="en-US">
+                <a:solidFill>
+                  <a:schemeClr val="tx1"/>
+                </a:solidFill>
+                <a:latin typeface="微软雅黑" panose="020B0503020204020204" pitchFamily="34" charset="-122"/>
+                <a:ea typeface="微软雅黑" panose="020B0503020204020204" pitchFamily="34" charset="-122"/>
+              </a:rPr>
+              <a:t>□</a:t>
+            </a:r>
+            <a:endParaRPr lang="zh-CN" altLang="en-US">
+              <a:solidFill>
+                <a:schemeClr val="tx1"/>
+              </a:solidFill>
+              <a:latin typeface="微软雅黑" panose="020B0503020204020204" pitchFamily="34" charset="-122"/>
+              <a:ea typeface="微软雅黑" panose="020B0503020204020204" pitchFamily="34" charset="-122"/>
+            </a:endParaRPr>
+          </a:p>
+        </p:txBody>
+      </p:sp>
+      <p:sp>
+        <p:nvSpPr>
+          <p:cNvPr id="26" name="矩形 25"/>
+          <p:cNvSpPr/>
+          <p:nvPr/>
+        </p:nvSpPr>
+        <p:spPr>
+          <a:xfrm>
+            <a:off x="10584815" y="2006600"/>
+            <a:ext cx="283210" cy="235585"/>
+          </a:xfrm>
+          <a:prstGeom prst="rect">
+            <a:avLst/>
+          </a:prstGeom>
+          <a:solidFill>
+            <a:schemeClr val="accent2">
+              <a:lumMod val="20000"/>
+              <a:lumOff val="80000"/>
+            </a:schemeClr>
+          </a:solidFill>
+          <a:ln>
+            <a:solidFill>
+              <a:schemeClr val="accent2"/>
+            </a:solidFill>
+          </a:ln>
+        </p:spPr>
+        <p:style>
+          <a:lnRef idx="2">
+            <a:schemeClr val="accent1">
+              <a:shade val="50000"/>
+            </a:schemeClr>
+          </a:lnRef>
+          <a:fillRef idx="1">
+            <a:schemeClr val="accent1"/>
+          </a:fillRef>
+          <a:effectRef idx="0">
+            <a:schemeClr val="accent1"/>
+          </a:effectRef>
+          <a:fontRef idx="minor">
+            <a:schemeClr val="lt1"/>
+          </a:fontRef>
+        </p:style>
+        <p:txBody>
+          <a:bodyPr rtlCol="0" anchor="ctr"/>
+          <a:p>
+            <a:pPr algn="ctr"/>
+            <a:r>
+              <a:rPr lang="en-US" altLang="zh-CN" sz="900">
+                <a:solidFill>
+                  <a:schemeClr val="tx1"/>
+                </a:solidFill>
+              </a:rPr>
+              <a:t>_</a:t>
+            </a:r>
+            <a:endParaRPr lang="en-US" altLang="zh-CN" sz="900">
+              <a:solidFill>
+                <a:schemeClr val="tx1"/>
+              </a:solidFill>
+            </a:endParaRPr>
+          </a:p>
+        </p:txBody>
+      </p:sp>
+      <p:sp>
+        <p:nvSpPr>
+          <p:cNvPr id="29" name="矩形 28"/>
+          <p:cNvSpPr/>
+          <p:nvPr/>
+        </p:nvSpPr>
+        <p:spPr>
+          <a:xfrm>
+            <a:off x="9255126" y="3979049"/>
+            <a:ext cx="1025525" cy="368300"/>
+          </a:xfrm>
+          <a:prstGeom prst="rect">
+            <a:avLst/>
+          </a:prstGeom>
+        </p:spPr>
+        <p:txBody>
+          <a:bodyPr wrap="none">
+            <a:spAutoFit/>
+          </a:bodyPr>
+          <a:p>
+            <a:pPr algn="l"/>
+            <a:r>
+              <a:rPr lang="en-US" altLang="zh-CN" b="1" dirty="0" err="1" smtClean="0">
+                <a:solidFill>
+                  <a:schemeClr val="accent1">
+                    <a:lumMod val="75000"/>
+                  </a:schemeClr>
+                </a:solidFill>
+                <a:effectLst/>
+              </a:rPr>
+              <a:t>Category</a:t>
+            </a:r>
+            <a:endParaRPr lang="en-US" altLang="zh-CN" b="1" dirty="0" err="1" smtClean="0">
+              <a:solidFill>
+                <a:schemeClr val="accent1">
+                  <a:lumMod val="75000"/>
+                </a:schemeClr>
+              </a:solidFill>
+              <a:effectLst/>
+            </a:endParaRPr>
+          </a:p>
+        </p:txBody>
+      </p:sp>
+      <p:cxnSp>
+        <p:nvCxnSpPr>
+          <p:cNvPr id="30" name="直接箭头连接符 29"/>
+          <p:cNvCxnSpPr>
+            <a:stCxn id="29" idx="0"/>
+          </p:cNvCxnSpPr>
+          <p:nvPr/>
+        </p:nvCxnSpPr>
+        <p:spPr>
+          <a:xfrm flipH="1" flipV="1">
+            <a:off x="9314180" y="3176270"/>
+            <a:ext cx="454025" cy="802640"/>
+          </a:xfrm>
+          <a:prstGeom prst="straightConnector1">
+            <a:avLst/>
+          </a:prstGeom>
+          <a:ln>
+            <a:tailEnd type="arrow"/>
+          </a:ln>
+        </p:spPr>
+        <p:style>
+          <a:lnRef idx="1">
+            <a:schemeClr val="accent1"/>
+          </a:lnRef>
+          <a:fillRef idx="0">
+            <a:schemeClr val="accent1"/>
+          </a:fillRef>
+          <a:effectRef idx="0">
+            <a:schemeClr val="accent1"/>
+          </a:effectRef>
+          <a:fontRef idx="minor">
+            <a:schemeClr val="tx1"/>
+          </a:fontRef>
+        </p:style>
+      </p:cxnSp>
+      <p:sp>
+        <p:nvSpPr>
+          <p:cNvPr id="36" name="文本框 35"/>
+          <p:cNvSpPr txBox="1"/>
+          <p:nvPr/>
+        </p:nvSpPr>
+        <p:spPr>
+          <a:xfrm>
+            <a:off x="6723380" y="1997075"/>
+            <a:ext cx="3862070" cy="245110"/>
+          </a:xfrm>
+          <a:prstGeom prst="rect">
+            <a:avLst/>
+          </a:prstGeom>
+          <a:noFill/>
+          <a:ln>
+            <a:solidFill>
+              <a:schemeClr val="tx1"/>
+            </a:solidFill>
+            <a:prstDash val="sysDot"/>
+          </a:ln>
+        </p:spPr>
+        <p:txBody>
+          <a:bodyPr wrap="square" rtlCol="0">
+            <a:spAutoFit/>
+          </a:bodyPr>
+          <a:p>
+            <a:pPr algn="ctr"/>
+            <a:r>
+              <a:rPr lang="en-US" altLang="zh-CN" sz="1000"/>
+              <a:t>titleBar</a:t>
+            </a:r>
+            <a:endParaRPr lang="en-US" altLang="zh-CN" sz="1000"/>
+          </a:p>
+        </p:txBody>
+      </p:sp>
+      <p:sp>
+        <p:nvSpPr>
+          <p:cNvPr id="40" name="矩形 39"/>
+          <p:cNvSpPr/>
+          <p:nvPr/>
+        </p:nvSpPr>
+        <p:spPr>
+          <a:xfrm>
+            <a:off x="3098801" y="3979049"/>
+            <a:ext cx="1887855" cy="368300"/>
+          </a:xfrm>
+          <a:prstGeom prst="rect">
+            <a:avLst/>
+          </a:prstGeom>
+        </p:spPr>
+        <p:txBody>
+          <a:bodyPr wrap="none">
+            <a:spAutoFit/>
+          </a:bodyPr>
+          <a:p>
+            <a:pPr algn="l"/>
+            <a:r>
+              <a:rPr lang="en-US" altLang="zh-CN" b="1" dirty="0" err="1" smtClean="0">
+                <a:solidFill>
+                  <a:schemeClr val="accent1">
+                    <a:lumMod val="75000"/>
+                  </a:schemeClr>
+                </a:solidFill>
+                <a:effectLst/>
+              </a:rPr>
+              <a:t>applicationButton</a:t>
+            </a:r>
+            <a:endParaRPr lang="en-US" altLang="zh-CN" b="1" dirty="0" err="1" smtClean="0">
+              <a:solidFill>
+                <a:schemeClr val="accent1">
+                  <a:lumMod val="75000"/>
+                </a:schemeClr>
+              </a:solidFill>
+              <a:effectLst/>
+            </a:endParaRPr>
+          </a:p>
+        </p:txBody>
+      </p:sp>
+      <p:sp>
+        <p:nvSpPr>
+          <p:cNvPr id="42" name="矩形 41"/>
+          <p:cNvSpPr/>
+          <p:nvPr/>
+        </p:nvSpPr>
+        <p:spPr>
+          <a:xfrm>
+            <a:off x="4171950" y="2506980"/>
+            <a:ext cx="3780155" cy="1141095"/>
+          </a:xfrm>
+          <a:prstGeom prst="rect">
+            <a:avLst/>
+          </a:prstGeom>
+          <a:solidFill>
+            <a:schemeClr val="accent1">
+              <a:lumMod val="20000"/>
+              <a:lumOff val="80000"/>
+            </a:schemeClr>
+          </a:solidFill>
+          <a:ln>
+            <a:solidFill>
+              <a:schemeClr val="tx1"/>
+            </a:solidFill>
+          </a:ln>
+        </p:spPr>
+        <p:style>
+          <a:lnRef idx="2">
+            <a:schemeClr val="accent1">
+              <a:shade val="50000"/>
+            </a:schemeClr>
+          </a:lnRef>
+          <a:fillRef idx="1">
+            <a:schemeClr val="accent1"/>
+          </a:fillRef>
+          <a:effectRef idx="0">
+            <a:schemeClr val="accent1"/>
+          </a:effectRef>
+          <a:fontRef idx="minor">
+            <a:schemeClr val="lt1"/>
+          </a:fontRef>
+        </p:style>
+        <p:txBody>
+          <a:bodyPr rtlCol="0" anchor="ctr"/>
+          <a:p>
+            <a:pPr algn="ctr"/>
+            <a:endParaRPr lang="zh-CN" altLang="en-US"/>
+          </a:p>
+        </p:txBody>
+      </p:sp>
+      <p:sp>
+        <p:nvSpPr>
+          <p:cNvPr id="43" name="矩形 42"/>
+          <p:cNvSpPr/>
+          <p:nvPr/>
+        </p:nvSpPr>
+        <p:spPr>
+          <a:xfrm>
+            <a:off x="4172585" y="2506980"/>
+            <a:ext cx="3779520" cy="976630"/>
+          </a:xfrm>
+          <a:prstGeom prst="rect">
+            <a:avLst/>
+          </a:prstGeom>
+          <a:solidFill>
+            <a:schemeClr val="bg1"/>
+          </a:solidFill>
+        </p:spPr>
+        <p:style>
+          <a:lnRef idx="2">
+            <a:schemeClr val="accent1">
+              <a:shade val="50000"/>
+            </a:schemeClr>
+          </a:lnRef>
+          <a:fillRef idx="1">
+            <a:schemeClr val="accent1"/>
+          </a:fillRef>
+          <a:effectRef idx="0">
+            <a:schemeClr val="accent1"/>
+          </a:effectRef>
+          <a:fontRef idx="minor">
+            <a:schemeClr val="lt1"/>
+          </a:fontRef>
+        </p:style>
+        <p:txBody>
+          <a:bodyPr rtlCol="0" anchor="ctr"/>
+          <a:p>
+            <a:pPr algn="ctr"/>
+            <a:endParaRPr lang="zh-CN" altLang="en-US"/>
+          </a:p>
+        </p:txBody>
+      </p:sp>
+      <p:sp>
+        <p:nvSpPr>
+          <p:cNvPr id="44" name="矩形 43"/>
+          <p:cNvSpPr/>
+          <p:nvPr/>
+        </p:nvSpPr>
+        <p:spPr>
+          <a:xfrm>
+            <a:off x="7795895" y="3507740"/>
+            <a:ext cx="132080" cy="111125"/>
+          </a:xfrm>
+          <a:prstGeom prst="rect">
+            <a:avLst/>
+          </a:prstGeom>
+          <a:solidFill>
+            <a:schemeClr val="accent2"/>
+          </a:solidFill>
+        </p:spPr>
+        <p:style>
+          <a:lnRef idx="2">
+            <a:schemeClr val="accent1">
+              <a:shade val="50000"/>
+            </a:schemeClr>
+          </a:lnRef>
+          <a:fillRef idx="1">
+            <a:schemeClr val="accent1"/>
+          </a:fillRef>
+          <a:effectRef idx="0">
+            <a:schemeClr val="accent1"/>
+          </a:effectRef>
+          <a:fontRef idx="minor">
+            <a:schemeClr val="lt1"/>
+          </a:fontRef>
+        </p:style>
+        <p:txBody>
+          <a:bodyPr rtlCol="0" anchor="ctr"/>
+          <a:p>
+            <a:pPr algn="ctr"/>
+            <a:endParaRPr lang="zh-CN" altLang="en-US"/>
+          </a:p>
+        </p:txBody>
+      </p:sp>
+      <p:sp>
+        <p:nvSpPr>
+          <p:cNvPr id="45" name="矩形 44"/>
+          <p:cNvSpPr/>
+          <p:nvPr/>
+        </p:nvSpPr>
+        <p:spPr>
+          <a:xfrm>
+            <a:off x="4227195" y="2548890"/>
+            <a:ext cx="671195" cy="892175"/>
+          </a:xfrm>
+          <a:prstGeom prst="rect">
+            <a:avLst/>
+          </a:prstGeom>
+        </p:spPr>
+        <p:style>
+          <a:lnRef idx="2">
+            <a:schemeClr val="accent1">
+              <a:shade val="50000"/>
+            </a:schemeClr>
+          </a:lnRef>
+          <a:fillRef idx="1">
+            <a:schemeClr val="accent1"/>
+          </a:fillRef>
+          <a:effectRef idx="0">
+            <a:schemeClr val="accent1"/>
+          </a:effectRef>
+          <a:fontRef idx="minor">
+            <a:schemeClr val="lt1"/>
+          </a:fontRef>
+        </p:style>
+        <p:txBody>
+          <a:bodyPr rtlCol="0" anchor="ctr"/>
+          <a:p>
+            <a:pPr algn="ctr"/>
+            <a:endParaRPr lang="zh-CN" altLang="en-US"/>
+          </a:p>
+        </p:txBody>
+      </p:sp>
+      <p:sp>
+        <p:nvSpPr>
+          <p:cNvPr id="46" name="矩形 45"/>
+          <p:cNvSpPr/>
+          <p:nvPr/>
+        </p:nvSpPr>
+        <p:spPr>
+          <a:xfrm>
+            <a:off x="4992370" y="3185795"/>
+            <a:ext cx="894715" cy="255270"/>
+          </a:xfrm>
+          <a:prstGeom prst="rect">
+            <a:avLst/>
+          </a:prstGeom>
+        </p:spPr>
+        <p:style>
+          <a:lnRef idx="2">
+            <a:schemeClr val="accent1">
+              <a:shade val="50000"/>
+            </a:schemeClr>
+          </a:lnRef>
+          <a:fillRef idx="1">
+            <a:schemeClr val="accent1"/>
+          </a:fillRef>
+          <a:effectRef idx="0">
+            <a:schemeClr val="accent1"/>
+          </a:effectRef>
+          <a:fontRef idx="minor">
+            <a:schemeClr val="lt1"/>
+          </a:fontRef>
+        </p:style>
+        <p:txBody>
+          <a:bodyPr rtlCol="0" anchor="ctr"/>
+          <a:p>
+            <a:pPr algn="ctr"/>
+            <a:endParaRPr lang="zh-CN" altLang="en-US"/>
+          </a:p>
+        </p:txBody>
+      </p:sp>
+      <p:sp>
+        <p:nvSpPr>
+          <p:cNvPr id="47" name="矩形 46"/>
+          <p:cNvSpPr/>
+          <p:nvPr/>
+        </p:nvSpPr>
+        <p:spPr>
+          <a:xfrm>
+            <a:off x="4992370" y="2548890"/>
+            <a:ext cx="894715" cy="255270"/>
+          </a:xfrm>
+          <a:prstGeom prst="rect">
+            <a:avLst/>
+          </a:prstGeom>
+        </p:spPr>
+        <p:style>
+          <a:lnRef idx="2">
+            <a:schemeClr val="accent1">
+              <a:shade val="50000"/>
+            </a:schemeClr>
+          </a:lnRef>
+          <a:fillRef idx="1">
+            <a:schemeClr val="accent1"/>
+          </a:fillRef>
+          <a:effectRef idx="0">
+            <a:schemeClr val="accent1"/>
+          </a:effectRef>
+          <a:fontRef idx="minor">
+            <a:schemeClr val="lt1"/>
+          </a:fontRef>
+        </p:style>
+        <p:txBody>
+          <a:bodyPr rtlCol="0" anchor="ctr"/>
+          <a:p>
+            <a:pPr algn="ctr"/>
+            <a:endParaRPr lang="zh-CN" altLang="en-US"/>
+          </a:p>
+        </p:txBody>
+      </p:sp>
+      <p:sp>
+        <p:nvSpPr>
+          <p:cNvPr id="48" name="矩形 47"/>
+          <p:cNvSpPr/>
+          <p:nvPr/>
+        </p:nvSpPr>
+        <p:spPr>
+          <a:xfrm>
+            <a:off x="4992370" y="2867660"/>
+            <a:ext cx="894715" cy="255270"/>
+          </a:xfrm>
+          <a:prstGeom prst="rect">
+            <a:avLst/>
+          </a:prstGeom>
+        </p:spPr>
+        <p:style>
+          <a:lnRef idx="2">
+            <a:schemeClr val="accent1">
+              <a:shade val="50000"/>
+            </a:schemeClr>
+          </a:lnRef>
+          <a:fillRef idx="1">
+            <a:schemeClr val="accent1"/>
+          </a:fillRef>
+          <a:effectRef idx="0">
+            <a:schemeClr val="accent1"/>
+          </a:effectRef>
+          <a:fontRef idx="minor">
+            <a:schemeClr val="lt1"/>
+          </a:fontRef>
+        </p:style>
+        <p:txBody>
+          <a:bodyPr rtlCol="0" anchor="ctr"/>
+          <a:p>
+            <a:pPr algn="ctr"/>
+            <a:endParaRPr lang="zh-CN" altLang="en-US"/>
+          </a:p>
+        </p:txBody>
+      </p:sp>
+      <p:sp>
+        <p:nvSpPr>
+          <p:cNvPr id="49" name="矩形 48"/>
+          <p:cNvSpPr/>
+          <p:nvPr/>
+        </p:nvSpPr>
+        <p:spPr>
+          <a:xfrm>
+            <a:off x="5996940" y="3032125"/>
+            <a:ext cx="894715" cy="255270"/>
+          </a:xfrm>
+          <a:prstGeom prst="rect">
+            <a:avLst/>
+          </a:prstGeom>
+        </p:spPr>
+        <p:style>
+          <a:lnRef idx="2">
+            <a:schemeClr val="accent1">
+              <a:shade val="50000"/>
+            </a:schemeClr>
+          </a:lnRef>
+          <a:fillRef idx="1">
+            <a:schemeClr val="accent1"/>
+          </a:fillRef>
+          <a:effectRef idx="0">
+            <a:schemeClr val="accent1"/>
+          </a:effectRef>
+          <a:fontRef idx="minor">
+            <a:schemeClr val="lt1"/>
+          </a:fontRef>
+        </p:style>
+        <p:txBody>
+          <a:bodyPr rtlCol="0" anchor="ctr"/>
+          <a:p>
+            <a:pPr algn="ctr"/>
+            <a:endParaRPr lang="zh-CN" altLang="en-US"/>
+          </a:p>
+        </p:txBody>
+      </p:sp>
+      <p:sp>
+        <p:nvSpPr>
+          <p:cNvPr id="50" name="矩形 49"/>
+          <p:cNvSpPr/>
+          <p:nvPr/>
+        </p:nvSpPr>
+        <p:spPr>
+          <a:xfrm>
+            <a:off x="5996940" y="2658745"/>
+            <a:ext cx="894715" cy="255270"/>
+          </a:xfrm>
+          <a:prstGeom prst="rect">
+            <a:avLst/>
+          </a:prstGeom>
+        </p:spPr>
+        <p:style>
+          <a:lnRef idx="2">
+            <a:schemeClr val="accent1">
+              <a:shade val="50000"/>
+            </a:schemeClr>
+          </a:lnRef>
+          <a:fillRef idx="1">
+            <a:schemeClr val="accent1"/>
+          </a:fillRef>
+          <a:effectRef idx="0">
+            <a:schemeClr val="accent1"/>
+          </a:effectRef>
+          <a:fontRef idx="minor">
+            <a:schemeClr val="lt1"/>
+          </a:fontRef>
+        </p:style>
+        <p:txBody>
+          <a:bodyPr rtlCol="0" anchor="ctr"/>
+          <a:p>
+            <a:pPr algn="ctr"/>
+            <a:endParaRPr lang="zh-CN" altLang="en-US"/>
+          </a:p>
+        </p:txBody>
+      </p:sp>
+      <p:sp>
+        <p:nvSpPr>
+          <p:cNvPr id="51" name="文本框 50"/>
+          <p:cNvSpPr txBox="1"/>
+          <p:nvPr/>
+        </p:nvSpPr>
+        <p:spPr>
+          <a:xfrm>
+            <a:off x="4170045" y="3484245"/>
+            <a:ext cx="3606800" cy="158750"/>
+          </a:xfrm>
+          <a:prstGeom prst="rect">
+            <a:avLst/>
+          </a:prstGeom>
+          <a:noFill/>
+          <a:ln>
+            <a:solidFill>
+              <a:schemeClr val="bg1">
+                <a:lumMod val="50000"/>
+              </a:schemeClr>
+            </a:solidFill>
+            <a:prstDash val="dash"/>
+          </a:ln>
+        </p:spPr>
+        <p:txBody>
+          <a:bodyPr wrap="square" lIns="0" tIns="0" rIns="0" bIns="0" rtlCol="0">
+            <a:noAutofit/>
+          </a:bodyPr>
+          <a:p>
+            <a:pPr algn="ctr"/>
+            <a:r>
+              <a:rPr lang="en-US" altLang="zh-CN" sz="1200" dirty="0" err="1" smtClean="0"/>
+              <a:t>Pannel</a:t>
+            </a:r>
+            <a:r>
+              <a:rPr lang="en-US" altLang="zh-CN" sz="1200" dirty="0" smtClean="0"/>
+              <a:t> Title</a:t>
+            </a:r>
+            <a:endParaRPr lang="en-US" altLang="zh-CN" sz="1200" dirty="0" smtClean="0"/>
+          </a:p>
+        </p:txBody>
+      </p:sp>
+      <p:sp>
+        <p:nvSpPr>
+          <p:cNvPr id="52" name="矩形 51"/>
+          <p:cNvSpPr/>
+          <p:nvPr/>
+        </p:nvSpPr>
+        <p:spPr>
+          <a:xfrm>
+            <a:off x="6994525" y="2548890"/>
+            <a:ext cx="671195" cy="892175"/>
+          </a:xfrm>
+          <a:prstGeom prst="rect">
+            <a:avLst/>
+          </a:prstGeom>
+        </p:spPr>
+        <p:style>
+          <a:lnRef idx="2">
+            <a:schemeClr val="accent1">
+              <a:shade val="50000"/>
+            </a:schemeClr>
+          </a:lnRef>
+          <a:fillRef idx="1">
+            <a:schemeClr val="accent1"/>
+          </a:fillRef>
+          <a:effectRef idx="0">
+            <a:schemeClr val="accent1"/>
+          </a:effectRef>
+          <a:fontRef idx="minor">
+            <a:schemeClr val="lt1"/>
+          </a:fontRef>
+        </p:style>
+        <p:txBody>
+          <a:bodyPr rtlCol="0" anchor="ctr"/>
+          <a:p>
+            <a:pPr algn="ctr"/>
+            <a:endParaRPr lang="zh-CN" altLang="en-US"/>
+          </a:p>
+        </p:txBody>
+      </p:sp>
+      <p:cxnSp>
+        <p:nvCxnSpPr>
+          <p:cNvPr id="41" name="直接箭头连接符 40"/>
+          <p:cNvCxnSpPr>
+            <a:stCxn id="40" idx="0"/>
+            <a:endCxn id="3" idx="2"/>
+          </p:cNvCxnSpPr>
+          <p:nvPr/>
+        </p:nvCxnSpPr>
+        <p:spPr>
+          <a:xfrm flipV="1">
+            <a:off x="4043045" y="2455545"/>
+            <a:ext cx="277495" cy="1523365"/>
+          </a:xfrm>
+          <a:prstGeom prst="straightConnector1">
+            <a:avLst/>
+          </a:prstGeom>
+          <a:ln>
+            <a:solidFill>
+              <a:schemeClr val="tx1"/>
+            </a:solidFill>
+            <a:tailEnd type="arrow"/>
+          </a:ln>
+        </p:spPr>
+        <p:style>
+          <a:lnRef idx="1">
+            <a:schemeClr val="accent1"/>
+          </a:lnRef>
+          <a:fillRef idx="0">
+            <a:schemeClr val="accent1"/>
+          </a:fillRef>
+          <a:effectRef idx="0">
+            <a:schemeClr val="accent1"/>
+          </a:effectRef>
+          <a:fontRef idx="minor">
+            <a:schemeClr val="tx1"/>
+          </a:fontRef>
+        </p:style>
+      </p:cxnSp>
+      <p:sp>
+        <p:nvSpPr>
+          <p:cNvPr id="53" name="矩形 52"/>
+          <p:cNvSpPr/>
+          <p:nvPr/>
+        </p:nvSpPr>
+        <p:spPr>
+          <a:xfrm>
+            <a:off x="6208396" y="3979049"/>
+            <a:ext cx="828675" cy="368300"/>
+          </a:xfrm>
+          <a:prstGeom prst="rect">
+            <a:avLst/>
+          </a:prstGeom>
+        </p:spPr>
+        <p:txBody>
+          <a:bodyPr wrap="none">
+            <a:spAutoFit/>
+          </a:bodyPr>
+          <a:p>
+            <a:pPr algn="l"/>
+            <a:r>
+              <a:rPr lang="en-US" altLang="zh-CN" b="1" dirty="0" err="1" smtClean="0">
+                <a:solidFill>
+                  <a:schemeClr val="accent1">
+                    <a:lumMod val="75000"/>
+                  </a:schemeClr>
+                </a:solidFill>
+                <a:effectLst/>
+              </a:rPr>
+              <a:t>Pannel</a:t>
+            </a:r>
+            <a:endParaRPr lang="en-US" altLang="zh-CN" b="1" dirty="0" err="1" smtClean="0">
+              <a:solidFill>
+                <a:schemeClr val="accent1">
+                  <a:lumMod val="75000"/>
+                </a:schemeClr>
+              </a:solidFill>
+              <a:effectLst/>
+            </a:endParaRPr>
+          </a:p>
+        </p:txBody>
+      </p:sp>
+      <p:cxnSp>
+        <p:nvCxnSpPr>
+          <p:cNvPr id="54" name="直接箭头连接符 53"/>
+          <p:cNvCxnSpPr>
+            <a:stCxn id="53" idx="0"/>
+          </p:cNvCxnSpPr>
+          <p:nvPr/>
+        </p:nvCxnSpPr>
+        <p:spPr>
+          <a:xfrm flipV="1">
+            <a:off x="6623050" y="3644265"/>
+            <a:ext cx="100330" cy="334645"/>
+          </a:xfrm>
+          <a:prstGeom prst="straightConnector1">
+            <a:avLst/>
+          </a:prstGeom>
+          <a:ln>
+            <a:tailEnd type="arrow"/>
+          </a:ln>
+        </p:spPr>
+        <p:style>
+          <a:lnRef idx="1">
+            <a:schemeClr val="accent1"/>
+          </a:lnRef>
+          <a:fillRef idx="0">
+            <a:schemeClr val="accent1"/>
+          </a:fillRef>
+          <a:effectRef idx="0">
+            <a:schemeClr val="accent1"/>
+          </a:effectRef>
+          <a:fontRef idx="minor">
+            <a:schemeClr val="tx1"/>
+          </a:fontRef>
+        </p:style>
+      </p:cxnSp>
+      <p:sp>
+        <p:nvSpPr>
+          <p:cNvPr id="55" name="文本框 54"/>
+          <p:cNvSpPr txBox="1"/>
+          <p:nvPr/>
+        </p:nvSpPr>
+        <p:spPr>
+          <a:xfrm>
+            <a:off x="4053840" y="137795"/>
+            <a:ext cx="5345430" cy="368300"/>
+          </a:xfrm>
+          <a:prstGeom prst="rect">
+            <a:avLst/>
+          </a:prstGeom>
+        </p:spPr>
+        <p:style>
+          <a:lnRef idx="2">
+            <a:schemeClr val="dk1"/>
+          </a:lnRef>
+          <a:fillRef idx="1">
+            <a:schemeClr val="lt1"/>
+          </a:fillRef>
+          <a:effectRef idx="0">
+            <a:schemeClr val="dk1"/>
+          </a:effectRef>
+          <a:fontRef idx="minor">
+            <a:schemeClr val="dk1"/>
+          </a:fontRef>
+        </p:style>
+        <p:txBody>
+          <a:bodyPr wrap="square" rtlCol="0" anchor="t">
+            <a:spAutoFit/>
+          </a:bodyPr>
+          <a:p>
+            <a:pPr algn="ctr"/>
+            <a:r>
+              <a:rPr lang="zh-CN" altLang="en-US" b="1">
+                <a:latin typeface="微软雅黑" panose="020B0503020204020204" pitchFamily="34" charset="-122"/>
+                <a:ea typeface="微软雅黑" panose="020B0503020204020204" pitchFamily="34" charset="-122"/>
+                <a:cs typeface="微软雅黑" panose="020B0503020204020204" pitchFamily="34" charset="-122"/>
+              </a:rPr>
+              <a:t>SARibbonBar</a:t>
+            </a:r>
+            <a:r>
+              <a:rPr lang="en-US" altLang="zh-CN" b="1">
+                <a:latin typeface="微软雅黑" panose="020B0503020204020204" pitchFamily="34" charset="-122"/>
+                <a:ea typeface="微软雅黑" panose="020B0503020204020204" pitchFamily="34" charset="-122"/>
+                <a:cs typeface="微软雅黑" panose="020B0503020204020204" pitchFamily="34" charset="-122"/>
+              </a:rPr>
+              <a:t>::</a:t>
+            </a:r>
+            <a:r>
+              <a:rPr lang="zh-CN" altLang="en-US" b="1">
+                <a:latin typeface="微软雅黑" panose="020B0503020204020204" pitchFamily="34" charset="-122"/>
+                <a:ea typeface="微软雅黑" panose="020B0503020204020204" pitchFamily="34" charset="-122"/>
+                <a:cs typeface="微软雅黑" panose="020B0503020204020204" pitchFamily="34" charset="-122"/>
+              </a:rPr>
+              <a:t>OfficeStyle 尺寸定位</a:t>
+            </a:r>
+            <a:endParaRPr lang="zh-CN" altLang="en-US" b="1">
+              <a:latin typeface="微软雅黑" panose="020B0503020204020204" pitchFamily="34" charset="-122"/>
+              <a:ea typeface="微软雅黑" panose="020B0503020204020204" pitchFamily="34" charset="-122"/>
+              <a:cs typeface="微软雅黑" panose="020B0503020204020204" pitchFamily="34" charset="-122"/>
+            </a:endParaRPr>
+          </a:p>
+        </p:txBody>
+      </p:sp>
+      <p:sp>
+        <p:nvSpPr>
+          <p:cNvPr id="5" name="矩形 4"/>
+          <p:cNvSpPr/>
+          <p:nvPr/>
+        </p:nvSpPr>
+        <p:spPr>
+          <a:xfrm>
+            <a:off x="4113530" y="2000250"/>
+            <a:ext cx="287655" cy="241935"/>
+          </a:xfrm>
+          <a:prstGeom prst="rect">
+            <a:avLst/>
+          </a:prstGeom>
+        </p:spPr>
+        <p:style>
+          <a:lnRef idx="2">
+            <a:schemeClr val="accent4">
+              <a:shade val="50000"/>
+            </a:schemeClr>
+          </a:lnRef>
+          <a:fillRef idx="1">
+            <a:schemeClr val="accent4"/>
+          </a:fillRef>
+          <a:effectRef idx="0">
+            <a:schemeClr val="accent4"/>
+          </a:effectRef>
+          <a:fontRef idx="minor">
+            <a:schemeClr val="lt1"/>
+          </a:fontRef>
+        </p:style>
+        <p:txBody>
+          <a:bodyPr rtlCol="0" anchor="ctr"/>
+          <a:p>
+            <a:pPr algn="ctr"/>
+            <a:endParaRPr lang="zh-CN" altLang="en-US"/>
+          </a:p>
+        </p:txBody>
+      </p:sp>
+      <p:sp>
+        <p:nvSpPr>
+          <p:cNvPr id="6" name="矩形 5"/>
+          <p:cNvSpPr/>
+          <p:nvPr/>
+        </p:nvSpPr>
+        <p:spPr>
+          <a:xfrm>
+            <a:off x="4792980" y="1084580"/>
+            <a:ext cx="3678555" cy="368300"/>
+          </a:xfrm>
+          <a:prstGeom prst="rect">
+            <a:avLst/>
+          </a:prstGeom>
+        </p:spPr>
+        <p:txBody>
+          <a:bodyPr wrap="none" rtlCol="0" anchor="t">
+            <a:spAutoFit/>
+          </a:bodyPr>
+          <a:p>
+            <a:pPr lvl="0" algn="l">
+              <a:buClrTx/>
+              <a:buSzTx/>
+              <a:buFontTx/>
+            </a:pPr>
+            <a:r>
+              <a:rPr lang="en-US" altLang="zh-CN" b="1" dirty="0" err="1" smtClean="0">
+                <a:solidFill>
+                  <a:schemeClr val="accent1">
+                    <a:lumMod val="75000"/>
+                  </a:schemeClr>
+                </a:solidFill>
+                <a:effectLst/>
+                <a:sym typeface="+mn-ea"/>
+              </a:rPr>
+              <a:t>2</a:t>
+            </a:r>
+            <a:r>
+              <a:rPr lang="zh-CN" altLang="en-US" b="1" dirty="0" err="1" smtClean="0">
+                <a:solidFill>
+                  <a:schemeClr val="accent1">
+                    <a:lumMod val="75000"/>
+                  </a:schemeClr>
+                </a:solidFill>
+                <a:effectLst/>
+                <a:sym typeface="+mn-ea"/>
+              </a:rPr>
+              <a:t>、</a:t>
+            </a:r>
+            <a:r>
+              <a:rPr lang="en-US" altLang="zh-CN" b="1" dirty="0" err="1" smtClean="0">
+                <a:solidFill>
+                  <a:schemeClr val="accent1">
+                    <a:lumMod val="75000"/>
+                  </a:schemeClr>
+                </a:solidFill>
+                <a:effectLst/>
+                <a:sym typeface="+mn-ea"/>
+              </a:rPr>
+              <a:t>cornerWidget(Qt::TopLeftCorner)</a:t>
+            </a:r>
+            <a:endParaRPr lang="en-US" altLang="zh-CN" b="1" dirty="0" err="1" smtClean="0">
+              <a:solidFill>
+                <a:schemeClr val="accent1">
+                  <a:lumMod val="75000"/>
+                </a:schemeClr>
+              </a:solidFill>
+              <a:effectLst/>
+              <a:sym typeface="+mn-ea"/>
+            </a:endParaRPr>
+          </a:p>
+        </p:txBody>
+      </p:sp>
+      <p:cxnSp>
+        <p:nvCxnSpPr>
+          <p:cNvPr id="8" name="直接箭头连接符 7"/>
+          <p:cNvCxnSpPr>
+            <a:endCxn id="28" idx="0"/>
+          </p:cNvCxnSpPr>
+          <p:nvPr/>
+        </p:nvCxnSpPr>
+        <p:spPr>
+          <a:xfrm>
+            <a:off x="4587875" y="1459230"/>
+            <a:ext cx="6350" cy="548005"/>
+          </a:xfrm>
+          <a:prstGeom prst="straightConnector1">
+            <a:avLst/>
+          </a:prstGeom>
+          <a:ln>
+            <a:tailEnd type="arrow"/>
+          </a:ln>
+        </p:spPr>
+        <p:style>
+          <a:lnRef idx="1">
+            <a:schemeClr val="accent1"/>
+          </a:lnRef>
+          <a:fillRef idx="0">
+            <a:schemeClr val="accent1"/>
+          </a:fillRef>
+          <a:effectRef idx="0">
+            <a:schemeClr val="accent1"/>
+          </a:effectRef>
+          <a:fontRef idx="minor">
+            <a:schemeClr val="tx1"/>
+          </a:fontRef>
+        </p:style>
+      </p:cxnSp>
+      <p:sp>
+        <p:nvSpPr>
+          <p:cNvPr id="9" name="文本框 8"/>
+          <p:cNvSpPr txBox="1"/>
+          <p:nvPr/>
+        </p:nvSpPr>
+        <p:spPr>
+          <a:xfrm>
+            <a:off x="229235" y="1452880"/>
+            <a:ext cx="3220085" cy="368300"/>
+          </a:xfrm>
+          <a:prstGeom prst="rect">
+            <a:avLst/>
+          </a:prstGeom>
+          <a:noFill/>
+        </p:spPr>
+        <p:txBody>
+          <a:bodyPr wrap="square" rtlCol="0">
+            <a:spAutoFit/>
+          </a:bodyPr>
+          <a:p>
+            <a:r>
+              <a:rPr lang="zh-CN" altLang="en-US">
+                <a:latin typeface="微软雅黑" panose="020B0503020204020204" pitchFamily="34" charset="-122"/>
+                <a:ea typeface="微软雅黑" panose="020B0503020204020204" pitchFamily="34" charset="-122"/>
+              </a:rPr>
+              <a:t>一般为图标，如果存在会显示</a:t>
+            </a:r>
+            <a:endParaRPr lang="zh-CN" altLang="en-US">
+              <a:latin typeface="微软雅黑" panose="020B0503020204020204" pitchFamily="34" charset="-122"/>
+              <a:ea typeface="微软雅黑" panose="020B0503020204020204" pitchFamily="34" charset="-122"/>
+            </a:endParaRPr>
+          </a:p>
+        </p:txBody>
+      </p:sp>
+      <p:sp>
+        <p:nvSpPr>
+          <p:cNvPr id="11" name="文本框 10"/>
+          <p:cNvSpPr txBox="1"/>
+          <p:nvPr/>
+        </p:nvSpPr>
+        <p:spPr>
+          <a:xfrm>
+            <a:off x="1607185" y="1933575"/>
+            <a:ext cx="1578610" cy="368300"/>
+          </a:xfrm>
+          <a:prstGeom prst="rect">
+            <a:avLst/>
+          </a:prstGeom>
+          <a:noFill/>
+        </p:spPr>
+        <p:txBody>
+          <a:bodyPr wrap="square" rtlCol="0" anchor="t">
+            <a:spAutoFit/>
+          </a:bodyPr>
+          <a:p>
+            <a:r>
+              <a:rPr lang="zh-CN" altLang="en-US">
+                <a:solidFill>
+                  <a:schemeClr val="accent2">
+                    <a:lumMod val="75000"/>
+                  </a:schemeClr>
+                </a:solidFill>
+              </a:rPr>
+              <a:t>titleBarHeight</a:t>
+            </a:r>
+            <a:endParaRPr lang="zh-CN" altLang="en-US">
+              <a:solidFill>
+                <a:schemeClr val="accent2">
+                  <a:lumMod val="75000"/>
+                </a:schemeClr>
+              </a:solidFill>
+            </a:endParaRPr>
+          </a:p>
+        </p:txBody>
+      </p:sp>
+      <p:cxnSp>
+        <p:nvCxnSpPr>
+          <p:cNvPr id="12" name="直接连接符 11"/>
+          <p:cNvCxnSpPr/>
+          <p:nvPr/>
+        </p:nvCxnSpPr>
+        <p:spPr>
+          <a:xfrm flipH="1">
+            <a:off x="1244600" y="2006600"/>
+            <a:ext cx="2798445" cy="0"/>
+          </a:xfrm>
+          <a:prstGeom prst="line">
+            <a:avLst/>
+          </a:prstGeom>
+          <a:ln>
+            <a:solidFill>
+              <a:schemeClr val="bg1">
+                <a:lumMod val="50000"/>
+              </a:schemeClr>
+            </a:solidFill>
+          </a:ln>
+        </p:spPr>
+        <p:style>
+          <a:lnRef idx="1">
+            <a:schemeClr val="accent1"/>
+          </a:lnRef>
+          <a:fillRef idx="0">
+            <a:schemeClr val="accent1"/>
+          </a:fillRef>
+          <a:effectRef idx="0">
+            <a:schemeClr val="accent1"/>
+          </a:effectRef>
+          <a:fontRef idx="minor">
+            <a:schemeClr val="tx1"/>
+          </a:fontRef>
+        </p:style>
+      </p:cxnSp>
+      <p:cxnSp>
+        <p:nvCxnSpPr>
+          <p:cNvPr id="14" name="直接连接符 13"/>
+          <p:cNvCxnSpPr/>
+          <p:nvPr/>
+        </p:nvCxnSpPr>
+        <p:spPr>
+          <a:xfrm flipH="1">
+            <a:off x="3177540" y="2249805"/>
+            <a:ext cx="857250" cy="0"/>
+          </a:xfrm>
+          <a:prstGeom prst="line">
+            <a:avLst/>
+          </a:prstGeom>
+          <a:ln>
+            <a:solidFill>
+              <a:schemeClr val="bg1">
+                <a:lumMod val="50000"/>
+              </a:schemeClr>
+            </a:solidFill>
+          </a:ln>
+        </p:spPr>
+        <p:style>
+          <a:lnRef idx="1">
+            <a:schemeClr val="accent1"/>
+          </a:lnRef>
+          <a:fillRef idx="0">
+            <a:schemeClr val="accent1"/>
+          </a:fillRef>
+          <a:effectRef idx="0">
+            <a:schemeClr val="accent1"/>
+          </a:effectRef>
+          <a:fontRef idx="minor">
+            <a:schemeClr val="tx1"/>
+          </a:fontRef>
+        </p:style>
+      </p:cxnSp>
+      <p:cxnSp>
+        <p:nvCxnSpPr>
+          <p:cNvPr id="15" name="直接箭头连接符 14"/>
+          <p:cNvCxnSpPr/>
+          <p:nvPr/>
+        </p:nvCxnSpPr>
+        <p:spPr>
+          <a:xfrm flipH="1">
+            <a:off x="3265805" y="1993900"/>
+            <a:ext cx="4445" cy="255905"/>
+          </a:xfrm>
+          <a:prstGeom prst="straightConnector1">
+            <a:avLst/>
+          </a:prstGeom>
+          <a:ln>
+            <a:solidFill>
+              <a:schemeClr val="bg1">
+                <a:lumMod val="50000"/>
+              </a:schemeClr>
+            </a:solidFill>
+            <a:headEnd type="arrow" w="med" len="med"/>
+            <a:tailEnd type="arrow" w="med" len="med"/>
+          </a:ln>
+        </p:spPr>
+        <p:style>
+          <a:lnRef idx="1">
+            <a:schemeClr val="accent1"/>
+          </a:lnRef>
+          <a:fillRef idx="0">
+            <a:schemeClr val="accent1"/>
+          </a:fillRef>
+          <a:effectRef idx="0">
+            <a:schemeClr val="accent1"/>
+          </a:effectRef>
+          <a:fontRef idx="minor">
+            <a:schemeClr val="tx1"/>
+          </a:fontRef>
+        </p:style>
+      </p:cxnSp>
+      <p:cxnSp>
+        <p:nvCxnSpPr>
+          <p:cNvPr id="17" name="直接连接符 16"/>
+          <p:cNvCxnSpPr/>
+          <p:nvPr/>
+        </p:nvCxnSpPr>
+        <p:spPr>
+          <a:xfrm flipH="1">
+            <a:off x="3177540" y="2455545"/>
+            <a:ext cx="857250" cy="0"/>
+          </a:xfrm>
+          <a:prstGeom prst="line">
+            <a:avLst/>
+          </a:prstGeom>
+          <a:ln>
+            <a:solidFill>
+              <a:schemeClr val="bg1">
+                <a:lumMod val="50000"/>
+              </a:schemeClr>
+            </a:solidFill>
+          </a:ln>
+        </p:spPr>
+        <p:style>
+          <a:lnRef idx="1">
+            <a:schemeClr val="accent1"/>
+          </a:lnRef>
+          <a:fillRef idx="0">
+            <a:schemeClr val="accent1"/>
+          </a:fillRef>
+          <a:effectRef idx="0">
+            <a:schemeClr val="accent1"/>
+          </a:effectRef>
+          <a:fontRef idx="minor">
+            <a:schemeClr val="tx1"/>
+          </a:fontRef>
+        </p:style>
+      </p:cxnSp>
+      <p:cxnSp>
+        <p:nvCxnSpPr>
+          <p:cNvPr id="18" name="直接箭头连接符 17"/>
+          <p:cNvCxnSpPr/>
+          <p:nvPr/>
+        </p:nvCxnSpPr>
+        <p:spPr>
+          <a:xfrm>
+            <a:off x="3270250" y="2242185"/>
+            <a:ext cx="0" cy="207010"/>
+          </a:xfrm>
+          <a:prstGeom prst="straightConnector1">
+            <a:avLst/>
+          </a:prstGeom>
+          <a:ln>
+            <a:solidFill>
+              <a:schemeClr val="bg1">
+                <a:lumMod val="50000"/>
+              </a:schemeClr>
+            </a:solidFill>
+            <a:headEnd type="arrow" w="med" len="med"/>
+            <a:tailEnd type="arrow" w="med" len="med"/>
+          </a:ln>
+        </p:spPr>
+        <p:style>
+          <a:lnRef idx="1">
+            <a:schemeClr val="accent1"/>
+          </a:lnRef>
+          <a:fillRef idx="0">
+            <a:schemeClr val="accent1"/>
+          </a:fillRef>
+          <a:effectRef idx="0">
+            <a:schemeClr val="accent1"/>
+          </a:effectRef>
+          <a:fontRef idx="minor">
+            <a:schemeClr val="tx1"/>
+          </a:fontRef>
+        </p:style>
+      </p:cxnSp>
+      <p:sp>
+        <p:nvSpPr>
+          <p:cNvPr id="19" name="文本框 18"/>
+          <p:cNvSpPr txBox="1"/>
+          <p:nvPr/>
+        </p:nvSpPr>
+        <p:spPr>
+          <a:xfrm>
+            <a:off x="1598930" y="2168525"/>
+            <a:ext cx="1578610" cy="368300"/>
+          </a:xfrm>
+          <a:prstGeom prst="rect">
+            <a:avLst/>
+          </a:prstGeom>
+          <a:noFill/>
+        </p:spPr>
+        <p:txBody>
+          <a:bodyPr wrap="square" rtlCol="0" anchor="t">
+            <a:spAutoFit/>
+          </a:bodyPr>
+          <a:p>
+            <a:r>
+              <a:rPr lang="zh-CN" altLang="en-US">
+                <a:solidFill>
+                  <a:schemeClr val="accent2">
+                    <a:lumMod val="75000"/>
+                  </a:schemeClr>
+                </a:solidFill>
+              </a:rPr>
+              <a:t>t</a:t>
+            </a:r>
+            <a:r>
+              <a:rPr lang="en-US" altLang="zh-CN">
+                <a:solidFill>
+                  <a:schemeClr val="accent2">
+                    <a:lumMod val="75000"/>
+                  </a:schemeClr>
+                </a:solidFill>
+              </a:rPr>
+              <a:t>ab</a:t>
+            </a:r>
+            <a:r>
+              <a:rPr lang="zh-CN" altLang="en-US">
+                <a:solidFill>
+                  <a:schemeClr val="accent2">
+                    <a:lumMod val="75000"/>
+                  </a:schemeClr>
+                </a:solidFill>
+              </a:rPr>
+              <a:t>BarHeight</a:t>
+            </a:r>
+            <a:endParaRPr lang="zh-CN" altLang="en-US">
+              <a:solidFill>
+                <a:schemeClr val="accent2">
+                  <a:lumMod val="75000"/>
+                </a:schemeClr>
+              </a:solidFill>
+            </a:endParaRPr>
+          </a:p>
+        </p:txBody>
+      </p:sp>
+      <p:cxnSp>
+        <p:nvCxnSpPr>
+          <p:cNvPr id="20" name="直接连接符 19"/>
+          <p:cNvCxnSpPr/>
+          <p:nvPr/>
+        </p:nvCxnSpPr>
+        <p:spPr>
+          <a:xfrm flipH="1" flipV="1">
+            <a:off x="1226820" y="3697605"/>
+            <a:ext cx="2729230" cy="6985"/>
+          </a:xfrm>
+          <a:prstGeom prst="line">
+            <a:avLst/>
+          </a:prstGeom>
+          <a:ln>
+            <a:solidFill>
+              <a:schemeClr val="bg1">
+                <a:lumMod val="50000"/>
+              </a:schemeClr>
+            </a:solidFill>
+          </a:ln>
+        </p:spPr>
+        <p:style>
+          <a:lnRef idx="1">
+            <a:schemeClr val="accent1"/>
+          </a:lnRef>
+          <a:fillRef idx="0">
+            <a:schemeClr val="accent1"/>
+          </a:fillRef>
+          <a:effectRef idx="0">
+            <a:schemeClr val="accent1"/>
+          </a:effectRef>
+          <a:fontRef idx="minor">
+            <a:schemeClr val="tx1"/>
+          </a:fontRef>
+        </p:style>
+      </p:cxnSp>
+      <p:cxnSp>
+        <p:nvCxnSpPr>
+          <p:cNvPr id="21" name="直接箭头连接符 20"/>
+          <p:cNvCxnSpPr/>
+          <p:nvPr/>
+        </p:nvCxnSpPr>
+        <p:spPr>
+          <a:xfrm>
+            <a:off x="1517650" y="2006600"/>
+            <a:ext cx="6350" cy="1683385"/>
+          </a:xfrm>
+          <a:prstGeom prst="straightConnector1">
+            <a:avLst/>
+          </a:prstGeom>
+          <a:ln>
+            <a:solidFill>
+              <a:schemeClr val="bg1">
+                <a:lumMod val="50000"/>
+              </a:schemeClr>
+            </a:solidFill>
+            <a:headEnd type="arrow" w="med" len="med"/>
+            <a:tailEnd type="arrow" w="med" len="med"/>
+          </a:ln>
+        </p:spPr>
+        <p:style>
+          <a:lnRef idx="1">
+            <a:schemeClr val="accent1"/>
+          </a:lnRef>
+          <a:fillRef idx="0">
+            <a:schemeClr val="accent1"/>
+          </a:fillRef>
+          <a:effectRef idx="0">
+            <a:schemeClr val="accent1"/>
+          </a:effectRef>
+          <a:fontRef idx="minor">
+            <a:schemeClr val="tx1"/>
+          </a:fontRef>
+        </p:style>
+      </p:cxnSp>
+      <p:sp>
+        <p:nvSpPr>
+          <p:cNvPr id="22" name="文本框 21"/>
+          <p:cNvSpPr txBox="1"/>
+          <p:nvPr/>
+        </p:nvSpPr>
+        <p:spPr>
+          <a:xfrm>
+            <a:off x="556260" y="2754630"/>
+            <a:ext cx="1578610" cy="368300"/>
+          </a:xfrm>
+          <a:prstGeom prst="rect">
+            <a:avLst/>
+          </a:prstGeom>
+          <a:noFill/>
+        </p:spPr>
+        <p:txBody>
+          <a:bodyPr wrap="square" rtlCol="0" anchor="t">
+            <a:spAutoFit/>
+          </a:bodyPr>
+          <a:p>
+            <a:r>
+              <a:rPr>
+                <a:solidFill>
+                  <a:schemeClr val="accent2">
+                    <a:lumMod val="75000"/>
+                  </a:schemeClr>
+                </a:solidFill>
+              </a:rPr>
+              <a:t>mainBarHeight</a:t>
+            </a:r>
+            <a:endParaRPr>
+              <a:solidFill>
+                <a:schemeClr val="accent2">
+                  <a:lumMod val="75000"/>
+                </a:schemeClr>
+              </a:solidFill>
+            </a:endParaRPr>
+          </a:p>
+        </p:txBody>
+      </p:sp>
+      <p:sp>
+        <p:nvSpPr>
+          <p:cNvPr id="23" name="文本框 22"/>
+          <p:cNvSpPr txBox="1"/>
+          <p:nvPr/>
+        </p:nvSpPr>
+        <p:spPr>
+          <a:xfrm>
+            <a:off x="556260" y="3840480"/>
+            <a:ext cx="2006600" cy="645160"/>
+          </a:xfrm>
+          <a:prstGeom prst="rect">
+            <a:avLst/>
+          </a:prstGeom>
+          <a:noFill/>
+        </p:spPr>
+        <p:txBody>
+          <a:bodyPr wrap="square" rtlCol="0">
+            <a:spAutoFit/>
+          </a:bodyPr>
+          <a:p>
+            <a:r>
+              <a:rPr lang="en-US" altLang="zh-CN">
+                <a:latin typeface="微软雅黑" panose="020B0503020204020204" pitchFamily="34" charset="-122"/>
+                <a:ea typeface="微软雅黑" panose="020B0503020204020204" pitchFamily="34" charset="-122"/>
+                <a:cs typeface="微软雅黑" panose="020B0503020204020204" pitchFamily="34" charset="-122"/>
+              </a:rPr>
+              <a:t>1</a:t>
+            </a:r>
+            <a:r>
+              <a:rPr lang="zh-CN" altLang="en-US">
+                <a:latin typeface="微软雅黑" panose="020B0503020204020204" pitchFamily="34" charset="-122"/>
+                <a:ea typeface="微软雅黑" panose="020B0503020204020204" pitchFamily="34" charset="-122"/>
+                <a:cs typeface="微软雅黑" panose="020B0503020204020204" pitchFamily="34" charset="-122"/>
+              </a:rPr>
+              <a:t>、垂直方向通过三个高度确定</a:t>
+            </a:r>
+            <a:endParaRPr lang="zh-CN" altLang="en-US">
+              <a:latin typeface="微软雅黑" panose="020B0503020204020204" pitchFamily="34" charset="-122"/>
+              <a:ea typeface="微软雅黑" panose="020B0503020204020204" pitchFamily="34" charset="-122"/>
+              <a:cs typeface="微软雅黑" panose="020B0503020204020204" pitchFamily="34" charset="-122"/>
+            </a:endParaRPr>
+          </a:p>
+        </p:txBody>
+      </p:sp>
+      <p:sp>
+        <p:nvSpPr>
+          <p:cNvPr id="25" name="文本框 24"/>
+          <p:cNvSpPr txBox="1"/>
+          <p:nvPr/>
+        </p:nvSpPr>
+        <p:spPr>
+          <a:xfrm>
+            <a:off x="4211955" y="1576070"/>
+            <a:ext cx="443865" cy="245110"/>
+          </a:xfrm>
+          <a:prstGeom prst="rect">
+            <a:avLst/>
+          </a:prstGeom>
+          <a:noFill/>
+        </p:spPr>
+        <p:txBody>
+          <a:bodyPr wrap="square" rtlCol="0">
+            <a:spAutoFit/>
+          </a:bodyPr>
+          <a:p>
+            <a:r>
+              <a:rPr lang="en-US" altLang="zh-CN" sz="1000"/>
+              <a:t>5px</a:t>
+            </a:r>
+            <a:endParaRPr lang="en-US" altLang="zh-CN" sz="1000"/>
+          </a:p>
+        </p:txBody>
+      </p:sp>
+      <p:cxnSp>
+        <p:nvCxnSpPr>
+          <p:cNvPr id="27" name="直接箭头连接符 26"/>
+          <p:cNvCxnSpPr>
+            <a:stCxn id="25" idx="2"/>
+          </p:cNvCxnSpPr>
+          <p:nvPr/>
+        </p:nvCxnSpPr>
+        <p:spPr>
+          <a:xfrm flipH="1">
+            <a:off x="4431030" y="1821180"/>
+            <a:ext cx="3175" cy="104775"/>
+          </a:xfrm>
+          <a:prstGeom prst="straightConnector1">
+            <a:avLst/>
+          </a:prstGeom>
+          <a:ln>
+            <a:solidFill>
+              <a:schemeClr val="bg1">
+                <a:lumMod val="50000"/>
+              </a:schemeClr>
+            </a:solidFill>
+            <a:tailEnd type="arrow"/>
+          </a:ln>
+        </p:spPr>
+        <p:style>
+          <a:lnRef idx="1">
+            <a:schemeClr val="accent1"/>
+          </a:lnRef>
+          <a:fillRef idx="0">
+            <a:schemeClr val="accent1"/>
+          </a:fillRef>
+          <a:effectRef idx="0">
+            <a:schemeClr val="accent1"/>
+          </a:effectRef>
+          <a:fontRef idx="minor">
+            <a:schemeClr val="tx1"/>
+          </a:fontRef>
+        </p:style>
+      </p:cxnSp>
+      <p:sp>
+        <p:nvSpPr>
+          <p:cNvPr id="28" name="矩形 27"/>
+          <p:cNvSpPr/>
+          <p:nvPr/>
+        </p:nvSpPr>
+        <p:spPr>
+          <a:xfrm>
+            <a:off x="4450080" y="2007235"/>
+            <a:ext cx="287655" cy="234950"/>
+          </a:xfrm>
+          <a:prstGeom prst="rect">
+            <a:avLst/>
+          </a:prstGeom>
+        </p:spPr>
+        <p:style>
+          <a:lnRef idx="2">
+            <a:schemeClr val="accent6">
+              <a:shade val="50000"/>
+            </a:schemeClr>
+          </a:lnRef>
+          <a:fillRef idx="1">
+            <a:schemeClr val="accent6"/>
+          </a:fillRef>
+          <a:effectRef idx="0">
+            <a:schemeClr val="accent6"/>
+          </a:effectRef>
+          <a:fontRef idx="minor">
+            <a:schemeClr val="lt1"/>
+          </a:fontRef>
+        </p:style>
+        <p:txBody>
+          <a:bodyPr rtlCol="0" anchor="ctr"/>
+          <a:p>
+            <a:pPr algn="ctr"/>
+            <a:endParaRPr lang="zh-CN" altLang="en-US"/>
+          </a:p>
+        </p:txBody>
+      </p:sp>
+      <p:sp>
+        <p:nvSpPr>
+          <p:cNvPr id="31" name="文本框 30"/>
+          <p:cNvSpPr txBox="1"/>
+          <p:nvPr/>
+        </p:nvSpPr>
+        <p:spPr>
+          <a:xfrm>
+            <a:off x="4548505" y="1572260"/>
+            <a:ext cx="443865" cy="245110"/>
+          </a:xfrm>
+          <a:prstGeom prst="rect">
+            <a:avLst/>
+          </a:prstGeom>
+          <a:noFill/>
+        </p:spPr>
+        <p:txBody>
+          <a:bodyPr wrap="square" rtlCol="0">
+            <a:spAutoFit/>
+          </a:bodyPr>
+          <a:p>
+            <a:r>
+              <a:rPr lang="en-US" altLang="zh-CN" sz="1000"/>
+              <a:t>5px</a:t>
+            </a:r>
+            <a:endParaRPr lang="en-US" altLang="zh-CN" sz="1000"/>
+          </a:p>
+        </p:txBody>
+      </p:sp>
+      <p:cxnSp>
+        <p:nvCxnSpPr>
+          <p:cNvPr id="32" name="直接箭头连接符 31"/>
+          <p:cNvCxnSpPr>
+            <a:stCxn id="31" idx="2"/>
+          </p:cNvCxnSpPr>
+          <p:nvPr/>
+        </p:nvCxnSpPr>
+        <p:spPr>
+          <a:xfrm flipH="1">
+            <a:off x="4767580" y="1817370"/>
+            <a:ext cx="3175" cy="104775"/>
+          </a:xfrm>
+          <a:prstGeom prst="straightConnector1">
+            <a:avLst/>
+          </a:prstGeom>
+          <a:ln>
+            <a:solidFill>
+              <a:schemeClr val="bg1">
+                <a:lumMod val="50000"/>
+              </a:schemeClr>
+            </a:solidFill>
+            <a:tailEnd type="arrow"/>
+          </a:ln>
+        </p:spPr>
+        <p:style>
+          <a:lnRef idx="1">
+            <a:schemeClr val="accent1"/>
+          </a:lnRef>
+          <a:fillRef idx="0">
+            <a:schemeClr val="accent1"/>
+          </a:fillRef>
+          <a:effectRef idx="0">
+            <a:schemeClr val="accent1"/>
+          </a:effectRef>
+          <a:fontRef idx="minor">
+            <a:schemeClr val="tx1"/>
+          </a:fontRef>
+        </p:style>
+      </p:cxnSp>
+      <p:cxnSp>
+        <p:nvCxnSpPr>
+          <p:cNvPr id="56" name="直接箭头连接符 55"/>
+          <p:cNvCxnSpPr/>
+          <p:nvPr/>
+        </p:nvCxnSpPr>
+        <p:spPr>
+          <a:xfrm>
+            <a:off x="4248150" y="1390650"/>
+            <a:ext cx="10795" cy="606425"/>
+          </a:xfrm>
+          <a:prstGeom prst="straightConnector1">
+            <a:avLst/>
+          </a:prstGeom>
+          <a:ln>
+            <a:tailEnd type="arrow"/>
+          </a:ln>
+        </p:spPr>
+        <p:style>
+          <a:lnRef idx="1">
+            <a:schemeClr val="accent1"/>
+          </a:lnRef>
+          <a:fillRef idx="0">
+            <a:schemeClr val="accent1"/>
+          </a:fillRef>
+          <a:effectRef idx="0">
+            <a:schemeClr val="accent1"/>
+          </a:effectRef>
+          <a:fontRef idx="minor">
+            <a:schemeClr val="tx1"/>
+          </a:fontRef>
+        </p:style>
+      </p:cxnSp>
+      <p:sp>
+        <p:nvSpPr>
+          <p:cNvPr id="57" name="矩形 56"/>
+          <p:cNvSpPr/>
+          <p:nvPr/>
+        </p:nvSpPr>
+        <p:spPr>
+          <a:xfrm>
+            <a:off x="3395980" y="1096010"/>
+            <a:ext cx="924560" cy="368300"/>
+          </a:xfrm>
+          <a:prstGeom prst="rect">
+            <a:avLst/>
+          </a:prstGeom>
+        </p:spPr>
+        <p:txBody>
+          <a:bodyPr wrap="none" rtlCol="0" anchor="t">
+            <a:spAutoFit/>
+          </a:bodyPr>
+          <a:p>
+            <a:pPr lvl="0" algn="l">
+              <a:buClrTx/>
+              <a:buSzTx/>
+              <a:buFontTx/>
+            </a:pPr>
+            <a:r>
+              <a:rPr lang="en-US" altLang="zh-CN" b="1" dirty="0" err="1" smtClean="0">
+                <a:solidFill>
+                  <a:schemeClr val="accent1">
+                    <a:lumMod val="75000"/>
+                  </a:schemeClr>
+                </a:solidFill>
+                <a:effectLst/>
+                <a:sym typeface="+mn-ea"/>
+              </a:rPr>
+              <a:t>1</a:t>
+            </a:r>
+            <a:r>
+              <a:rPr lang="zh-CN" altLang="en-US" b="1" dirty="0" err="1" smtClean="0">
+                <a:solidFill>
+                  <a:schemeClr val="accent1">
+                    <a:lumMod val="75000"/>
+                  </a:schemeClr>
+                </a:solidFill>
+                <a:effectLst/>
+                <a:sym typeface="+mn-ea"/>
+              </a:rPr>
+              <a:t>、</a:t>
+            </a:r>
+            <a:r>
+              <a:rPr lang="en-US" altLang="zh-CN" b="1" dirty="0" err="1" smtClean="0">
+                <a:solidFill>
+                  <a:schemeClr val="accent1">
+                    <a:lumMod val="75000"/>
+                  </a:schemeClr>
+                </a:solidFill>
+                <a:effectLst/>
+                <a:sym typeface="+mn-ea"/>
+              </a:rPr>
+              <a:t>icon</a:t>
+            </a:r>
+            <a:endParaRPr lang="en-US" altLang="zh-CN" b="1" dirty="0" err="1" smtClean="0">
+              <a:solidFill>
+                <a:schemeClr val="accent1">
+                  <a:lumMod val="75000"/>
+                </a:schemeClr>
+              </a:solidFill>
+              <a:effectLst/>
+              <a:sym typeface="+mn-ea"/>
+            </a:endParaRPr>
+          </a:p>
+        </p:txBody>
+      </p:sp>
+      <p:cxnSp>
+        <p:nvCxnSpPr>
+          <p:cNvPr id="58" name="直接连接符 57"/>
+          <p:cNvCxnSpPr/>
+          <p:nvPr/>
+        </p:nvCxnSpPr>
+        <p:spPr>
+          <a:xfrm>
+            <a:off x="4592320" y="1464310"/>
+            <a:ext cx="285750" cy="0"/>
+          </a:xfrm>
+          <a:prstGeom prst="line">
+            <a:avLst/>
+          </a:prstGeom>
+        </p:spPr>
+        <p:style>
+          <a:lnRef idx="1">
+            <a:schemeClr val="accent1"/>
+          </a:lnRef>
+          <a:fillRef idx="0">
+            <a:schemeClr val="accent1"/>
+          </a:fillRef>
+          <a:effectRef idx="0">
+            <a:schemeClr val="accent1"/>
+          </a:effectRef>
+          <a:fontRef idx="minor">
+            <a:schemeClr val="tx1"/>
+          </a:fontRef>
+        </p:style>
+      </p:cxnSp>
+      <p:sp>
+        <p:nvSpPr>
+          <p:cNvPr id="59" name="文本框 58"/>
+          <p:cNvSpPr txBox="1"/>
+          <p:nvPr/>
+        </p:nvSpPr>
+        <p:spPr>
+          <a:xfrm>
+            <a:off x="6489065" y="1610360"/>
+            <a:ext cx="443865" cy="245110"/>
+          </a:xfrm>
+          <a:prstGeom prst="rect">
+            <a:avLst/>
+          </a:prstGeom>
+          <a:noFill/>
+        </p:spPr>
+        <p:txBody>
+          <a:bodyPr wrap="square" rtlCol="0">
+            <a:spAutoFit/>
+          </a:bodyPr>
+          <a:p>
+            <a:r>
+              <a:rPr lang="en-US" altLang="zh-CN" sz="1000"/>
+              <a:t>1px</a:t>
+            </a:r>
+            <a:endParaRPr lang="en-US" altLang="zh-CN" sz="1000"/>
+          </a:p>
+        </p:txBody>
+      </p:sp>
+      <p:cxnSp>
+        <p:nvCxnSpPr>
+          <p:cNvPr id="60" name="直接箭头连接符 59"/>
+          <p:cNvCxnSpPr>
+            <a:stCxn id="59" idx="2"/>
+          </p:cNvCxnSpPr>
+          <p:nvPr/>
+        </p:nvCxnSpPr>
+        <p:spPr>
+          <a:xfrm flipH="1">
+            <a:off x="6700520" y="1855470"/>
+            <a:ext cx="3175" cy="104775"/>
+          </a:xfrm>
+          <a:prstGeom prst="straightConnector1">
+            <a:avLst/>
+          </a:prstGeom>
+          <a:ln>
+            <a:solidFill>
+              <a:schemeClr val="bg1">
+                <a:lumMod val="50000"/>
+              </a:schemeClr>
+            </a:solidFill>
+            <a:tailEnd type="arrow"/>
+          </a:ln>
+        </p:spPr>
+        <p:style>
+          <a:lnRef idx="1">
+            <a:schemeClr val="accent1"/>
+          </a:lnRef>
+          <a:fillRef idx="0">
+            <a:schemeClr val="accent1"/>
+          </a:fillRef>
+          <a:effectRef idx="0">
+            <a:schemeClr val="accent1"/>
+          </a:effectRef>
+          <a:fontRef idx="minor">
+            <a:schemeClr val="tx1"/>
+          </a:fontRef>
+        </p:style>
+      </p:cxnSp>
+    </p:spTree>
+  </p:cSld>
+  <p:clrMapOvr>
+    <a:masterClrMapping/>
+  </p:clrMapOvr>
+</p:sld>
+</file>
+
+<file path=ppt/slides/slide3.xml><?xml version="1.0" encoding="utf-8"?>
 <p:sld xmlns:a="http://schemas.openxmlformats.org/drawingml/2006/main" xmlns:r="http://schemas.openxmlformats.org/officeDocument/2006/relationships" xmlns:p="http://schemas.openxmlformats.org/presentationml/2006/main">
   <p:cSld>
     <p:spTree>

--- a/src/SARibbonBar/doc/SARibbonBar.pptx
+++ b/src/SARibbonBar/doc/SARibbonBar.pptx
@@ -1,11 +1,13 @@
 
 <file path=ppt/presentation.xml><?xml version="1.0" encoding="utf-8"?>
-<p:presentation xmlns:a="http://schemas.openxmlformats.org/drawingml/2006/main" xmlns:r="http://schemas.openxmlformats.org/officeDocument/2006/relationships" xmlns:p="http://schemas.openxmlformats.org/presentationml/2006/main" saveSubsetFonts="1">
+<p:presentation xmlns:a="http://schemas.openxmlformats.org/drawingml/2006/main" xmlns:r="http://schemas.openxmlformats.org/officeDocument/2006/relationships" xmlns:p="http://schemas.openxmlformats.org/presentationml/2006/main">
   <p:sldMasterIdLst>
     <p:sldMasterId id="2147483648" r:id="rId1"/>
   </p:sldMasterIdLst>
   <p:sldIdLst>
-    <p:sldId id="256" r:id="rId2"/>
+    <p:sldId id="257" r:id="rId3"/>
+    <p:sldId id="259" r:id="rId4"/>
+    <p:sldId id="256" r:id="rId5"/>
   </p:sldIdLst>
   <p:sldSz cx="12192000" cy="6858000"/>
   <p:notesSz cx="6858000" cy="9144000"/>
@@ -238,7 +240,6 @@
           <a:p>
             <a:fld id="{791025AC-6364-4DCA-9BF0-1CB07E70C9CD}" type="datetimeFigureOut">
               <a:rPr lang="zh-CN" altLang="en-US" smtClean="0"/>
-              <a:t>2021/1/16</a:t>
             </a:fld>
             <a:endParaRPr lang="zh-CN" altLang="en-US"/>
           </a:p>
@@ -280,18 +281,12 @@
           <a:p>
             <a:fld id="{B11A056D-85D3-471D-A642-53DA42750F49}" type="slidenum">
               <a:rPr lang="zh-CN" altLang="en-US" smtClean="0"/>
-              <a:t>‹#›</a:t>
             </a:fld>
             <a:endParaRPr lang="zh-CN" altLang="en-US"/>
           </a:p>
         </p:txBody>
       </p:sp>
     </p:spTree>
-    <p:extLst>
-      <p:ext uri="{BB962C8B-B14F-4D97-AF65-F5344CB8AC3E}">
-        <p14:creationId xmlns:p14="http://schemas.microsoft.com/office/powerpoint/2010/main" val="465384024"/>
-      </p:ext>
-    </p:extLst>
   </p:cSld>
   <p:clrMapOvr>
     <a:masterClrMapping/>
@@ -359,6 +354,7 @@
               <a:rPr lang="zh-CN" altLang="en-US" smtClean="0"/>
               <a:t>单击此处编辑母版文本样式</a:t>
             </a:r>
+            <a:endParaRPr lang="zh-CN" altLang="en-US" smtClean="0"/>
           </a:p>
           <a:p>
             <a:pPr lvl="1"/>
@@ -366,6 +362,7 @@
               <a:rPr lang="zh-CN" altLang="en-US" smtClean="0"/>
               <a:t>第二级</a:t>
             </a:r>
+            <a:endParaRPr lang="zh-CN" altLang="en-US" smtClean="0"/>
           </a:p>
           <a:p>
             <a:pPr lvl="2"/>
@@ -373,6 +370,7 @@
               <a:rPr lang="zh-CN" altLang="en-US" smtClean="0"/>
               <a:t>第三级</a:t>
             </a:r>
+            <a:endParaRPr lang="zh-CN" altLang="en-US" smtClean="0"/>
           </a:p>
           <a:p>
             <a:pPr lvl="3"/>
@@ -380,6 +378,7 @@
               <a:rPr lang="zh-CN" altLang="en-US" smtClean="0"/>
               <a:t>第四级</a:t>
             </a:r>
+            <a:endParaRPr lang="zh-CN" altLang="en-US" smtClean="0"/>
           </a:p>
           <a:p>
             <a:pPr lvl="4"/>
@@ -408,7 +407,6 @@
           <a:p>
             <a:fld id="{791025AC-6364-4DCA-9BF0-1CB07E70C9CD}" type="datetimeFigureOut">
               <a:rPr lang="zh-CN" altLang="en-US" smtClean="0"/>
-              <a:t>2021/1/16</a:t>
             </a:fld>
             <a:endParaRPr lang="zh-CN" altLang="en-US"/>
           </a:p>
@@ -450,18 +448,12 @@
           <a:p>
             <a:fld id="{B11A056D-85D3-471D-A642-53DA42750F49}" type="slidenum">
               <a:rPr lang="zh-CN" altLang="en-US" smtClean="0"/>
-              <a:t>‹#›</a:t>
             </a:fld>
             <a:endParaRPr lang="zh-CN" altLang="en-US"/>
           </a:p>
         </p:txBody>
       </p:sp>
     </p:spTree>
-    <p:extLst>
-      <p:ext uri="{BB962C8B-B14F-4D97-AF65-F5344CB8AC3E}">
-        <p14:creationId xmlns:p14="http://schemas.microsoft.com/office/powerpoint/2010/main" val="1937852335"/>
-      </p:ext>
-    </p:extLst>
   </p:cSld>
   <p:clrMapOvr>
     <a:masterClrMapping/>
@@ -539,6 +531,7 @@
               <a:rPr lang="zh-CN" altLang="en-US" smtClean="0"/>
               <a:t>单击此处编辑母版文本样式</a:t>
             </a:r>
+            <a:endParaRPr lang="zh-CN" altLang="en-US" smtClean="0"/>
           </a:p>
           <a:p>
             <a:pPr lvl="1"/>
@@ -546,6 +539,7 @@
               <a:rPr lang="zh-CN" altLang="en-US" smtClean="0"/>
               <a:t>第二级</a:t>
             </a:r>
+            <a:endParaRPr lang="zh-CN" altLang="en-US" smtClean="0"/>
           </a:p>
           <a:p>
             <a:pPr lvl="2"/>
@@ -553,6 +547,7 @@
               <a:rPr lang="zh-CN" altLang="en-US" smtClean="0"/>
               <a:t>第三级</a:t>
             </a:r>
+            <a:endParaRPr lang="zh-CN" altLang="en-US" smtClean="0"/>
           </a:p>
           <a:p>
             <a:pPr lvl="3"/>
@@ -560,6 +555,7 @@
               <a:rPr lang="zh-CN" altLang="en-US" smtClean="0"/>
               <a:t>第四级</a:t>
             </a:r>
+            <a:endParaRPr lang="zh-CN" altLang="en-US" smtClean="0"/>
           </a:p>
           <a:p>
             <a:pPr lvl="4"/>
@@ -588,7 +584,6 @@
           <a:p>
             <a:fld id="{791025AC-6364-4DCA-9BF0-1CB07E70C9CD}" type="datetimeFigureOut">
               <a:rPr lang="zh-CN" altLang="en-US" smtClean="0"/>
-              <a:t>2021/1/16</a:t>
             </a:fld>
             <a:endParaRPr lang="zh-CN" altLang="en-US"/>
           </a:p>
@@ -630,18 +625,12 @@
           <a:p>
             <a:fld id="{B11A056D-85D3-471D-A642-53DA42750F49}" type="slidenum">
               <a:rPr lang="zh-CN" altLang="en-US" smtClean="0"/>
-              <a:t>‹#›</a:t>
             </a:fld>
             <a:endParaRPr lang="zh-CN" altLang="en-US"/>
           </a:p>
         </p:txBody>
       </p:sp>
     </p:spTree>
-    <p:extLst>
-      <p:ext uri="{BB962C8B-B14F-4D97-AF65-F5344CB8AC3E}">
-        <p14:creationId xmlns:p14="http://schemas.microsoft.com/office/powerpoint/2010/main" val="3798069891"/>
-      </p:ext>
-    </p:extLst>
   </p:cSld>
   <p:clrMapOvr>
     <a:masterClrMapping/>
@@ -709,6 +698,7 @@
               <a:rPr lang="zh-CN" altLang="en-US" smtClean="0"/>
               <a:t>单击此处编辑母版文本样式</a:t>
             </a:r>
+            <a:endParaRPr lang="zh-CN" altLang="en-US" smtClean="0"/>
           </a:p>
           <a:p>
             <a:pPr lvl="1"/>
@@ -716,6 +706,7 @@
               <a:rPr lang="zh-CN" altLang="en-US" smtClean="0"/>
               <a:t>第二级</a:t>
             </a:r>
+            <a:endParaRPr lang="zh-CN" altLang="en-US" smtClean="0"/>
           </a:p>
           <a:p>
             <a:pPr lvl="2"/>
@@ -723,6 +714,7 @@
               <a:rPr lang="zh-CN" altLang="en-US" smtClean="0"/>
               <a:t>第三级</a:t>
             </a:r>
+            <a:endParaRPr lang="zh-CN" altLang="en-US" smtClean="0"/>
           </a:p>
           <a:p>
             <a:pPr lvl="3"/>
@@ -730,6 +722,7 @@
               <a:rPr lang="zh-CN" altLang="en-US" smtClean="0"/>
               <a:t>第四级</a:t>
             </a:r>
+            <a:endParaRPr lang="zh-CN" altLang="en-US" smtClean="0"/>
           </a:p>
           <a:p>
             <a:pPr lvl="4"/>
@@ -758,7 +751,6 @@
           <a:p>
             <a:fld id="{791025AC-6364-4DCA-9BF0-1CB07E70C9CD}" type="datetimeFigureOut">
               <a:rPr lang="zh-CN" altLang="en-US" smtClean="0"/>
-              <a:t>2021/1/16</a:t>
             </a:fld>
             <a:endParaRPr lang="zh-CN" altLang="en-US"/>
           </a:p>
@@ -800,18 +792,12 @@
           <a:p>
             <a:fld id="{B11A056D-85D3-471D-A642-53DA42750F49}" type="slidenum">
               <a:rPr lang="zh-CN" altLang="en-US" smtClean="0"/>
-              <a:t>‹#›</a:t>
             </a:fld>
             <a:endParaRPr lang="zh-CN" altLang="en-US"/>
           </a:p>
         </p:txBody>
       </p:sp>
     </p:spTree>
-    <p:extLst>
-      <p:ext uri="{BB962C8B-B14F-4D97-AF65-F5344CB8AC3E}">
-        <p14:creationId xmlns:p14="http://schemas.microsoft.com/office/powerpoint/2010/main" val="1866533964"/>
-      </p:ext>
-    </p:extLst>
   </p:cSld>
   <p:clrMapOvr>
     <a:masterClrMapping/>
@@ -984,6 +970,7 @@
               <a:rPr lang="zh-CN" altLang="en-US" smtClean="0"/>
               <a:t>单击此处编辑母版文本样式</a:t>
             </a:r>
+            <a:endParaRPr lang="zh-CN" altLang="en-US" smtClean="0"/>
           </a:p>
         </p:txBody>
       </p:sp>
@@ -1004,7 +991,6 @@
           <a:p>
             <a:fld id="{791025AC-6364-4DCA-9BF0-1CB07E70C9CD}" type="datetimeFigureOut">
               <a:rPr lang="zh-CN" altLang="en-US" smtClean="0"/>
-              <a:t>2021/1/16</a:t>
             </a:fld>
             <a:endParaRPr lang="zh-CN" altLang="en-US"/>
           </a:p>
@@ -1046,18 +1032,12 @@
           <a:p>
             <a:fld id="{B11A056D-85D3-471D-A642-53DA42750F49}" type="slidenum">
               <a:rPr lang="zh-CN" altLang="en-US" smtClean="0"/>
-              <a:t>‹#›</a:t>
             </a:fld>
             <a:endParaRPr lang="zh-CN" altLang="en-US"/>
           </a:p>
         </p:txBody>
       </p:sp>
     </p:spTree>
-    <p:extLst>
-      <p:ext uri="{BB962C8B-B14F-4D97-AF65-F5344CB8AC3E}">
-        <p14:creationId xmlns:p14="http://schemas.microsoft.com/office/powerpoint/2010/main" val="2364631930"/>
-      </p:ext>
-    </p:extLst>
   </p:cSld>
   <p:clrMapOvr>
     <a:masterClrMapping/>
@@ -1130,6 +1110,7 @@
               <a:rPr lang="zh-CN" altLang="en-US" smtClean="0"/>
               <a:t>单击此处编辑母版文本样式</a:t>
             </a:r>
+            <a:endParaRPr lang="zh-CN" altLang="en-US" smtClean="0"/>
           </a:p>
           <a:p>
             <a:pPr lvl="1"/>
@@ -1137,6 +1118,7 @@
               <a:rPr lang="zh-CN" altLang="en-US" smtClean="0"/>
               <a:t>第二级</a:t>
             </a:r>
+            <a:endParaRPr lang="zh-CN" altLang="en-US" smtClean="0"/>
           </a:p>
           <a:p>
             <a:pPr lvl="2"/>
@@ -1144,6 +1126,7 @@
               <a:rPr lang="zh-CN" altLang="en-US" smtClean="0"/>
               <a:t>第三级</a:t>
             </a:r>
+            <a:endParaRPr lang="zh-CN" altLang="en-US" smtClean="0"/>
           </a:p>
           <a:p>
             <a:pPr lvl="3"/>
@@ -1151,6 +1134,7 @@
               <a:rPr lang="zh-CN" altLang="en-US" smtClean="0"/>
               <a:t>第四级</a:t>
             </a:r>
+            <a:endParaRPr lang="zh-CN" altLang="en-US" smtClean="0"/>
           </a:p>
           <a:p>
             <a:pPr lvl="4"/>
@@ -1187,6 +1171,7 @@
               <a:rPr lang="zh-CN" altLang="en-US" smtClean="0"/>
               <a:t>单击此处编辑母版文本样式</a:t>
             </a:r>
+            <a:endParaRPr lang="zh-CN" altLang="en-US" smtClean="0"/>
           </a:p>
           <a:p>
             <a:pPr lvl="1"/>
@@ -1194,6 +1179,7 @@
               <a:rPr lang="zh-CN" altLang="en-US" smtClean="0"/>
               <a:t>第二级</a:t>
             </a:r>
+            <a:endParaRPr lang="zh-CN" altLang="en-US" smtClean="0"/>
           </a:p>
           <a:p>
             <a:pPr lvl="2"/>
@@ -1201,6 +1187,7 @@
               <a:rPr lang="zh-CN" altLang="en-US" smtClean="0"/>
               <a:t>第三级</a:t>
             </a:r>
+            <a:endParaRPr lang="zh-CN" altLang="en-US" smtClean="0"/>
           </a:p>
           <a:p>
             <a:pPr lvl="3"/>
@@ -1208,6 +1195,7 @@
               <a:rPr lang="zh-CN" altLang="en-US" smtClean="0"/>
               <a:t>第四级</a:t>
             </a:r>
+            <a:endParaRPr lang="zh-CN" altLang="en-US" smtClean="0"/>
           </a:p>
           <a:p>
             <a:pPr lvl="4"/>
@@ -1236,7 +1224,6 @@
           <a:p>
             <a:fld id="{791025AC-6364-4DCA-9BF0-1CB07E70C9CD}" type="datetimeFigureOut">
               <a:rPr lang="zh-CN" altLang="en-US" smtClean="0"/>
-              <a:t>2021/1/16</a:t>
             </a:fld>
             <a:endParaRPr lang="zh-CN" altLang="en-US"/>
           </a:p>
@@ -1278,18 +1265,12 @@
           <a:p>
             <a:fld id="{B11A056D-85D3-471D-A642-53DA42750F49}" type="slidenum">
               <a:rPr lang="zh-CN" altLang="en-US" smtClean="0"/>
-              <a:t>‹#›</a:t>
             </a:fld>
             <a:endParaRPr lang="zh-CN" altLang="en-US"/>
           </a:p>
         </p:txBody>
       </p:sp>
     </p:spTree>
-    <p:extLst>
-      <p:ext uri="{BB962C8B-B14F-4D97-AF65-F5344CB8AC3E}">
-        <p14:creationId xmlns:p14="http://schemas.microsoft.com/office/powerpoint/2010/main" val="757064700"/>
-      </p:ext>
-    </p:extLst>
   </p:cSld>
   <p:clrMapOvr>
     <a:masterClrMapping/>
@@ -1404,6 +1385,7 @@
               <a:rPr lang="zh-CN" altLang="en-US" smtClean="0"/>
               <a:t>单击此处编辑母版文本样式</a:t>
             </a:r>
+            <a:endParaRPr lang="zh-CN" altLang="en-US" smtClean="0"/>
           </a:p>
         </p:txBody>
       </p:sp>
@@ -1432,6 +1414,7 @@
               <a:rPr lang="zh-CN" altLang="en-US" smtClean="0"/>
               <a:t>单击此处编辑母版文本样式</a:t>
             </a:r>
+            <a:endParaRPr lang="zh-CN" altLang="en-US" smtClean="0"/>
           </a:p>
           <a:p>
             <a:pPr lvl="1"/>
@@ -1439,6 +1422,7 @@
               <a:rPr lang="zh-CN" altLang="en-US" smtClean="0"/>
               <a:t>第二级</a:t>
             </a:r>
+            <a:endParaRPr lang="zh-CN" altLang="en-US" smtClean="0"/>
           </a:p>
           <a:p>
             <a:pPr lvl="2"/>
@@ -1446,6 +1430,7 @@
               <a:rPr lang="zh-CN" altLang="en-US" smtClean="0"/>
               <a:t>第三级</a:t>
             </a:r>
+            <a:endParaRPr lang="zh-CN" altLang="en-US" smtClean="0"/>
           </a:p>
           <a:p>
             <a:pPr lvl="3"/>
@@ -1453,6 +1438,7 @@
               <a:rPr lang="zh-CN" altLang="en-US" smtClean="0"/>
               <a:t>第四级</a:t>
             </a:r>
+            <a:endParaRPr lang="zh-CN" altLang="en-US" smtClean="0"/>
           </a:p>
           <a:p>
             <a:pPr lvl="4"/>
@@ -1526,6 +1512,7 @@
               <a:rPr lang="zh-CN" altLang="en-US" smtClean="0"/>
               <a:t>单击此处编辑母版文本样式</a:t>
             </a:r>
+            <a:endParaRPr lang="zh-CN" altLang="en-US" smtClean="0"/>
           </a:p>
         </p:txBody>
       </p:sp>
@@ -1554,6 +1541,7 @@
               <a:rPr lang="zh-CN" altLang="en-US" smtClean="0"/>
               <a:t>单击此处编辑母版文本样式</a:t>
             </a:r>
+            <a:endParaRPr lang="zh-CN" altLang="en-US" smtClean="0"/>
           </a:p>
           <a:p>
             <a:pPr lvl="1"/>
@@ -1561,6 +1549,7 @@
               <a:rPr lang="zh-CN" altLang="en-US" smtClean="0"/>
               <a:t>第二级</a:t>
             </a:r>
+            <a:endParaRPr lang="zh-CN" altLang="en-US" smtClean="0"/>
           </a:p>
           <a:p>
             <a:pPr lvl="2"/>
@@ -1568,6 +1557,7 @@
               <a:rPr lang="zh-CN" altLang="en-US" smtClean="0"/>
               <a:t>第三级</a:t>
             </a:r>
+            <a:endParaRPr lang="zh-CN" altLang="en-US" smtClean="0"/>
           </a:p>
           <a:p>
             <a:pPr lvl="3"/>
@@ -1575,6 +1565,7 @@
               <a:rPr lang="zh-CN" altLang="en-US" smtClean="0"/>
               <a:t>第四级</a:t>
             </a:r>
+            <a:endParaRPr lang="zh-CN" altLang="en-US" smtClean="0"/>
           </a:p>
           <a:p>
             <a:pPr lvl="4"/>
@@ -1603,7 +1594,6 @@
           <a:p>
             <a:fld id="{791025AC-6364-4DCA-9BF0-1CB07E70C9CD}" type="datetimeFigureOut">
               <a:rPr lang="zh-CN" altLang="en-US" smtClean="0"/>
-              <a:t>2021/1/16</a:t>
             </a:fld>
             <a:endParaRPr lang="zh-CN" altLang="en-US"/>
           </a:p>
@@ -1645,18 +1635,12 @@
           <a:p>
             <a:fld id="{B11A056D-85D3-471D-A642-53DA42750F49}" type="slidenum">
               <a:rPr lang="zh-CN" altLang="en-US" smtClean="0"/>
-              <a:t>‹#›</a:t>
             </a:fld>
             <a:endParaRPr lang="zh-CN" altLang="en-US"/>
           </a:p>
         </p:txBody>
       </p:sp>
     </p:spTree>
-    <p:extLst>
-      <p:ext uri="{BB962C8B-B14F-4D97-AF65-F5344CB8AC3E}">
-        <p14:creationId xmlns:p14="http://schemas.microsoft.com/office/powerpoint/2010/main" val="1676269755"/>
-      </p:ext>
-    </p:extLst>
   </p:cSld>
   <p:clrMapOvr>
     <a:masterClrMapping/>
@@ -1721,7 +1705,6 @@
           <a:p>
             <a:fld id="{791025AC-6364-4DCA-9BF0-1CB07E70C9CD}" type="datetimeFigureOut">
               <a:rPr lang="zh-CN" altLang="en-US" smtClean="0"/>
-              <a:t>2021/1/16</a:t>
             </a:fld>
             <a:endParaRPr lang="zh-CN" altLang="en-US"/>
           </a:p>
@@ -1763,18 +1746,12 @@
           <a:p>
             <a:fld id="{B11A056D-85D3-471D-A642-53DA42750F49}" type="slidenum">
               <a:rPr lang="zh-CN" altLang="en-US" smtClean="0"/>
-              <a:t>‹#›</a:t>
             </a:fld>
             <a:endParaRPr lang="zh-CN" altLang="en-US"/>
           </a:p>
         </p:txBody>
       </p:sp>
     </p:spTree>
-    <p:extLst>
-      <p:ext uri="{BB962C8B-B14F-4D97-AF65-F5344CB8AC3E}">
-        <p14:creationId xmlns:p14="http://schemas.microsoft.com/office/powerpoint/2010/main" val="3155689998"/>
-      </p:ext>
-    </p:extLst>
   </p:cSld>
   <p:clrMapOvr>
     <a:masterClrMapping/>
@@ -1816,7 +1793,6 @@
           <a:p>
             <a:fld id="{791025AC-6364-4DCA-9BF0-1CB07E70C9CD}" type="datetimeFigureOut">
               <a:rPr lang="zh-CN" altLang="en-US" smtClean="0"/>
-              <a:t>2021/1/16</a:t>
             </a:fld>
             <a:endParaRPr lang="zh-CN" altLang="en-US"/>
           </a:p>
@@ -1858,18 +1834,12 @@
           <a:p>
             <a:fld id="{B11A056D-85D3-471D-A642-53DA42750F49}" type="slidenum">
               <a:rPr lang="zh-CN" altLang="en-US" smtClean="0"/>
-              <a:t>‹#›</a:t>
             </a:fld>
             <a:endParaRPr lang="zh-CN" altLang="en-US"/>
           </a:p>
         </p:txBody>
       </p:sp>
     </p:spTree>
-    <p:extLst>
-      <p:ext uri="{BB962C8B-B14F-4D97-AF65-F5344CB8AC3E}">
-        <p14:creationId xmlns:p14="http://schemas.microsoft.com/office/powerpoint/2010/main" val="620415901"/>
-      </p:ext>
-    </p:extLst>
   </p:cSld>
   <p:clrMapOvr>
     <a:masterClrMapping/>
@@ -1979,6 +1949,7 @@
               <a:rPr lang="zh-CN" altLang="en-US" smtClean="0"/>
               <a:t>单击此处编辑母版文本样式</a:t>
             </a:r>
+            <a:endParaRPr lang="zh-CN" altLang="en-US" smtClean="0"/>
           </a:p>
           <a:p>
             <a:pPr lvl="1"/>
@@ -1986,6 +1957,7 @@
               <a:rPr lang="zh-CN" altLang="en-US" smtClean="0"/>
               <a:t>第二级</a:t>
             </a:r>
+            <a:endParaRPr lang="zh-CN" altLang="en-US" smtClean="0"/>
           </a:p>
           <a:p>
             <a:pPr lvl="2"/>
@@ -1993,6 +1965,7 @@
               <a:rPr lang="zh-CN" altLang="en-US" smtClean="0"/>
               <a:t>第三级</a:t>
             </a:r>
+            <a:endParaRPr lang="zh-CN" altLang="en-US" smtClean="0"/>
           </a:p>
           <a:p>
             <a:pPr lvl="3"/>
@@ -2000,6 +1973,7 @@
               <a:rPr lang="zh-CN" altLang="en-US" smtClean="0"/>
               <a:t>第四级</a:t>
             </a:r>
+            <a:endParaRPr lang="zh-CN" altLang="en-US" smtClean="0"/>
           </a:p>
           <a:p>
             <a:pPr lvl="4"/>
@@ -2073,6 +2047,7 @@
               <a:rPr lang="zh-CN" altLang="en-US" smtClean="0"/>
               <a:t>单击此处编辑母版文本样式</a:t>
             </a:r>
+            <a:endParaRPr lang="zh-CN" altLang="en-US" smtClean="0"/>
           </a:p>
         </p:txBody>
       </p:sp>
@@ -2093,7 +2068,6 @@
           <a:p>
             <a:fld id="{791025AC-6364-4DCA-9BF0-1CB07E70C9CD}" type="datetimeFigureOut">
               <a:rPr lang="zh-CN" altLang="en-US" smtClean="0"/>
-              <a:t>2021/1/16</a:t>
             </a:fld>
             <a:endParaRPr lang="zh-CN" altLang="en-US"/>
           </a:p>
@@ -2135,18 +2109,12 @@
           <a:p>
             <a:fld id="{B11A056D-85D3-471D-A642-53DA42750F49}" type="slidenum">
               <a:rPr lang="zh-CN" altLang="en-US" smtClean="0"/>
-              <a:t>‹#›</a:t>
             </a:fld>
             <a:endParaRPr lang="zh-CN" altLang="en-US"/>
           </a:p>
         </p:txBody>
       </p:sp>
     </p:spTree>
-    <p:extLst>
-      <p:ext uri="{BB962C8B-B14F-4D97-AF65-F5344CB8AC3E}">
-        <p14:creationId xmlns:p14="http://schemas.microsoft.com/office/powerpoint/2010/main" val="1013842601"/>
-      </p:ext>
-    </p:extLst>
   </p:cSld>
   <p:clrMapOvr>
     <a:masterClrMapping/>
@@ -2326,6 +2294,7 @@
               <a:rPr lang="zh-CN" altLang="en-US" smtClean="0"/>
               <a:t>单击此处编辑母版文本样式</a:t>
             </a:r>
+            <a:endParaRPr lang="zh-CN" altLang="en-US" smtClean="0"/>
           </a:p>
         </p:txBody>
       </p:sp>
@@ -2346,7 +2315,6 @@
           <a:p>
             <a:fld id="{791025AC-6364-4DCA-9BF0-1CB07E70C9CD}" type="datetimeFigureOut">
               <a:rPr lang="zh-CN" altLang="en-US" smtClean="0"/>
-              <a:t>2021/1/16</a:t>
             </a:fld>
             <a:endParaRPr lang="zh-CN" altLang="en-US"/>
           </a:p>
@@ -2388,18 +2356,12 @@
           <a:p>
             <a:fld id="{B11A056D-85D3-471D-A642-53DA42750F49}" type="slidenum">
               <a:rPr lang="zh-CN" altLang="en-US" smtClean="0"/>
-              <a:t>‹#›</a:t>
             </a:fld>
             <a:endParaRPr lang="zh-CN" altLang="en-US"/>
           </a:p>
         </p:txBody>
       </p:sp>
     </p:spTree>
-    <p:extLst>
-      <p:ext uri="{BB962C8B-B14F-4D97-AF65-F5344CB8AC3E}">
-        <p14:creationId xmlns:p14="http://schemas.microsoft.com/office/powerpoint/2010/main" val="739207015"/>
-      </p:ext>
-    </p:extLst>
   </p:cSld>
   <p:clrMapOvr>
     <a:masterClrMapping/>
@@ -2492,6 +2454,7 @@
               <a:rPr lang="zh-CN" altLang="en-US" smtClean="0"/>
               <a:t>单击此处编辑母版文本样式</a:t>
             </a:r>
+            <a:endParaRPr lang="zh-CN" altLang="en-US" smtClean="0"/>
           </a:p>
           <a:p>
             <a:pPr lvl="1"/>
@@ -2499,6 +2462,7 @@
               <a:rPr lang="zh-CN" altLang="en-US" smtClean="0"/>
               <a:t>第二级</a:t>
             </a:r>
+            <a:endParaRPr lang="zh-CN" altLang="en-US" smtClean="0"/>
           </a:p>
           <a:p>
             <a:pPr lvl="2"/>
@@ -2506,6 +2470,7 @@
               <a:rPr lang="zh-CN" altLang="en-US" smtClean="0"/>
               <a:t>第三级</a:t>
             </a:r>
+            <a:endParaRPr lang="zh-CN" altLang="en-US" smtClean="0"/>
           </a:p>
           <a:p>
             <a:pPr lvl="3"/>
@@ -2513,6 +2478,7 @@
               <a:rPr lang="zh-CN" altLang="en-US" smtClean="0"/>
               <a:t>第四级</a:t>
             </a:r>
+            <a:endParaRPr lang="zh-CN" altLang="en-US" smtClean="0"/>
           </a:p>
           <a:p>
             <a:pPr lvl="4"/>
@@ -2559,7 +2525,6 @@
           <a:p>
             <a:fld id="{791025AC-6364-4DCA-9BF0-1CB07E70C9CD}" type="datetimeFigureOut">
               <a:rPr lang="zh-CN" altLang="en-US" smtClean="0"/>
-              <a:t>2021/1/16</a:t>
             </a:fld>
             <a:endParaRPr lang="zh-CN" altLang="en-US"/>
           </a:p>
@@ -2637,18 +2602,12 @@
           <a:p>
             <a:fld id="{B11A056D-85D3-471D-A642-53DA42750F49}" type="slidenum">
               <a:rPr lang="zh-CN" altLang="en-US" smtClean="0"/>
-              <a:t>‹#›</a:t>
             </a:fld>
             <a:endParaRPr lang="zh-CN" altLang="en-US"/>
           </a:p>
         </p:txBody>
       </p:sp>
     </p:spTree>
-    <p:extLst>
-      <p:ext uri="{BB962C8B-B14F-4D97-AF65-F5344CB8AC3E}">
-        <p14:creationId xmlns:p14="http://schemas.microsoft.com/office/powerpoint/2010/main" val="1326874956"/>
-      </p:ext>
-    </p:extLst>
   </p:cSld>
   <p:clrMap bg1="lt1" tx1="dk1" bg2="lt2" tx2="dk2" accent1="accent1" accent2="accent2" accent3="accent3" accent4="accent4" accent5="accent5" accent6="accent6" hlink="hlink" folHlink="folHlink"/>
   <p:sldLayoutIdLst>
@@ -2972,6 +2931,3903 @@
         </p:nvSpPr>
         <p:spPr>
           <a:xfrm>
+            <a:off x="1210310" y="1309370"/>
+            <a:ext cx="10530840" cy="1703705"/>
+          </a:xfrm>
+          <a:prstGeom prst="rect">
+            <a:avLst/>
+          </a:prstGeom>
+          <a:solidFill>
+            <a:schemeClr val="accent1">
+              <a:lumMod val="20000"/>
+              <a:lumOff val="80000"/>
+            </a:schemeClr>
+          </a:solidFill>
+          <a:ln>
+            <a:solidFill>
+              <a:schemeClr val="tx1"/>
+            </a:solidFill>
+          </a:ln>
+        </p:spPr>
+        <p:style>
+          <a:lnRef idx="2">
+            <a:schemeClr val="accent1">
+              <a:shade val="50000"/>
+            </a:schemeClr>
+          </a:lnRef>
+          <a:fillRef idx="1">
+            <a:schemeClr val="accent1"/>
+          </a:fillRef>
+          <a:effectRef idx="0">
+            <a:schemeClr val="accent1"/>
+          </a:effectRef>
+          <a:fontRef idx="minor">
+            <a:schemeClr val="lt1"/>
+          </a:fontRef>
+        </p:style>
+        <p:txBody>
+          <a:bodyPr rtlCol="0" anchor="ctr"/>
+          <a:lstStyle/>
+          <a:p>
+            <a:pPr algn="ctr"/>
+            <a:endParaRPr lang="zh-CN" altLang="en-US"/>
+          </a:p>
+        </p:txBody>
+      </p:sp>
+      <p:sp>
+        <p:nvSpPr>
+          <p:cNvPr id="2" name="矩形 1"/>
+          <p:cNvSpPr/>
+          <p:nvPr/>
+        </p:nvSpPr>
+        <p:spPr>
+          <a:xfrm>
+            <a:off x="1210310" y="1764030"/>
+            <a:ext cx="10530205" cy="1248410"/>
+          </a:xfrm>
+          <a:prstGeom prst="rect">
+            <a:avLst/>
+          </a:prstGeom>
+          <a:solidFill>
+            <a:schemeClr val="bg1"/>
+          </a:solidFill>
+        </p:spPr>
+        <p:style>
+          <a:lnRef idx="2">
+            <a:schemeClr val="accent1">
+              <a:shade val="50000"/>
+            </a:schemeClr>
+          </a:lnRef>
+          <a:fillRef idx="1">
+            <a:schemeClr val="accent1"/>
+          </a:fillRef>
+          <a:effectRef idx="0">
+            <a:schemeClr val="accent1"/>
+          </a:effectRef>
+          <a:fontRef idx="minor">
+            <a:schemeClr val="lt1"/>
+          </a:fontRef>
+        </p:style>
+        <p:txBody>
+          <a:bodyPr rtlCol="0" anchor="ctr"/>
+          <a:p>
+            <a:pPr algn="ctr"/>
+            <a:endParaRPr lang="zh-CN" altLang="en-US"/>
+          </a:p>
+        </p:txBody>
+      </p:sp>
+      <p:sp>
+        <p:nvSpPr>
+          <p:cNvPr id="3" name="矩形 2"/>
+          <p:cNvSpPr/>
+          <p:nvPr/>
+        </p:nvSpPr>
+        <p:spPr>
+          <a:xfrm>
+            <a:off x="1210310" y="1558290"/>
+            <a:ext cx="412115" cy="205740"/>
+          </a:xfrm>
+          <a:prstGeom prst="rect">
+            <a:avLst/>
+          </a:prstGeom>
+          <a:solidFill>
+            <a:srgbClr val="C00000"/>
+          </a:solidFill>
+        </p:spPr>
+        <p:style>
+          <a:lnRef idx="2">
+            <a:schemeClr val="accent1">
+              <a:shade val="50000"/>
+            </a:schemeClr>
+          </a:lnRef>
+          <a:fillRef idx="1">
+            <a:schemeClr val="accent1"/>
+          </a:fillRef>
+          <a:effectRef idx="0">
+            <a:schemeClr val="accent1"/>
+          </a:effectRef>
+          <a:fontRef idx="minor">
+            <a:schemeClr val="lt1"/>
+          </a:fontRef>
+        </p:style>
+        <p:txBody>
+          <a:bodyPr rtlCol="0" anchor="ctr"/>
+          <a:p>
+            <a:pPr algn="ctr"/>
+            <a:endParaRPr lang="zh-CN" altLang="en-US"/>
+          </a:p>
+        </p:txBody>
+      </p:sp>
+      <p:sp>
+        <p:nvSpPr>
+          <p:cNvPr id="7" name="矩形 6"/>
+          <p:cNvSpPr/>
+          <p:nvPr/>
+        </p:nvSpPr>
+        <p:spPr>
+          <a:xfrm>
+            <a:off x="1682750" y="1558290"/>
+            <a:ext cx="3352800" cy="205740"/>
+          </a:xfrm>
+          <a:prstGeom prst="rect">
+            <a:avLst/>
+          </a:prstGeom>
+          <a:solidFill>
+            <a:schemeClr val="accent2"/>
+          </a:solidFill>
+          <a:ln>
+            <a:solidFill>
+              <a:schemeClr val="accent2"/>
+            </a:solidFill>
+          </a:ln>
+        </p:spPr>
+        <p:style>
+          <a:lnRef idx="2">
+            <a:schemeClr val="accent1">
+              <a:shade val="50000"/>
+            </a:schemeClr>
+          </a:lnRef>
+          <a:fillRef idx="1">
+            <a:schemeClr val="accent1"/>
+          </a:fillRef>
+          <a:effectRef idx="0">
+            <a:schemeClr val="accent1"/>
+          </a:effectRef>
+          <a:fontRef idx="minor">
+            <a:schemeClr val="lt1"/>
+          </a:fontRef>
+        </p:style>
+        <p:txBody>
+          <a:bodyPr rtlCol="0" anchor="ctr"/>
+          <a:p>
+            <a:pPr algn="ctr"/>
+            <a:endParaRPr lang="zh-CN" altLang="en-US"/>
+          </a:p>
+        </p:txBody>
+      </p:sp>
+      <p:sp>
+        <p:nvSpPr>
+          <p:cNvPr id="10" name="矩形 9"/>
+          <p:cNvSpPr/>
+          <p:nvPr/>
+        </p:nvSpPr>
+        <p:spPr>
+          <a:xfrm>
+            <a:off x="1557020" y="1309370"/>
+            <a:ext cx="1477010" cy="248285"/>
+          </a:xfrm>
+          <a:prstGeom prst="rect">
+            <a:avLst/>
+          </a:prstGeom>
+          <a:solidFill>
+            <a:schemeClr val="accent2">
+              <a:lumMod val="20000"/>
+              <a:lumOff val="80000"/>
+            </a:schemeClr>
+          </a:solidFill>
+          <a:ln>
+            <a:solidFill>
+              <a:schemeClr val="accent2"/>
+            </a:solidFill>
+          </a:ln>
+        </p:spPr>
+        <p:style>
+          <a:lnRef idx="2">
+            <a:schemeClr val="accent1">
+              <a:shade val="50000"/>
+            </a:schemeClr>
+          </a:lnRef>
+          <a:fillRef idx="1">
+            <a:schemeClr val="accent1"/>
+          </a:fillRef>
+          <a:effectRef idx="0">
+            <a:schemeClr val="accent1"/>
+          </a:effectRef>
+          <a:fontRef idx="minor">
+            <a:schemeClr val="lt1"/>
+          </a:fontRef>
+        </p:style>
+        <p:txBody>
+          <a:bodyPr rtlCol="0" anchor="ctr"/>
+          <a:p>
+            <a:pPr algn="ctr"/>
+            <a:endParaRPr lang="zh-CN" altLang="en-US"/>
+          </a:p>
+        </p:txBody>
+      </p:sp>
+      <p:sp>
+        <p:nvSpPr>
+          <p:cNvPr id="13" name="矩形 12"/>
+          <p:cNvSpPr/>
+          <p:nvPr/>
+        </p:nvSpPr>
+        <p:spPr>
+          <a:xfrm>
+            <a:off x="11457305" y="1309370"/>
+            <a:ext cx="283210" cy="243205"/>
+          </a:xfrm>
+          <a:prstGeom prst="rect">
+            <a:avLst/>
+          </a:prstGeom>
+          <a:solidFill>
+            <a:schemeClr val="accent2">
+              <a:lumMod val="20000"/>
+              <a:lumOff val="80000"/>
+            </a:schemeClr>
+          </a:solidFill>
+          <a:ln>
+            <a:solidFill>
+              <a:schemeClr val="accent2"/>
+            </a:solidFill>
+          </a:ln>
+        </p:spPr>
+        <p:style>
+          <a:lnRef idx="2">
+            <a:schemeClr val="accent1">
+              <a:shade val="50000"/>
+            </a:schemeClr>
+          </a:lnRef>
+          <a:fillRef idx="1">
+            <a:schemeClr val="accent1"/>
+          </a:fillRef>
+          <a:effectRef idx="0">
+            <a:schemeClr val="accent1"/>
+          </a:effectRef>
+          <a:fontRef idx="minor">
+            <a:schemeClr val="lt1"/>
+          </a:fontRef>
+        </p:style>
+        <p:txBody>
+          <a:bodyPr rtlCol="0" anchor="ctr"/>
+          <a:p>
+            <a:pPr algn="ctr"/>
+            <a:r>
+              <a:rPr lang="en-US" altLang="zh-CN">
+                <a:solidFill>
+                  <a:schemeClr val="tx1"/>
+                </a:solidFill>
+                <a:latin typeface="微软雅黑" panose="020B0503020204020204" pitchFamily="34" charset="-122"/>
+                <a:ea typeface="微软雅黑" panose="020B0503020204020204" pitchFamily="34" charset="-122"/>
+              </a:rPr>
+              <a:t>×</a:t>
+            </a:r>
+            <a:endParaRPr lang="en-US" altLang="zh-CN">
+              <a:solidFill>
+                <a:schemeClr val="tx1"/>
+              </a:solidFill>
+              <a:latin typeface="微软雅黑" panose="020B0503020204020204" pitchFamily="34" charset="-122"/>
+              <a:ea typeface="微软雅黑" panose="020B0503020204020204" pitchFamily="34" charset="-122"/>
+            </a:endParaRPr>
+          </a:p>
+        </p:txBody>
+      </p:sp>
+      <p:sp>
+        <p:nvSpPr>
+          <p:cNvPr id="24" name="矩形 23"/>
+          <p:cNvSpPr/>
+          <p:nvPr/>
+        </p:nvSpPr>
+        <p:spPr>
+          <a:xfrm>
+            <a:off x="11171555" y="1309370"/>
+            <a:ext cx="283210" cy="243205"/>
+          </a:xfrm>
+          <a:prstGeom prst="rect">
+            <a:avLst/>
+          </a:prstGeom>
+          <a:solidFill>
+            <a:schemeClr val="accent2">
+              <a:lumMod val="20000"/>
+              <a:lumOff val="80000"/>
+            </a:schemeClr>
+          </a:solidFill>
+          <a:ln>
+            <a:solidFill>
+              <a:schemeClr val="accent2"/>
+            </a:solidFill>
+          </a:ln>
+        </p:spPr>
+        <p:style>
+          <a:lnRef idx="2">
+            <a:schemeClr val="accent1">
+              <a:shade val="50000"/>
+            </a:schemeClr>
+          </a:lnRef>
+          <a:fillRef idx="1">
+            <a:schemeClr val="accent1"/>
+          </a:fillRef>
+          <a:effectRef idx="0">
+            <a:schemeClr val="accent1"/>
+          </a:effectRef>
+          <a:fontRef idx="minor">
+            <a:schemeClr val="lt1"/>
+          </a:fontRef>
+        </p:style>
+        <p:txBody>
+          <a:bodyPr rtlCol="0" anchor="ctr"/>
+          <a:p>
+            <a:pPr algn="ctr"/>
+            <a:r>
+              <a:rPr lang="zh-CN" altLang="en-US">
+                <a:solidFill>
+                  <a:schemeClr val="tx1"/>
+                </a:solidFill>
+                <a:latin typeface="微软雅黑" panose="020B0503020204020204" pitchFamily="34" charset="-122"/>
+                <a:ea typeface="微软雅黑" panose="020B0503020204020204" pitchFamily="34" charset="-122"/>
+              </a:rPr>
+              <a:t>□</a:t>
+            </a:r>
+            <a:endParaRPr lang="zh-CN" altLang="en-US">
+              <a:solidFill>
+                <a:schemeClr val="tx1"/>
+              </a:solidFill>
+              <a:latin typeface="微软雅黑" panose="020B0503020204020204" pitchFamily="34" charset="-122"/>
+              <a:ea typeface="微软雅黑" panose="020B0503020204020204" pitchFamily="34" charset="-122"/>
+            </a:endParaRPr>
+          </a:p>
+        </p:txBody>
+      </p:sp>
+      <p:sp>
+        <p:nvSpPr>
+          <p:cNvPr id="26" name="矩形 25"/>
+          <p:cNvSpPr/>
+          <p:nvPr/>
+        </p:nvSpPr>
+        <p:spPr>
+          <a:xfrm>
+            <a:off x="10888345" y="1309370"/>
+            <a:ext cx="283210" cy="243205"/>
+          </a:xfrm>
+          <a:prstGeom prst="rect">
+            <a:avLst/>
+          </a:prstGeom>
+          <a:solidFill>
+            <a:schemeClr val="accent2">
+              <a:lumMod val="20000"/>
+              <a:lumOff val="80000"/>
+            </a:schemeClr>
+          </a:solidFill>
+          <a:ln>
+            <a:solidFill>
+              <a:schemeClr val="accent2"/>
+            </a:solidFill>
+          </a:ln>
+        </p:spPr>
+        <p:style>
+          <a:lnRef idx="2">
+            <a:schemeClr val="accent1">
+              <a:shade val="50000"/>
+            </a:schemeClr>
+          </a:lnRef>
+          <a:fillRef idx="1">
+            <a:schemeClr val="accent1"/>
+          </a:fillRef>
+          <a:effectRef idx="0">
+            <a:schemeClr val="accent1"/>
+          </a:effectRef>
+          <a:fontRef idx="minor">
+            <a:schemeClr val="lt1"/>
+          </a:fontRef>
+        </p:style>
+        <p:txBody>
+          <a:bodyPr rtlCol="0" anchor="ctr"/>
+          <a:p>
+            <a:pPr algn="ctr"/>
+            <a:r>
+              <a:rPr lang="en-US" altLang="zh-CN" sz="900">
+                <a:solidFill>
+                  <a:schemeClr val="tx1"/>
+                </a:solidFill>
+              </a:rPr>
+              <a:t>_</a:t>
+            </a:r>
+            <a:endParaRPr lang="en-US" altLang="zh-CN" sz="900">
+              <a:solidFill>
+                <a:schemeClr val="tx1"/>
+              </a:solidFill>
+            </a:endParaRPr>
+          </a:p>
+        </p:txBody>
+      </p:sp>
+      <p:sp>
+        <p:nvSpPr>
+          <p:cNvPr id="29" name="矩形 28"/>
+          <p:cNvSpPr/>
+          <p:nvPr/>
+        </p:nvSpPr>
+        <p:spPr>
+          <a:xfrm>
+            <a:off x="6351271" y="3287534"/>
+            <a:ext cx="1025525" cy="368300"/>
+          </a:xfrm>
+          <a:prstGeom prst="rect">
+            <a:avLst/>
+          </a:prstGeom>
+        </p:spPr>
+        <p:txBody>
+          <a:bodyPr wrap="none">
+            <a:spAutoFit/>
+          </a:bodyPr>
+          <a:p>
+            <a:pPr algn="l"/>
+            <a:r>
+              <a:rPr lang="en-US" altLang="zh-CN" b="1" dirty="0" err="1" smtClean="0">
+                <a:solidFill>
+                  <a:schemeClr val="accent1">
+                    <a:lumMod val="75000"/>
+                  </a:schemeClr>
+                </a:solidFill>
+                <a:effectLst/>
+              </a:rPr>
+              <a:t>Category</a:t>
+            </a:r>
+            <a:endParaRPr lang="en-US" altLang="zh-CN" b="1" dirty="0" err="1" smtClean="0">
+              <a:solidFill>
+                <a:schemeClr val="accent1">
+                  <a:lumMod val="75000"/>
+                </a:schemeClr>
+              </a:solidFill>
+              <a:effectLst/>
+            </a:endParaRPr>
+          </a:p>
+        </p:txBody>
+      </p:sp>
+      <p:cxnSp>
+        <p:nvCxnSpPr>
+          <p:cNvPr id="30" name="直接箭头连接符 29"/>
+          <p:cNvCxnSpPr>
+            <a:stCxn id="29" idx="0"/>
+          </p:cNvCxnSpPr>
+          <p:nvPr/>
+        </p:nvCxnSpPr>
+        <p:spPr>
+          <a:xfrm flipH="1" flipV="1">
+            <a:off x="6410325" y="2484755"/>
+            <a:ext cx="454025" cy="802640"/>
+          </a:xfrm>
+          <a:prstGeom prst="straightConnector1">
+            <a:avLst/>
+          </a:prstGeom>
+          <a:ln>
+            <a:tailEnd type="arrow"/>
+          </a:ln>
+        </p:spPr>
+        <p:style>
+          <a:lnRef idx="1">
+            <a:schemeClr val="accent1"/>
+          </a:lnRef>
+          <a:fillRef idx="0">
+            <a:schemeClr val="accent1"/>
+          </a:fillRef>
+          <a:effectRef idx="0">
+            <a:schemeClr val="accent1"/>
+          </a:effectRef>
+          <a:fontRef idx="minor">
+            <a:schemeClr val="tx1"/>
+          </a:fontRef>
+        </p:style>
+      </p:cxnSp>
+      <p:sp>
+        <p:nvSpPr>
+          <p:cNvPr id="33" name="矩形 32"/>
+          <p:cNvSpPr/>
+          <p:nvPr/>
+        </p:nvSpPr>
+        <p:spPr>
+          <a:xfrm>
+            <a:off x="3460751" y="576719"/>
+            <a:ext cx="1755140" cy="368300"/>
+          </a:xfrm>
+          <a:prstGeom prst="rect">
+            <a:avLst/>
+          </a:prstGeom>
+        </p:spPr>
+        <p:txBody>
+          <a:bodyPr wrap="none">
+            <a:spAutoFit/>
+          </a:bodyPr>
+          <a:p>
+            <a:pPr algn="l"/>
+            <a:r>
+              <a:rPr lang="en-US" altLang="zh-CN" b="1" dirty="0" err="1" smtClean="0">
+                <a:solidFill>
+                  <a:schemeClr val="accent1">
+                    <a:lumMod val="75000"/>
+                  </a:schemeClr>
+                </a:solidFill>
+                <a:effectLst/>
+              </a:rPr>
+              <a:t>SARibbonTabBar</a:t>
+            </a:r>
+            <a:endParaRPr lang="en-US" altLang="zh-CN" b="1" dirty="0" err="1" smtClean="0">
+              <a:solidFill>
+                <a:schemeClr val="accent1">
+                  <a:lumMod val="75000"/>
+                </a:schemeClr>
+              </a:solidFill>
+              <a:effectLst/>
+            </a:endParaRPr>
+          </a:p>
+        </p:txBody>
+      </p:sp>
+      <p:cxnSp>
+        <p:nvCxnSpPr>
+          <p:cNvPr id="34" name="直接箭头连接符 33"/>
+          <p:cNvCxnSpPr/>
+          <p:nvPr/>
+        </p:nvCxnSpPr>
+        <p:spPr>
+          <a:xfrm flipH="1">
+            <a:off x="3813175" y="944880"/>
+            <a:ext cx="573405" cy="727075"/>
+          </a:xfrm>
+          <a:prstGeom prst="straightConnector1">
+            <a:avLst/>
+          </a:prstGeom>
+          <a:ln>
+            <a:tailEnd type="arrow"/>
+          </a:ln>
+        </p:spPr>
+        <p:style>
+          <a:lnRef idx="1">
+            <a:schemeClr val="accent1"/>
+          </a:lnRef>
+          <a:fillRef idx="0">
+            <a:schemeClr val="accent1"/>
+          </a:fillRef>
+          <a:effectRef idx="0">
+            <a:schemeClr val="accent1"/>
+          </a:effectRef>
+          <a:fontRef idx="minor">
+            <a:schemeClr val="tx1"/>
+          </a:fontRef>
+        </p:style>
+      </p:cxnSp>
+      <p:sp>
+        <p:nvSpPr>
+          <p:cNvPr id="35" name="矩形 34"/>
+          <p:cNvSpPr/>
+          <p:nvPr/>
+        </p:nvSpPr>
+        <p:spPr>
+          <a:xfrm>
+            <a:off x="6351271" y="577354"/>
+            <a:ext cx="890905" cy="368300"/>
+          </a:xfrm>
+          <a:prstGeom prst="rect">
+            <a:avLst/>
+          </a:prstGeom>
+        </p:spPr>
+        <p:txBody>
+          <a:bodyPr wrap="none">
+            <a:spAutoFit/>
+          </a:bodyPr>
+          <a:p>
+            <a:pPr algn="l"/>
+            <a:r>
+              <a:rPr lang="en-US" altLang="zh-CN" b="1" dirty="0" err="1" smtClean="0">
+                <a:solidFill>
+                  <a:schemeClr val="accent1">
+                    <a:lumMod val="75000"/>
+                  </a:schemeClr>
+                </a:solidFill>
+                <a:effectLst/>
+              </a:rPr>
+              <a:t>titleBar</a:t>
+            </a:r>
+            <a:endParaRPr lang="en-US" altLang="zh-CN" b="1" dirty="0" err="1" smtClean="0">
+              <a:solidFill>
+                <a:schemeClr val="accent1">
+                  <a:lumMod val="75000"/>
+                </a:schemeClr>
+              </a:solidFill>
+              <a:effectLst/>
+            </a:endParaRPr>
+          </a:p>
+        </p:txBody>
+      </p:sp>
+      <p:sp>
+        <p:nvSpPr>
+          <p:cNvPr id="36" name="文本框 35"/>
+          <p:cNvSpPr txBox="1"/>
+          <p:nvPr/>
+        </p:nvSpPr>
+        <p:spPr>
+          <a:xfrm>
+            <a:off x="3093085" y="1305560"/>
+            <a:ext cx="7795895" cy="245110"/>
+          </a:xfrm>
+          <a:prstGeom prst="rect">
+            <a:avLst/>
+          </a:prstGeom>
+          <a:noFill/>
+          <a:ln>
+            <a:solidFill>
+              <a:schemeClr val="tx1"/>
+            </a:solidFill>
+            <a:prstDash val="sysDot"/>
+          </a:ln>
+        </p:spPr>
+        <p:txBody>
+          <a:bodyPr wrap="square" rtlCol="0">
+            <a:spAutoFit/>
+          </a:bodyPr>
+          <a:p>
+            <a:pPr algn="ctr"/>
+            <a:r>
+              <a:rPr lang="en-US" altLang="zh-CN" sz="1000"/>
+              <a:t>window title</a:t>
+            </a:r>
+            <a:endParaRPr lang="en-US" altLang="zh-CN" sz="1000"/>
+          </a:p>
+        </p:txBody>
+      </p:sp>
+      <p:cxnSp>
+        <p:nvCxnSpPr>
+          <p:cNvPr id="37" name="直接箭头连接符 36"/>
+          <p:cNvCxnSpPr>
+            <a:stCxn id="35" idx="2"/>
+          </p:cNvCxnSpPr>
+          <p:nvPr/>
+        </p:nvCxnSpPr>
+        <p:spPr>
+          <a:xfrm flipH="1">
+            <a:off x="6629400" y="945515"/>
+            <a:ext cx="167640" cy="362585"/>
+          </a:xfrm>
+          <a:prstGeom prst="straightConnector1">
+            <a:avLst/>
+          </a:prstGeom>
+          <a:ln>
+            <a:tailEnd type="arrow"/>
+          </a:ln>
+        </p:spPr>
+        <p:style>
+          <a:lnRef idx="1">
+            <a:schemeClr val="accent1"/>
+          </a:lnRef>
+          <a:fillRef idx="0">
+            <a:schemeClr val="accent1"/>
+          </a:fillRef>
+          <a:effectRef idx="0">
+            <a:schemeClr val="accent1"/>
+          </a:effectRef>
+          <a:fontRef idx="minor">
+            <a:schemeClr val="tx1"/>
+          </a:fontRef>
+        </p:style>
+      </p:cxnSp>
+      <p:sp>
+        <p:nvSpPr>
+          <p:cNvPr id="38" name="矩形 37"/>
+          <p:cNvSpPr/>
+          <p:nvPr/>
+        </p:nvSpPr>
+        <p:spPr>
+          <a:xfrm>
+            <a:off x="361951" y="577354"/>
+            <a:ext cx="2593340" cy="368300"/>
+          </a:xfrm>
+          <a:prstGeom prst="rect">
+            <a:avLst/>
+          </a:prstGeom>
+        </p:spPr>
+        <p:txBody>
+          <a:bodyPr wrap="none">
+            <a:spAutoFit/>
+          </a:bodyPr>
+          <a:p>
+            <a:pPr algn="l"/>
+            <a:r>
+              <a:rPr lang="en-US" altLang="zh-CN" b="1" dirty="0" err="1" smtClean="0">
+                <a:solidFill>
+                  <a:schemeClr val="accent1">
+                    <a:lumMod val="75000"/>
+                  </a:schemeClr>
+                </a:solidFill>
+                <a:effectLst/>
+              </a:rPr>
+              <a:t>SARibbonQuickAccessBar</a:t>
+            </a:r>
+            <a:endParaRPr lang="en-US" altLang="zh-CN" b="1" dirty="0" err="1" smtClean="0">
+              <a:solidFill>
+                <a:schemeClr val="accent1">
+                  <a:lumMod val="75000"/>
+                </a:schemeClr>
+              </a:solidFill>
+              <a:effectLst/>
+            </a:endParaRPr>
+          </a:p>
+        </p:txBody>
+      </p:sp>
+      <p:cxnSp>
+        <p:nvCxnSpPr>
+          <p:cNvPr id="39" name="直接箭头连接符 38"/>
+          <p:cNvCxnSpPr>
+            <a:stCxn id="38" idx="2"/>
+          </p:cNvCxnSpPr>
+          <p:nvPr/>
+        </p:nvCxnSpPr>
+        <p:spPr>
+          <a:xfrm>
+            <a:off x="1658620" y="945515"/>
+            <a:ext cx="176530" cy="438785"/>
+          </a:xfrm>
+          <a:prstGeom prst="straightConnector1">
+            <a:avLst/>
+          </a:prstGeom>
+          <a:ln>
+            <a:tailEnd type="arrow"/>
+          </a:ln>
+        </p:spPr>
+        <p:style>
+          <a:lnRef idx="1">
+            <a:schemeClr val="accent1"/>
+          </a:lnRef>
+          <a:fillRef idx="0">
+            <a:schemeClr val="accent1"/>
+          </a:fillRef>
+          <a:effectRef idx="0">
+            <a:schemeClr val="accent1"/>
+          </a:effectRef>
+          <a:fontRef idx="minor">
+            <a:schemeClr val="tx1"/>
+          </a:fontRef>
+        </p:style>
+      </p:cxnSp>
+      <p:sp>
+        <p:nvSpPr>
+          <p:cNvPr id="40" name="矩形 39"/>
+          <p:cNvSpPr/>
+          <p:nvPr/>
+        </p:nvSpPr>
+        <p:spPr>
+          <a:xfrm>
+            <a:off x="194946" y="3287534"/>
+            <a:ext cx="1887855" cy="368300"/>
+          </a:xfrm>
+          <a:prstGeom prst="rect">
+            <a:avLst/>
+          </a:prstGeom>
+        </p:spPr>
+        <p:txBody>
+          <a:bodyPr wrap="none">
+            <a:spAutoFit/>
+          </a:bodyPr>
+          <a:p>
+            <a:pPr algn="l"/>
+            <a:r>
+              <a:rPr lang="en-US" altLang="zh-CN" b="1" dirty="0" err="1" smtClean="0">
+                <a:solidFill>
+                  <a:schemeClr val="accent1">
+                    <a:lumMod val="75000"/>
+                  </a:schemeClr>
+                </a:solidFill>
+                <a:effectLst/>
+              </a:rPr>
+              <a:t>applicationButton</a:t>
+            </a:r>
+            <a:endParaRPr lang="en-US" altLang="zh-CN" b="1" dirty="0" err="1" smtClean="0">
+              <a:solidFill>
+                <a:schemeClr val="accent1">
+                  <a:lumMod val="75000"/>
+                </a:schemeClr>
+              </a:solidFill>
+              <a:effectLst/>
+            </a:endParaRPr>
+          </a:p>
+        </p:txBody>
+      </p:sp>
+      <p:sp>
+        <p:nvSpPr>
+          <p:cNvPr id="42" name="矩形 41"/>
+          <p:cNvSpPr/>
+          <p:nvPr/>
+        </p:nvSpPr>
+        <p:spPr>
+          <a:xfrm>
+            <a:off x="1268095" y="1815465"/>
+            <a:ext cx="3780155" cy="1141095"/>
+          </a:xfrm>
+          <a:prstGeom prst="rect">
+            <a:avLst/>
+          </a:prstGeom>
+          <a:solidFill>
+            <a:schemeClr val="accent1">
+              <a:lumMod val="20000"/>
+              <a:lumOff val="80000"/>
+            </a:schemeClr>
+          </a:solidFill>
+          <a:ln>
+            <a:solidFill>
+              <a:schemeClr val="tx1"/>
+            </a:solidFill>
+          </a:ln>
+        </p:spPr>
+        <p:style>
+          <a:lnRef idx="2">
+            <a:schemeClr val="accent1">
+              <a:shade val="50000"/>
+            </a:schemeClr>
+          </a:lnRef>
+          <a:fillRef idx="1">
+            <a:schemeClr val="accent1"/>
+          </a:fillRef>
+          <a:effectRef idx="0">
+            <a:schemeClr val="accent1"/>
+          </a:effectRef>
+          <a:fontRef idx="minor">
+            <a:schemeClr val="lt1"/>
+          </a:fontRef>
+        </p:style>
+        <p:txBody>
+          <a:bodyPr rtlCol="0" anchor="ctr"/>
+          <a:p>
+            <a:pPr algn="ctr"/>
+            <a:endParaRPr lang="zh-CN" altLang="en-US"/>
+          </a:p>
+        </p:txBody>
+      </p:sp>
+      <p:sp>
+        <p:nvSpPr>
+          <p:cNvPr id="43" name="矩形 42"/>
+          <p:cNvSpPr/>
+          <p:nvPr/>
+        </p:nvSpPr>
+        <p:spPr>
+          <a:xfrm>
+            <a:off x="1268730" y="1815465"/>
+            <a:ext cx="3779520" cy="976630"/>
+          </a:xfrm>
+          <a:prstGeom prst="rect">
+            <a:avLst/>
+          </a:prstGeom>
+          <a:solidFill>
+            <a:schemeClr val="bg1"/>
+          </a:solidFill>
+        </p:spPr>
+        <p:style>
+          <a:lnRef idx="2">
+            <a:schemeClr val="accent1">
+              <a:shade val="50000"/>
+            </a:schemeClr>
+          </a:lnRef>
+          <a:fillRef idx="1">
+            <a:schemeClr val="accent1"/>
+          </a:fillRef>
+          <a:effectRef idx="0">
+            <a:schemeClr val="accent1"/>
+          </a:effectRef>
+          <a:fontRef idx="minor">
+            <a:schemeClr val="lt1"/>
+          </a:fontRef>
+        </p:style>
+        <p:txBody>
+          <a:bodyPr rtlCol="0" anchor="ctr"/>
+          <a:p>
+            <a:pPr algn="ctr"/>
+            <a:endParaRPr lang="zh-CN" altLang="en-US"/>
+          </a:p>
+        </p:txBody>
+      </p:sp>
+      <p:sp>
+        <p:nvSpPr>
+          <p:cNvPr id="44" name="矩形 43"/>
+          <p:cNvSpPr/>
+          <p:nvPr/>
+        </p:nvSpPr>
+        <p:spPr>
+          <a:xfrm>
+            <a:off x="4892040" y="2816225"/>
+            <a:ext cx="132080" cy="111125"/>
+          </a:xfrm>
+          <a:prstGeom prst="rect">
+            <a:avLst/>
+          </a:prstGeom>
+          <a:solidFill>
+            <a:schemeClr val="accent2"/>
+          </a:solidFill>
+        </p:spPr>
+        <p:style>
+          <a:lnRef idx="2">
+            <a:schemeClr val="accent1">
+              <a:shade val="50000"/>
+            </a:schemeClr>
+          </a:lnRef>
+          <a:fillRef idx="1">
+            <a:schemeClr val="accent1"/>
+          </a:fillRef>
+          <a:effectRef idx="0">
+            <a:schemeClr val="accent1"/>
+          </a:effectRef>
+          <a:fontRef idx="minor">
+            <a:schemeClr val="lt1"/>
+          </a:fontRef>
+        </p:style>
+        <p:txBody>
+          <a:bodyPr rtlCol="0" anchor="ctr"/>
+          <a:p>
+            <a:pPr algn="ctr"/>
+            <a:endParaRPr lang="zh-CN" altLang="en-US"/>
+          </a:p>
+        </p:txBody>
+      </p:sp>
+      <p:sp>
+        <p:nvSpPr>
+          <p:cNvPr id="45" name="矩形 44"/>
+          <p:cNvSpPr/>
+          <p:nvPr/>
+        </p:nvSpPr>
+        <p:spPr>
+          <a:xfrm>
+            <a:off x="1323340" y="1857375"/>
+            <a:ext cx="671195" cy="892175"/>
+          </a:xfrm>
+          <a:prstGeom prst="rect">
+            <a:avLst/>
+          </a:prstGeom>
+        </p:spPr>
+        <p:style>
+          <a:lnRef idx="2">
+            <a:schemeClr val="accent1">
+              <a:shade val="50000"/>
+            </a:schemeClr>
+          </a:lnRef>
+          <a:fillRef idx="1">
+            <a:schemeClr val="accent1"/>
+          </a:fillRef>
+          <a:effectRef idx="0">
+            <a:schemeClr val="accent1"/>
+          </a:effectRef>
+          <a:fontRef idx="minor">
+            <a:schemeClr val="lt1"/>
+          </a:fontRef>
+        </p:style>
+        <p:txBody>
+          <a:bodyPr rtlCol="0" anchor="ctr"/>
+          <a:p>
+            <a:pPr algn="ctr"/>
+            <a:endParaRPr lang="zh-CN" altLang="en-US"/>
+          </a:p>
+        </p:txBody>
+      </p:sp>
+      <p:sp>
+        <p:nvSpPr>
+          <p:cNvPr id="46" name="矩形 45"/>
+          <p:cNvSpPr/>
+          <p:nvPr/>
+        </p:nvSpPr>
+        <p:spPr>
+          <a:xfrm>
+            <a:off x="2088515" y="2494280"/>
+            <a:ext cx="894715" cy="255270"/>
+          </a:xfrm>
+          <a:prstGeom prst="rect">
+            <a:avLst/>
+          </a:prstGeom>
+        </p:spPr>
+        <p:style>
+          <a:lnRef idx="2">
+            <a:schemeClr val="accent1">
+              <a:shade val="50000"/>
+            </a:schemeClr>
+          </a:lnRef>
+          <a:fillRef idx="1">
+            <a:schemeClr val="accent1"/>
+          </a:fillRef>
+          <a:effectRef idx="0">
+            <a:schemeClr val="accent1"/>
+          </a:effectRef>
+          <a:fontRef idx="minor">
+            <a:schemeClr val="lt1"/>
+          </a:fontRef>
+        </p:style>
+        <p:txBody>
+          <a:bodyPr rtlCol="0" anchor="ctr"/>
+          <a:p>
+            <a:pPr algn="ctr"/>
+            <a:endParaRPr lang="zh-CN" altLang="en-US"/>
+          </a:p>
+        </p:txBody>
+      </p:sp>
+      <p:sp>
+        <p:nvSpPr>
+          <p:cNvPr id="47" name="矩形 46"/>
+          <p:cNvSpPr/>
+          <p:nvPr/>
+        </p:nvSpPr>
+        <p:spPr>
+          <a:xfrm>
+            <a:off x="2088515" y="1857375"/>
+            <a:ext cx="894715" cy="255270"/>
+          </a:xfrm>
+          <a:prstGeom prst="rect">
+            <a:avLst/>
+          </a:prstGeom>
+        </p:spPr>
+        <p:style>
+          <a:lnRef idx="2">
+            <a:schemeClr val="accent1">
+              <a:shade val="50000"/>
+            </a:schemeClr>
+          </a:lnRef>
+          <a:fillRef idx="1">
+            <a:schemeClr val="accent1"/>
+          </a:fillRef>
+          <a:effectRef idx="0">
+            <a:schemeClr val="accent1"/>
+          </a:effectRef>
+          <a:fontRef idx="minor">
+            <a:schemeClr val="lt1"/>
+          </a:fontRef>
+        </p:style>
+        <p:txBody>
+          <a:bodyPr rtlCol="0" anchor="ctr"/>
+          <a:p>
+            <a:pPr algn="ctr"/>
+            <a:endParaRPr lang="zh-CN" altLang="en-US"/>
+          </a:p>
+        </p:txBody>
+      </p:sp>
+      <p:sp>
+        <p:nvSpPr>
+          <p:cNvPr id="48" name="矩形 47"/>
+          <p:cNvSpPr/>
+          <p:nvPr/>
+        </p:nvSpPr>
+        <p:spPr>
+          <a:xfrm>
+            <a:off x="2088515" y="2176145"/>
+            <a:ext cx="894715" cy="255270"/>
+          </a:xfrm>
+          <a:prstGeom prst="rect">
+            <a:avLst/>
+          </a:prstGeom>
+        </p:spPr>
+        <p:style>
+          <a:lnRef idx="2">
+            <a:schemeClr val="accent1">
+              <a:shade val="50000"/>
+            </a:schemeClr>
+          </a:lnRef>
+          <a:fillRef idx="1">
+            <a:schemeClr val="accent1"/>
+          </a:fillRef>
+          <a:effectRef idx="0">
+            <a:schemeClr val="accent1"/>
+          </a:effectRef>
+          <a:fontRef idx="minor">
+            <a:schemeClr val="lt1"/>
+          </a:fontRef>
+        </p:style>
+        <p:txBody>
+          <a:bodyPr rtlCol="0" anchor="ctr"/>
+          <a:p>
+            <a:pPr algn="ctr"/>
+            <a:endParaRPr lang="zh-CN" altLang="en-US"/>
+          </a:p>
+        </p:txBody>
+      </p:sp>
+      <p:sp>
+        <p:nvSpPr>
+          <p:cNvPr id="49" name="矩形 48"/>
+          <p:cNvSpPr/>
+          <p:nvPr/>
+        </p:nvSpPr>
+        <p:spPr>
+          <a:xfrm>
+            <a:off x="3093085" y="2340610"/>
+            <a:ext cx="894715" cy="255270"/>
+          </a:xfrm>
+          <a:prstGeom prst="rect">
+            <a:avLst/>
+          </a:prstGeom>
+        </p:spPr>
+        <p:style>
+          <a:lnRef idx="2">
+            <a:schemeClr val="accent1">
+              <a:shade val="50000"/>
+            </a:schemeClr>
+          </a:lnRef>
+          <a:fillRef idx="1">
+            <a:schemeClr val="accent1"/>
+          </a:fillRef>
+          <a:effectRef idx="0">
+            <a:schemeClr val="accent1"/>
+          </a:effectRef>
+          <a:fontRef idx="minor">
+            <a:schemeClr val="lt1"/>
+          </a:fontRef>
+        </p:style>
+        <p:txBody>
+          <a:bodyPr rtlCol="0" anchor="ctr"/>
+          <a:p>
+            <a:pPr algn="ctr"/>
+            <a:endParaRPr lang="zh-CN" altLang="en-US"/>
+          </a:p>
+        </p:txBody>
+      </p:sp>
+      <p:sp>
+        <p:nvSpPr>
+          <p:cNvPr id="50" name="矩形 49"/>
+          <p:cNvSpPr/>
+          <p:nvPr/>
+        </p:nvSpPr>
+        <p:spPr>
+          <a:xfrm>
+            <a:off x="3093085" y="1967230"/>
+            <a:ext cx="894715" cy="255270"/>
+          </a:xfrm>
+          <a:prstGeom prst="rect">
+            <a:avLst/>
+          </a:prstGeom>
+        </p:spPr>
+        <p:style>
+          <a:lnRef idx="2">
+            <a:schemeClr val="accent1">
+              <a:shade val="50000"/>
+            </a:schemeClr>
+          </a:lnRef>
+          <a:fillRef idx="1">
+            <a:schemeClr val="accent1"/>
+          </a:fillRef>
+          <a:effectRef idx="0">
+            <a:schemeClr val="accent1"/>
+          </a:effectRef>
+          <a:fontRef idx="minor">
+            <a:schemeClr val="lt1"/>
+          </a:fontRef>
+        </p:style>
+        <p:txBody>
+          <a:bodyPr rtlCol="0" anchor="ctr"/>
+          <a:p>
+            <a:pPr algn="ctr"/>
+            <a:endParaRPr lang="zh-CN" altLang="en-US"/>
+          </a:p>
+        </p:txBody>
+      </p:sp>
+      <p:sp>
+        <p:nvSpPr>
+          <p:cNvPr id="51" name="文本框 50"/>
+          <p:cNvSpPr txBox="1"/>
+          <p:nvPr/>
+        </p:nvSpPr>
+        <p:spPr>
+          <a:xfrm>
+            <a:off x="1266190" y="2792730"/>
+            <a:ext cx="3606800" cy="158750"/>
+          </a:xfrm>
+          <a:prstGeom prst="rect">
+            <a:avLst/>
+          </a:prstGeom>
+          <a:noFill/>
+          <a:ln>
+            <a:solidFill>
+              <a:schemeClr val="bg1">
+                <a:lumMod val="50000"/>
+              </a:schemeClr>
+            </a:solidFill>
+            <a:prstDash val="dash"/>
+          </a:ln>
+        </p:spPr>
+        <p:txBody>
+          <a:bodyPr wrap="square" lIns="0" tIns="0" rIns="0" bIns="0" rtlCol="0">
+            <a:noAutofit/>
+          </a:bodyPr>
+          <a:p>
+            <a:pPr algn="ctr"/>
+            <a:r>
+              <a:rPr lang="en-US" altLang="zh-CN" sz="1200" dirty="0" err="1" smtClean="0"/>
+              <a:t>Pannel</a:t>
+            </a:r>
+            <a:r>
+              <a:rPr lang="en-US" altLang="zh-CN" sz="1200" dirty="0" smtClean="0"/>
+              <a:t> Title</a:t>
+            </a:r>
+            <a:endParaRPr lang="en-US" altLang="zh-CN" sz="1200" dirty="0" smtClean="0"/>
+          </a:p>
+        </p:txBody>
+      </p:sp>
+      <p:sp>
+        <p:nvSpPr>
+          <p:cNvPr id="52" name="矩形 51"/>
+          <p:cNvSpPr/>
+          <p:nvPr/>
+        </p:nvSpPr>
+        <p:spPr>
+          <a:xfrm>
+            <a:off x="4090670" y="1857375"/>
+            <a:ext cx="671195" cy="892175"/>
+          </a:xfrm>
+          <a:prstGeom prst="rect">
+            <a:avLst/>
+          </a:prstGeom>
+        </p:spPr>
+        <p:style>
+          <a:lnRef idx="2">
+            <a:schemeClr val="accent1">
+              <a:shade val="50000"/>
+            </a:schemeClr>
+          </a:lnRef>
+          <a:fillRef idx="1">
+            <a:schemeClr val="accent1"/>
+          </a:fillRef>
+          <a:effectRef idx="0">
+            <a:schemeClr val="accent1"/>
+          </a:effectRef>
+          <a:fontRef idx="minor">
+            <a:schemeClr val="lt1"/>
+          </a:fontRef>
+        </p:style>
+        <p:txBody>
+          <a:bodyPr rtlCol="0" anchor="ctr"/>
+          <a:p>
+            <a:pPr algn="ctr"/>
+            <a:endParaRPr lang="zh-CN" altLang="en-US"/>
+          </a:p>
+        </p:txBody>
+      </p:sp>
+      <p:cxnSp>
+        <p:nvCxnSpPr>
+          <p:cNvPr id="41" name="直接箭头连接符 40"/>
+          <p:cNvCxnSpPr>
+            <a:stCxn id="40" idx="0"/>
+            <a:endCxn id="3" idx="2"/>
+          </p:cNvCxnSpPr>
+          <p:nvPr/>
+        </p:nvCxnSpPr>
+        <p:spPr>
+          <a:xfrm flipV="1">
+            <a:off x="1139190" y="1764030"/>
+            <a:ext cx="277495" cy="1523365"/>
+          </a:xfrm>
+          <a:prstGeom prst="straightConnector1">
+            <a:avLst/>
+          </a:prstGeom>
+          <a:ln>
+            <a:solidFill>
+              <a:schemeClr val="tx1"/>
+            </a:solidFill>
+            <a:tailEnd type="arrow"/>
+          </a:ln>
+        </p:spPr>
+        <p:style>
+          <a:lnRef idx="1">
+            <a:schemeClr val="accent1"/>
+          </a:lnRef>
+          <a:fillRef idx="0">
+            <a:schemeClr val="accent1"/>
+          </a:fillRef>
+          <a:effectRef idx="0">
+            <a:schemeClr val="accent1"/>
+          </a:effectRef>
+          <a:fontRef idx="minor">
+            <a:schemeClr val="tx1"/>
+          </a:fontRef>
+        </p:style>
+      </p:cxnSp>
+      <p:sp>
+        <p:nvSpPr>
+          <p:cNvPr id="53" name="矩形 52"/>
+          <p:cNvSpPr/>
+          <p:nvPr/>
+        </p:nvSpPr>
+        <p:spPr>
+          <a:xfrm>
+            <a:off x="3304541" y="3287534"/>
+            <a:ext cx="828675" cy="368300"/>
+          </a:xfrm>
+          <a:prstGeom prst="rect">
+            <a:avLst/>
+          </a:prstGeom>
+        </p:spPr>
+        <p:txBody>
+          <a:bodyPr wrap="none">
+            <a:spAutoFit/>
+          </a:bodyPr>
+          <a:p>
+            <a:pPr algn="l"/>
+            <a:r>
+              <a:rPr lang="en-US" altLang="zh-CN" b="1" dirty="0" err="1" smtClean="0">
+                <a:solidFill>
+                  <a:schemeClr val="accent1">
+                    <a:lumMod val="75000"/>
+                  </a:schemeClr>
+                </a:solidFill>
+                <a:effectLst/>
+              </a:rPr>
+              <a:t>Pannel</a:t>
+            </a:r>
+            <a:endParaRPr lang="en-US" altLang="zh-CN" b="1" dirty="0" err="1" smtClean="0">
+              <a:solidFill>
+                <a:schemeClr val="accent1">
+                  <a:lumMod val="75000"/>
+                </a:schemeClr>
+              </a:solidFill>
+              <a:effectLst/>
+            </a:endParaRPr>
+          </a:p>
+        </p:txBody>
+      </p:sp>
+      <p:cxnSp>
+        <p:nvCxnSpPr>
+          <p:cNvPr id="54" name="直接箭头连接符 53"/>
+          <p:cNvCxnSpPr>
+            <a:stCxn id="53" idx="0"/>
+          </p:cNvCxnSpPr>
+          <p:nvPr/>
+        </p:nvCxnSpPr>
+        <p:spPr>
+          <a:xfrm flipV="1">
+            <a:off x="3719195" y="2952750"/>
+            <a:ext cx="100330" cy="334645"/>
+          </a:xfrm>
+          <a:prstGeom prst="straightConnector1">
+            <a:avLst/>
+          </a:prstGeom>
+          <a:ln>
+            <a:tailEnd type="arrow"/>
+          </a:ln>
+        </p:spPr>
+        <p:style>
+          <a:lnRef idx="1">
+            <a:schemeClr val="accent1"/>
+          </a:lnRef>
+          <a:fillRef idx="0">
+            <a:schemeClr val="accent1"/>
+          </a:fillRef>
+          <a:effectRef idx="0">
+            <a:schemeClr val="accent1"/>
+          </a:effectRef>
+          <a:fontRef idx="minor">
+            <a:schemeClr val="tx1"/>
+          </a:fontRef>
+        </p:style>
+      </p:cxnSp>
+      <p:sp>
+        <p:nvSpPr>
+          <p:cNvPr id="55" name="文本框 54"/>
+          <p:cNvSpPr txBox="1"/>
+          <p:nvPr/>
+        </p:nvSpPr>
+        <p:spPr>
+          <a:xfrm>
+            <a:off x="4053840" y="137795"/>
+            <a:ext cx="5345430" cy="368300"/>
+          </a:xfrm>
+          <a:prstGeom prst="rect">
+            <a:avLst/>
+          </a:prstGeom>
+        </p:spPr>
+        <p:style>
+          <a:lnRef idx="2">
+            <a:schemeClr val="dk1"/>
+          </a:lnRef>
+          <a:fillRef idx="1">
+            <a:schemeClr val="lt1"/>
+          </a:fillRef>
+          <a:effectRef idx="0">
+            <a:schemeClr val="dk1"/>
+          </a:effectRef>
+          <a:fontRef idx="minor">
+            <a:schemeClr val="dk1"/>
+          </a:fontRef>
+        </p:style>
+        <p:txBody>
+          <a:bodyPr wrap="square" rtlCol="0" anchor="t">
+            <a:spAutoFit/>
+          </a:bodyPr>
+          <a:p>
+            <a:pPr algn="ctr"/>
+            <a:r>
+              <a:rPr lang="zh-CN" altLang="en-US" b="1">
+                <a:latin typeface="微软雅黑" panose="020B0503020204020204" pitchFamily="34" charset="-122"/>
+                <a:ea typeface="微软雅黑" panose="020B0503020204020204" pitchFamily="34" charset="-122"/>
+                <a:cs typeface="微软雅黑" panose="020B0503020204020204" pitchFamily="34" charset="-122"/>
+              </a:rPr>
+              <a:t>SARibbonBar</a:t>
+            </a:r>
+            <a:r>
+              <a:rPr lang="en-US" altLang="zh-CN" b="1">
+                <a:latin typeface="微软雅黑" panose="020B0503020204020204" pitchFamily="34" charset="-122"/>
+                <a:ea typeface="微软雅黑" panose="020B0503020204020204" pitchFamily="34" charset="-122"/>
+                <a:cs typeface="微软雅黑" panose="020B0503020204020204" pitchFamily="34" charset="-122"/>
+              </a:rPr>
+              <a:t>::</a:t>
+            </a:r>
+            <a:r>
+              <a:rPr lang="zh-CN" altLang="en-US" b="1">
+                <a:latin typeface="微软雅黑" panose="020B0503020204020204" pitchFamily="34" charset="-122"/>
+                <a:ea typeface="微软雅黑" panose="020B0503020204020204" pitchFamily="34" charset="-122"/>
+                <a:cs typeface="微软雅黑" panose="020B0503020204020204" pitchFamily="34" charset="-122"/>
+              </a:rPr>
+              <a:t>OfficeStyle  </a:t>
+            </a:r>
+            <a:r>
+              <a:rPr lang="en-US" altLang="zh-CN" b="1">
+                <a:latin typeface="微软雅黑" panose="020B0503020204020204" pitchFamily="34" charset="-122"/>
+                <a:ea typeface="微软雅黑" panose="020B0503020204020204" pitchFamily="34" charset="-122"/>
+                <a:cs typeface="微软雅黑" panose="020B0503020204020204" pitchFamily="34" charset="-122"/>
+              </a:rPr>
+              <a:t>Ribbon</a:t>
+            </a:r>
+            <a:r>
+              <a:rPr lang="zh-CN" altLang="en-US" b="1">
+                <a:latin typeface="微软雅黑" panose="020B0503020204020204" pitchFamily="34" charset="-122"/>
+                <a:ea typeface="微软雅黑" panose="020B0503020204020204" pitchFamily="34" charset="-122"/>
+                <a:cs typeface="微软雅黑" panose="020B0503020204020204" pitchFamily="34" charset="-122"/>
+              </a:rPr>
+              <a:t>模式示例</a:t>
+            </a:r>
+            <a:endParaRPr lang="zh-CN" altLang="en-US" b="1">
+              <a:latin typeface="微软雅黑" panose="020B0503020204020204" pitchFamily="34" charset="-122"/>
+              <a:ea typeface="微软雅黑" panose="020B0503020204020204" pitchFamily="34" charset="-122"/>
+              <a:cs typeface="微软雅黑" panose="020B0503020204020204" pitchFamily="34" charset="-122"/>
+            </a:endParaRPr>
+          </a:p>
+        </p:txBody>
+      </p:sp>
+      <p:pic>
+        <p:nvPicPr>
+          <p:cNvPr id="6" name="图片 5"/>
+          <p:cNvPicPr>
+            <a:picLocks noChangeAspect="1"/>
+          </p:cNvPicPr>
+          <p:nvPr/>
+        </p:nvPicPr>
+        <p:blipFill>
+          <a:blip r:embed="rId1"/>
+          <a:stretch>
+            <a:fillRect/>
+          </a:stretch>
+        </p:blipFill>
+        <p:spPr>
+          <a:xfrm>
+            <a:off x="1557020" y="4365625"/>
+            <a:ext cx="8734425" cy="1428750"/>
+          </a:xfrm>
+          <a:prstGeom prst="rect">
+            <a:avLst/>
+          </a:prstGeom>
+        </p:spPr>
+      </p:pic>
+      <p:sp>
+        <p:nvSpPr>
+          <p:cNvPr id="8" name="矩形 7"/>
+          <p:cNvSpPr/>
+          <p:nvPr/>
+        </p:nvSpPr>
+        <p:spPr>
+          <a:xfrm>
+            <a:off x="1860550" y="4391025"/>
+            <a:ext cx="2619375" cy="235585"/>
+          </a:xfrm>
+          <a:prstGeom prst="rect">
+            <a:avLst/>
+          </a:prstGeom>
+          <a:solidFill>
+            <a:schemeClr val="accent2">
+              <a:lumMod val="20000"/>
+              <a:lumOff val="80000"/>
+              <a:alpha val="10000"/>
+            </a:schemeClr>
+          </a:solidFill>
+          <a:ln>
+            <a:solidFill>
+              <a:schemeClr val="accent2"/>
+            </a:solidFill>
+          </a:ln>
+        </p:spPr>
+        <p:style>
+          <a:lnRef idx="2">
+            <a:schemeClr val="accent1">
+              <a:shade val="50000"/>
+            </a:schemeClr>
+          </a:lnRef>
+          <a:fillRef idx="1">
+            <a:schemeClr val="accent1"/>
+          </a:fillRef>
+          <a:effectRef idx="0">
+            <a:schemeClr val="accent1"/>
+          </a:effectRef>
+          <a:fontRef idx="minor">
+            <a:schemeClr val="lt1"/>
+          </a:fontRef>
+        </p:style>
+        <p:txBody>
+          <a:bodyPr rtlCol="0" anchor="ctr"/>
+          <a:p>
+            <a:pPr algn="ctr"/>
+            <a:endParaRPr lang="zh-CN" altLang="en-US"/>
+          </a:p>
+        </p:txBody>
+      </p:sp>
+      <p:sp>
+        <p:nvSpPr>
+          <p:cNvPr id="9" name="矩形 8"/>
+          <p:cNvSpPr/>
+          <p:nvPr/>
+        </p:nvSpPr>
+        <p:spPr>
+          <a:xfrm>
+            <a:off x="4514850" y="4391025"/>
+            <a:ext cx="3685540" cy="235585"/>
+          </a:xfrm>
+          <a:prstGeom prst="rect">
+            <a:avLst/>
+          </a:prstGeom>
+          <a:solidFill>
+            <a:schemeClr val="accent2">
+              <a:lumMod val="20000"/>
+              <a:lumOff val="80000"/>
+              <a:alpha val="10000"/>
+            </a:schemeClr>
+          </a:solidFill>
+          <a:ln>
+            <a:solidFill>
+              <a:schemeClr val="accent2"/>
+            </a:solidFill>
+          </a:ln>
+        </p:spPr>
+        <p:style>
+          <a:lnRef idx="2">
+            <a:schemeClr val="accent1">
+              <a:shade val="50000"/>
+            </a:schemeClr>
+          </a:lnRef>
+          <a:fillRef idx="1">
+            <a:schemeClr val="accent1"/>
+          </a:fillRef>
+          <a:effectRef idx="0">
+            <a:schemeClr val="accent1"/>
+          </a:effectRef>
+          <a:fontRef idx="minor">
+            <a:schemeClr val="lt1"/>
+          </a:fontRef>
+        </p:style>
+        <p:txBody>
+          <a:bodyPr rtlCol="0" anchor="ctr"/>
+          <a:p>
+            <a:pPr algn="ctr"/>
+            <a:endParaRPr lang="zh-CN" altLang="en-US"/>
+          </a:p>
+        </p:txBody>
+      </p:sp>
+    </p:spTree>
+  </p:cSld>
+  <p:clrMapOvr>
+    <a:masterClrMapping/>
+  </p:clrMapOvr>
+</p:sld>
+</file>
+
+<file path=ppt/slides/slide2.xml><?xml version="1.0" encoding="utf-8"?>
+<p:sld xmlns:a="http://schemas.openxmlformats.org/drawingml/2006/main" xmlns:r="http://schemas.openxmlformats.org/officeDocument/2006/relationships" xmlns:p="http://schemas.openxmlformats.org/presentationml/2006/main">
+  <p:cSld>
+    <p:spTree>
+      <p:nvGrpSpPr>
+        <p:cNvPr id="1" name=""/>
+        <p:cNvGrpSpPr/>
+        <p:nvPr/>
+      </p:nvGrpSpPr>
+      <p:grpSpPr>
+        <a:xfrm>
+          <a:off x="0" y="0"/>
+          <a:ext cx="0" cy="0"/>
+          <a:chOff x="0" y="0"/>
+          <a:chExt cx="0" cy="0"/>
+        </a:xfrm>
+      </p:grpSpPr>
+      <p:sp>
+        <p:nvSpPr>
+          <p:cNvPr id="4" name="矩形 3"/>
+          <p:cNvSpPr/>
+          <p:nvPr/>
+        </p:nvSpPr>
+        <p:spPr>
+          <a:xfrm>
+            <a:off x="4113530" y="2000885"/>
+            <a:ext cx="7323455" cy="1703705"/>
+          </a:xfrm>
+          <a:prstGeom prst="rect">
+            <a:avLst/>
+          </a:prstGeom>
+          <a:solidFill>
+            <a:schemeClr val="accent1">
+              <a:lumMod val="20000"/>
+              <a:lumOff val="80000"/>
+            </a:schemeClr>
+          </a:solidFill>
+          <a:ln>
+            <a:solidFill>
+              <a:schemeClr val="tx1"/>
+            </a:solidFill>
+          </a:ln>
+        </p:spPr>
+        <p:style>
+          <a:lnRef idx="2">
+            <a:schemeClr val="accent1">
+              <a:shade val="50000"/>
+            </a:schemeClr>
+          </a:lnRef>
+          <a:fillRef idx="1">
+            <a:schemeClr val="accent1"/>
+          </a:fillRef>
+          <a:effectRef idx="0">
+            <a:schemeClr val="accent1"/>
+          </a:effectRef>
+          <a:fontRef idx="minor">
+            <a:schemeClr val="lt1"/>
+          </a:fontRef>
+        </p:style>
+        <p:txBody>
+          <a:bodyPr rtlCol="0" anchor="ctr"/>
+          <a:lstStyle/>
+          <a:p>
+            <a:pPr algn="ctr"/>
+            <a:endParaRPr lang="zh-CN" altLang="en-US"/>
+          </a:p>
+        </p:txBody>
+      </p:sp>
+      <p:sp>
+        <p:nvSpPr>
+          <p:cNvPr id="2" name="矩形 1"/>
+          <p:cNvSpPr/>
+          <p:nvPr/>
+        </p:nvSpPr>
+        <p:spPr>
+          <a:xfrm>
+            <a:off x="4114165" y="2455545"/>
+            <a:ext cx="7322185" cy="1248410"/>
+          </a:xfrm>
+          <a:prstGeom prst="rect">
+            <a:avLst/>
+          </a:prstGeom>
+          <a:solidFill>
+            <a:schemeClr val="bg1"/>
+          </a:solidFill>
+        </p:spPr>
+        <p:style>
+          <a:lnRef idx="2">
+            <a:schemeClr val="accent1">
+              <a:shade val="50000"/>
+            </a:schemeClr>
+          </a:lnRef>
+          <a:fillRef idx="1">
+            <a:schemeClr val="accent1"/>
+          </a:fillRef>
+          <a:effectRef idx="0">
+            <a:schemeClr val="accent1"/>
+          </a:effectRef>
+          <a:fontRef idx="minor">
+            <a:schemeClr val="lt1"/>
+          </a:fontRef>
+        </p:style>
+        <p:txBody>
+          <a:bodyPr rtlCol="0" anchor="ctr"/>
+          <a:p>
+            <a:pPr algn="ctr"/>
+            <a:endParaRPr lang="zh-CN" altLang="en-US"/>
+          </a:p>
+        </p:txBody>
+      </p:sp>
+      <p:sp>
+        <p:nvSpPr>
+          <p:cNvPr id="3" name="矩形 2"/>
+          <p:cNvSpPr/>
+          <p:nvPr/>
+        </p:nvSpPr>
+        <p:spPr>
+          <a:xfrm>
+            <a:off x="4114165" y="2249805"/>
+            <a:ext cx="412115" cy="205740"/>
+          </a:xfrm>
+          <a:prstGeom prst="rect">
+            <a:avLst/>
+          </a:prstGeom>
+          <a:solidFill>
+            <a:srgbClr val="C00000"/>
+          </a:solidFill>
+        </p:spPr>
+        <p:style>
+          <a:lnRef idx="2">
+            <a:schemeClr val="accent1">
+              <a:shade val="50000"/>
+            </a:schemeClr>
+          </a:lnRef>
+          <a:fillRef idx="1">
+            <a:schemeClr val="accent1"/>
+          </a:fillRef>
+          <a:effectRef idx="0">
+            <a:schemeClr val="accent1"/>
+          </a:effectRef>
+          <a:fontRef idx="minor">
+            <a:schemeClr val="lt1"/>
+          </a:fontRef>
+        </p:style>
+        <p:txBody>
+          <a:bodyPr rtlCol="0" anchor="ctr"/>
+          <a:p>
+            <a:pPr algn="ctr"/>
+            <a:endParaRPr lang="zh-CN" altLang="en-US"/>
+          </a:p>
+        </p:txBody>
+      </p:sp>
+      <p:sp>
+        <p:nvSpPr>
+          <p:cNvPr id="7" name="矩形 6"/>
+          <p:cNvSpPr/>
+          <p:nvPr/>
+        </p:nvSpPr>
+        <p:spPr>
+          <a:xfrm>
+            <a:off x="4586605" y="2249805"/>
+            <a:ext cx="3352800" cy="205740"/>
+          </a:xfrm>
+          <a:prstGeom prst="rect">
+            <a:avLst/>
+          </a:prstGeom>
+          <a:solidFill>
+            <a:schemeClr val="accent2"/>
+          </a:solidFill>
+          <a:ln>
+            <a:solidFill>
+              <a:schemeClr val="accent2"/>
+            </a:solidFill>
+          </a:ln>
+        </p:spPr>
+        <p:style>
+          <a:lnRef idx="2">
+            <a:schemeClr val="accent1">
+              <a:shade val="50000"/>
+            </a:schemeClr>
+          </a:lnRef>
+          <a:fillRef idx="1">
+            <a:schemeClr val="accent1"/>
+          </a:fillRef>
+          <a:effectRef idx="0">
+            <a:schemeClr val="accent1"/>
+          </a:effectRef>
+          <a:fontRef idx="minor">
+            <a:schemeClr val="lt1"/>
+          </a:fontRef>
+        </p:style>
+        <p:txBody>
+          <a:bodyPr rtlCol="0" anchor="ctr"/>
+          <a:p>
+            <a:pPr algn="ctr"/>
+            <a:r>
+              <a:rPr lang="zh-CN" altLang="en-US" sz="1000"/>
+              <a:t>SARibbonTabBar</a:t>
+            </a:r>
+            <a:endParaRPr lang="zh-CN" altLang="en-US" sz="1000"/>
+          </a:p>
+        </p:txBody>
+      </p:sp>
+      <p:sp>
+        <p:nvSpPr>
+          <p:cNvPr id="10" name="矩形 9"/>
+          <p:cNvSpPr/>
+          <p:nvPr/>
+        </p:nvSpPr>
+        <p:spPr>
+          <a:xfrm>
+            <a:off x="4792980" y="2007235"/>
+            <a:ext cx="1888490" cy="234950"/>
+          </a:xfrm>
+          <a:prstGeom prst="rect">
+            <a:avLst/>
+          </a:prstGeom>
+          <a:solidFill>
+            <a:schemeClr val="accent2">
+              <a:lumMod val="20000"/>
+              <a:lumOff val="80000"/>
+            </a:schemeClr>
+          </a:solidFill>
+          <a:ln>
+            <a:solidFill>
+              <a:schemeClr val="accent2"/>
+            </a:solidFill>
+          </a:ln>
+        </p:spPr>
+        <p:style>
+          <a:lnRef idx="2">
+            <a:schemeClr val="accent1">
+              <a:shade val="50000"/>
+            </a:schemeClr>
+          </a:lnRef>
+          <a:fillRef idx="1">
+            <a:schemeClr val="accent1"/>
+          </a:fillRef>
+          <a:effectRef idx="0">
+            <a:schemeClr val="accent1"/>
+          </a:effectRef>
+          <a:fontRef idx="minor">
+            <a:schemeClr val="lt1"/>
+          </a:fontRef>
+        </p:style>
+        <p:txBody>
+          <a:bodyPr rtlCol="0" anchor="ctr"/>
+          <a:p>
+            <a:pPr algn="ctr"/>
+            <a:r>
+              <a:rPr lang="en-US" altLang="zh-CN" sz="1000" b="1" dirty="0" err="1" smtClean="0">
+                <a:solidFill>
+                  <a:schemeClr val="accent1">
+                    <a:lumMod val="75000"/>
+                  </a:schemeClr>
+                </a:solidFill>
+                <a:effectLst/>
+                <a:sym typeface="+mn-ea"/>
+              </a:rPr>
+              <a:t>SARibbonQuickAccessBar</a:t>
+            </a:r>
+            <a:endParaRPr lang="en-US" altLang="zh-CN" sz="1000" b="1" dirty="0" err="1" smtClean="0">
+              <a:solidFill>
+                <a:schemeClr val="accent1">
+                  <a:lumMod val="75000"/>
+                </a:schemeClr>
+              </a:solidFill>
+              <a:effectLst/>
+              <a:sym typeface="+mn-ea"/>
+            </a:endParaRPr>
+          </a:p>
+        </p:txBody>
+      </p:sp>
+      <p:sp>
+        <p:nvSpPr>
+          <p:cNvPr id="13" name="矩形 12"/>
+          <p:cNvSpPr/>
+          <p:nvPr/>
+        </p:nvSpPr>
+        <p:spPr>
+          <a:xfrm>
+            <a:off x="11153775" y="2006600"/>
+            <a:ext cx="283210" cy="236220"/>
+          </a:xfrm>
+          <a:prstGeom prst="rect">
+            <a:avLst/>
+          </a:prstGeom>
+          <a:solidFill>
+            <a:schemeClr val="accent2">
+              <a:lumMod val="20000"/>
+              <a:lumOff val="80000"/>
+            </a:schemeClr>
+          </a:solidFill>
+          <a:ln>
+            <a:solidFill>
+              <a:schemeClr val="accent2"/>
+            </a:solidFill>
+          </a:ln>
+        </p:spPr>
+        <p:style>
+          <a:lnRef idx="2">
+            <a:schemeClr val="accent1">
+              <a:shade val="50000"/>
+            </a:schemeClr>
+          </a:lnRef>
+          <a:fillRef idx="1">
+            <a:schemeClr val="accent1"/>
+          </a:fillRef>
+          <a:effectRef idx="0">
+            <a:schemeClr val="accent1"/>
+          </a:effectRef>
+          <a:fontRef idx="minor">
+            <a:schemeClr val="lt1"/>
+          </a:fontRef>
+        </p:style>
+        <p:txBody>
+          <a:bodyPr rtlCol="0" anchor="ctr"/>
+          <a:p>
+            <a:pPr algn="ctr"/>
+            <a:r>
+              <a:rPr lang="en-US" altLang="zh-CN">
+                <a:solidFill>
+                  <a:schemeClr val="tx1"/>
+                </a:solidFill>
+                <a:latin typeface="微软雅黑" panose="020B0503020204020204" pitchFamily="34" charset="-122"/>
+                <a:ea typeface="微软雅黑" panose="020B0503020204020204" pitchFamily="34" charset="-122"/>
+              </a:rPr>
+              <a:t>×</a:t>
+            </a:r>
+            <a:endParaRPr lang="en-US" altLang="zh-CN">
+              <a:solidFill>
+                <a:schemeClr val="tx1"/>
+              </a:solidFill>
+              <a:latin typeface="微软雅黑" panose="020B0503020204020204" pitchFamily="34" charset="-122"/>
+              <a:ea typeface="微软雅黑" panose="020B0503020204020204" pitchFamily="34" charset="-122"/>
+            </a:endParaRPr>
+          </a:p>
+        </p:txBody>
+      </p:sp>
+      <p:sp>
+        <p:nvSpPr>
+          <p:cNvPr id="24" name="矩形 23"/>
+          <p:cNvSpPr/>
+          <p:nvPr/>
+        </p:nvSpPr>
+        <p:spPr>
+          <a:xfrm>
+            <a:off x="10868025" y="2006600"/>
+            <a:ext cx="283210" cy="235585"/>
+          </a:xfrm>
+          <a:prstGeom prst="rect">
+            <a:avLst/>
+          </a:prstGeom>
+          <a:solidFill>
+            <a:schemeClr val="accent2">
+              <a:lumMod val="20000"/>
+              <a:lumOff val="80000"/>
+            </a:schemeClr>
+          </a:solidFill>
+          <a:ln>
+            <a:solidFill>
+              <a:schemeClr val="accent2"/>
+            </a:solidFill>
+          </a:ln>
+        </p:spPr>
+        <p:style>
+          <a:lnRef idx="2">
+            <a:schemeClr val="accent1">
+              <a:shade val="50000"/>
+            </a:schemeClr>
+          </a:lnRef>
+          <a:fillRef idx="1">
+            <a:schemeClr val="accent1"/>
+          </a:fillRef>
+          <a:effectRef idx="0">
+            <a:schemeClr val="accent1"/>
+          </a:effectRef>
+          <a:fontRef idx="minor">
+            <a:schemeClr val="lt1"/>
+          </a:fontRef>
+        </p:style>
+        <p:txBody>
+          <a:bodyPr rtlCol="0" anchor="ctr"/>
+          <a:p>
+            <a:pPr algn="ctr"/>
+            <a:r>
+              <a:rPr lang="zh-CN" altLang="en-US">
+                <a:solidFill>
+                  <a:schemeClr val="tx1"/>
+                </a:solidFill>
+                <a:latin typeface="微软雅黑" panose="020B0503020204020204" pitchFamily="34" charset="-122"/>
+                <a:ea typeface="微软雅黑" panose="020B0503020204020204" pitchFamily="34" charset="-122"/>
+              </a:rPr>
+              <a:t>□</a:t>
+            </a:r>
+            <a:endParaRPr lang="zh-CN" altLang="en-US">
+              <a:solidFill>
+                <a:schemeClr val="tx1"/>
+              </a:solidFill>
+              <a:latin typeface="微软雅黑" panose="020B0503020204020204" pitchFamily="34" charset="-122"/>
+              <a:ea typeface="微软雅黑" panose="020B0503020204020204" pitchFamily="34" charset="-122"/>
+            </a:endParaRPr>
+          </a:p>
+        </p:txBody>
+      </p:sp>
+      <p:sp>
+        <p:nvSpPr>
+          <p:cNvPr id="26" name="矩形 25"/>
+          <p:cNvSpPr/>
+          <p:nvPr/>
+        </p:nvSpPr>
+        <p:spPr>
+          <a:xfrm>
+            <a:off x="10584815" y="2006600"/>
+            <a:ext cx="283210" cy="235585"/>
+          </a:xfrm>
+          <a:prstGeom prst="rect">
+            <a:avLst/>
+          </a:prstGeom>
+          <a:solidFill>
+            <a:schemeClr val="accent2">
+              <a:lumMod val="20000"/>
+              <a:lumOff val="80000"/>
+            </a:schemeClr>
+          </a:solidFill>
+          <a:ln>
+            <a:solidFill>
+              <a:schemeClr val="accent2"/>
+            </a:solidFill>
+          </a:ln>
+        </p:spPr>
+        <p:style>
+          <a:lnRef idx="2">
+            <a:schemeClr val="accent1">
+              <a:shade val="50000"/>
+            </a:schemeClr>
+          </a:lnRef>
+          <a:fillRef idx="1">
+            <a:schemeClr val="accent1"/>
+          </a:fillRef>
+          <a:effectRef idx="0">
+            <a:schemeClr val="accent1"/>
+          </a:effectRef>
+          <a:fontRef idx="minor">
+            <a:schemeClr val="lt1"/>
+          </a:fontRef>
+        </p:style>
+        <p:txBody>
+          <a:bodyPr rtlCol="0" anchor="ctr"/>
+          <a:p>
+            <a:pPr algn="ctr"/>
+            <a:r>
+              <a:rPr lang="en-US" altLang="zh-CN" sz="900">
+                <a:solidFill>
+                  <a:schemeClr val="tx1"/>
+                </a:solidFill>
+              </a:rPr>
+              <a:t>_</a:t>
+            </a:r>
+            <a:endParaRPr lang="en-US" altLang="zh-CN" sz="900">
+              <a:solidFill>
+                <a:schemeClr val="tx1"/>
+              </a:solidFill>
+            </a:endParaRPr>
+          </a:p>
+        </p:txBody>
+      </p:sp>
+      <p:sp>
+        <p:nvSpPr>
+          <p:cNvPr id="29" name="矩形 28"/>
+          <p:cNvSpPr/>
+          <p:nvPr/>
+        </p:nvSpPr>
+        <p:spPr>
+          <a:xfrm>
+            <a:off x="9255126" y="3979049"/>
+            <a:ext cx="1025525" cy="368300"/>
+          </a:xfrm>
+          <a:prstGeom prst="rect">
+            <a:avLst/>
+          </a:prstGeom>
+        </p:spPr>
+        <p:txBody>
+          <a:bodyPr wrap="none">
+            <a:spAutoFit/>
+          </a:bodyPr>
+          <a:p>
+            <a:pPr algn="l"/>
+            <a:r>
+              <a:rPr lang="en-US" altLang="zh-CN" b="1" dirty="0" err="1" smtClean="0">
+                <a:solidFill>
+                  <a:schemeClr val="accent1">
+                    <a:lumMod val="75000"/>
+                  </a:schemeClr>
+                </a:solidFill>
+                <a:effectLst/>
+              </a:rPr>
+              <a:t>Category</a:t>
+            </a:r>
+            <a:endParaRPr lang="en-US" altLang="zh-CN" b="1" dirty="0" err="1" smtClean="0">
+              <a:solidFill>
+                <a:schemeClr val="accent1">
+                  <a:lumMod val="75000"/>
+                </a:schemeClr>
+              </a:solidFill>
+              <a:effectLst/>
+            </a:endParaRPr>
+          </a:p>
+        </p:txBody>
+      </p:sp>
+      <p:cxnSp>
+        <p:nvCxnSpPr>
+          <p:cNvPr id="30" name="直接箭头连接符 29"/>
+          <p:cNvCxnSpPr>
+            <a:stCxn id="29" idx="0"/>
+          </p:cNvCxnSpPr>
+          <p:nvPr/>
+        </p:nvCxnSpPr>
+        <p:spPr>
+          <a:xfrm flipH="1" flipV="1">
+            <a:off x="9314180" y="3176270"/>
+            <a:ext cx="454025" cy="802640"/>
+          </a:xfrm>
+          <a:prstGeom prst="straightConnector1">
+            <a:avLst/>
+          </a:prstGeom>
+          <a:ln>
+            <a:tailEnd type="arrow"/>
+          </a:ln>
+        </p:spPr>
+        <p:style>
+          <a:lnRef idx="1">
+            <a:schemeClr val="accent1"/>
+          </a:lnRef>
+          <a:fillRef idx="0">
+            <a:schemeClr val="accent1"/>
+          </a:fillRef>
+          <a:effectRef idx="0">
+            <a:schemeClr val="accent1"/>
+          </a:effectRef>
+          <a:fontRef idx="minor">
+            <a:schemeClr val="tx1"/>
+          </a:fontRef>
+        </p:style>
+      </p:cxnSp>
+      <p:sp>
+        <p:nvSpPr>
+          <p:cNvPr id="36" name="文本框 35"/>
+          <p:cNvSpPr txBox="1"/>
+          <p:nvPr/>
+        </p:nvSpPr>
+        <p:spPr>
+          <a:xfrm>
+            <a:off x="6723380" y="1997075"/>
+            <a:ext cx="3862070" cy="245110"/>
+          </a:xfrm>
+          <a:prstGeom prst="rect">
+            <a:avLst/>
+          </a:prstGeom>
+          <a:noFill/>
+          <a:ln>
+            <a:solidFill>
+              <a:schemeClr val="tx1"/>
+            </a:solidFill>
+            <a:prstDash val="sysDot"/>
+          </a:ln>
+        </p:spPr>
+        <p:txBody>
+          <a:bodyPr wrap="square" rtlCol="0">
+            <a:spAutoFit/>
+          </a:bodyPr>
+          <a:p>
+            <a:pPr algn="ctr"/>
+            <a:r>
+              <a:rPr lang="en-US" altLang="zh-CN" sz="1000"/>
+              <a:t>titleBar</a:t>
+            </a:r>
+            <a:endParaRPr lang="en-US" altLang="zh-CN" sz="1000"/>
+          </a:p>
+        </p:txBody>
+      </p:sp>
+      <p:sp>
+        <p:nvSpPr>
+          <p:cNvPr id="40" name="矩形 39"/>
+          <p:cNvSpPr/>
+          <p:nvPr/>
+        </p:nvSpPr>
+        <p:spPr>
+          <a:xfrm>
+            <a:off x="3098801" y="3979049"/>
+            <a:ext cx="1887855" cy="368300"/>
+          </a:xfrm>
+          <a:prstGeom prst="rect">
+            <a:avLst/>
+          </a:prstGeom>
+        </p:spPr>
+        <p:txBody>
+          <a:bodyPr wrap="none">
+            <a:spAutoFit/>
+          </a:bodyPr>
+          <a:p>
+            <a:pPr algn="l"/>
+            <a:r>
+              <a:rPr lang="en-US" altLang="zh-CN" b="1" dirty="0" err="1" smtClean="0">
+                <a:solidFill>
+                  <a:schemeClr val="accent1">
+                    <a:lumMod val="75000"/>
+                  </a:schemeClr>
+                </a:solidFill>
+                <a:effectLst/>
+              </a:rPr>
+              <a:t>applicationButton</a:t>
+            </a:r>
+            <a:endParaRPr lang="en-US" altLang="zh-CN" b="1" dirty="0" err="1" smtClean="0">
+              <a:solidFill>
+                <a:schemeClr val="accent1">
+                  <a:lumMod val="75000"/>
+                </a:schemeClr>
+              </a:solidFill>
+              <a:effectLst/>
+            </a:endParaRPr>
+          </a:p>
+        </p:txBody>
+      </p:sp>
+      <p:sp>
+        <p:nvSpPr>
+          <p:cNvPr id="42" name="矩形 41"/>
+          <p:cNvSpPr/>
+          <p:nvPr/>
+        </p:nvSpPr>
+        <p:spPr>
+          <a:xfrm>
+            <a:off x="4171950" y="2506980"/>
+            <a:ext cx="3780155" cy="1141095"/>
+          </a:xfrm>
+          <a:prstGeom prst="rect">
+            <a:avLst/>
+          </a:prstGeom>
+          <a:solidFill>
+            <a:schemeClr val="accent1">
+              <a:lumMod val="20000"/>
+              <a:lumOff val="80000"/>
+            </a:schemeClr>
+          </a:solidFill>
+          <a:ln>
+            <a:solidFill>
+              <a:schemeClr val="tx1"/>
+            </a:solidFill>
+          </a:ln>
+        </p:spPr>
+        <p:style>
+          <a:lnRef idx="2">
+            <a:schemeClr val="accent1">
+              <a:shade val="50000"/>
+            </a:schemeClr>
+          </a:lnRef>
+          <a:fillRef idx="1">
+            <a:schemeClr val="accent1"/>
+          </a:fillRef>
+          <a:effectRef idx="0">
+            <a:schemeClr val="accent1"/>
+          </a:effectRef>
+          <a:fontRef idx="minor">
+            <a:schemeClr val="lt1"/>
+          </a:fontRef>
+        </p:style>
+        <p:txBody>
+          <a:bodyPr rtlCol="0" anchor="ctr"/>
+          <a:p>
+            <a:pPr algn="ctr"/>
+            <a:endParaRPr lang="zh-CN" altLang="en-US"/>
+          </a:p>
+        </p:txBody>
+      </p:sp>
+      <p:sp>
+        <p:nvSpPr>
+          <p:cNvPr id="43" name="矩形 42"/>
+          <p:cNvSpPr/>
+          <p:nvPr/>
+        </p:nvSpPr>
+        <p:spPr>
+          <a:xfrm>
+            <a:off x="4172585" y="2506980"/>
+            <a:ext cx="3779520" cy="976630"/>
+          </a:xfrm>
+          <a:prstGeom prst="rect">
+            <a:avLst/>
+          </a:prstGeom>
+          <a:solidFill>
+            <a:schemeClr val="bg1"/>
+          </a:solidFill>
+        </p:spPr>
+        <p:style>
+          <a:lnRef idx="2">
+            <a:schemeClr val="accent1">
+              <a:shade val="50000"/>
+            </a:schemeClr>
+          </a:lnRef>
+          <a:fillRef idx="1">
+            <a:schemeClr val="accent1"/>
+          </a:fillRef>
+          <a:effectRef idx="0">
+            <a:schemeClr val="accent1"/>
+          </a:effectRef>
+          <a:fontRef idx="minor">
+            <a:schemeClr val="lt1"/>
+          </a:fontRef>
+        </p:style>
+        <p:txBody>
+          <a:bodyPr rtlCol="0" anchor="ctr"/>
+          <a:p>
+            <a:pPr algn="ctr"/>
+            <a:endParaRPr lang="zh-CN" altLang="en-US"/>
+          </a:p>
+        </p:txBody>
+      </p:sp>
+      <p:sp>
+        <p:nvSpPr>
+          <p:cNvPr id="44" name="矩形 43"/>
+          <p:cNvSpPr/>
+          <p:nvPr/>
+        </p:nvSpPr>
+        <p:spPr>
+          <a:xfrm>
+            <a:off x="7795895" y="3507740"/>
+            <a:ext cx="132080" cy="111125"/>
+          </a:xfrm>
+          <a:prstGeom prst="rect">
+            <a:avLst/>
+          </a:prstGeom>
+          <a:solidFill>
+            <a:schemeClr val="accent2"/>
+          </a:solidFill>
+        </p:spPr>
+        <p:style>
+          <a:lnRef idx="2">
+            <a:schemeClr val="accent1">
+              <a:shade val="50000"/>
+            </a:schemeClr>
+          </a:lnRef>
+          <a:fillRef idx="1">
+            <a:schemeClr val="accent1"/>
+          </a:fillRef>
+          <a:effectRef idx="0">
+            <a:schemeClr val="accent1"/>
+          </a:effectRef>
+          <a:fontRef idx="minor">
+            <a:schemeClr val="lt1"/>
+          </a:fontRef>
+        </p:style>
+        <p:txBody>
+          <a:bodyPr rtlCol="0" anchor="ctr"/>
+          <a:p>
+            <a:pPr algn="ctr"/>
+            <a:endParaRPr lang="zh-CN" altLang="en-US"/>
+          </a:p>
+        </p:txBody>
+      </p:sp>
+      <p:sp>
+        <p:nvSpPr>
+          <p:cNvPr id="45" name="矩形 44"/>
+          <p:cNvSpPr/>
+          <p:nvPr/>
+        </p:nvSpPr>
+        <p:spPr>
+          <a:xfrm>
+            <a:off x="4227195" y="2548890"/>
+            <a:ext cx="671195" cy="892175"/>
+          </a:xfrm>
+          <a:prstGeom prst="rect">
+            <a:avLst/>
+          </a:prstGeom>
+        </p:spPr>
+        <p:style>
+          <a:lnRef idx="2">
+            <a:schemeClr val="accent1">
+              <a:shade val="50000"/>
+            </a:schemeClr>
+          </a:lnRef>
+          <a:fillRef idx="1">
+            <a:schemeClr val="accent1"/>
+          </a:fillRef>
+          <a:effectRef idx="0">
+            <a:schemeClr val="accent1"/>
+          </a:effectRef>
+          <a:fontRef idx="minor">
+            <a:schemeClr val="lt1"/>
+          </a:fontRef>
+        </p:style>
+        <p:txBody>
+          <a:bodyPr rtlCol="0" anchor="ctr"/>
+          <a:p>
+            <a:pPr algn="ctr"/>
+            <a:endParaRPr lang="zh-CN" altLang="en-US"/>
+          </a:p>
+        </p:txBody>
+      </p:sp>
+      <p:sp>
+        <p:nvSpPr>
+          <p:cNvPr id="46" name="矩形 45"/>
+          <p:cNvSpPr/>
+          <p:nvPr/>
+        </p:nvSpPr>
+        <p:spPr>
+          <a:xfrm>
+            <a:off x="4992370" y="3185795"/>
+            <a:ext cx="894715" cy="255270"/>
+          </a:xfrm>
+          <a:prstGeom prst="rect">
+            <a:avLst/>
+          </a:prstGeom>
+        </p:spPr>
+        <p:style>
+          <a:lnRef idx="2">
+            <a:schemeClr val="accent1">
+              <a:shade val="50000"/>
+            </a:schemeClr>
+          </a:lnRef>
+          <a:fillRef idx="1">
+            <a:schemeClr val="accent1"/>
+          </a:fillRef>
+          <a:effectRef idx="0">
+            <a:schemeClr val="accent1"/>
+          </a:effectRef>
+          <a:fontRef idx="minor">
+            <a:schemeClr val="lt1"/>
+          </a:fontRef>
+        </p:style>
+        <p:txBody>
+          <a:bodyPr rtlCol="0" anchor="ctr"/>
+          <a:p>
+            <a:pPr algn="ctr"/>
+            <a:endParaRPr lang="zh-CN" altLang="en-US"/>
+          </a:p>
+        </p:txBody>
+      </p:sp>
+      <p:sp>
+        <p:nvSpPr>
+          <p:cNvPr id="47" name="矩形 46"/>
+          <p:cNvSpPr/>
+          <p:nvPr/>
+        </p:nvSpPr>
+        <p:spPr>
+          <a:xfrm>
+            <a:off x="4992370" y="2548890"/>
+            <a:ext cx="894715" cy="255270"/>
+          </a:xfrm>
+          <a:prstGeom prst="rect">
+            <a:avLst/>
+          </a:prstGeom>
+        </p:spPr>
+        <p:style>
+          <a:lnRef idx="2">
+            <a:schemeClr val="accent1">
+              <a:shade val="50000"/>
+            </a:schemeClr>
+          </a:lnRef>
+          <a:fillRef idx="1">
+            <a:schemeClr val="accent1"/>
+          </a:fillRef>
+          <a:effectRef idx="0">
+            <a:schemeClr val="accent1"/>
+          </a:effectRef>
+          <a:fontRef idx="minor">
+            <a:schemeClr val="lt1"/>
+          </a:fontRef>
+        </p:style>
+        <p:txBody>
+          <a:bodyPr rtlCol="0" anchor="ctr"/>
+          <a:p>
+            <a:pPr algn="ctr"/>
+            <a:endParaRPr lang="zh-CN" altLang="en-US"/>
+          </a:p>
+        </p:txBody>
+      </p:sp>
+      <p:sp>
+        <p:nvSpPr>
+          <p:cNvPr id="48" name="矩形 47"/>
+          <p:cNvSpPr/>
+          <p:nvPr/>
+        </p:nvSpPr>
+        <p:spPr>
+          <a:xfrm>
+            <a:off x="4992370" y="2867660"/>
+            <a:ext cx="894715" cy="255270"/>
+          </a:xfrm>
+          <a:prstGeom prst="rect">
+            <a:avLst/>
+          </a:prstGeom>
+        </p:spPr>
+        <p:style>
+          <a:lnRef idx="2">
+            <a:schemeClr val="accent1">
+              <a:shade val="50000"/>
+            </a:schemeClr>
+          </a:lnRef>
+          <a:fillRef idx="1">
+            <a:schemeClr val="accent1"/>
+          </a:fillRef>
+          <a:effectRef idx="0">
+            <a:schemeClr val="accent1"/>
+          </a:effectRef>
+          <a:fontRef idx="minor">
+            <a:schemeClr val="lt1"/>
+          </a:fontRef>
+        </p:style>
+        <p:txBody>
+          <a:bodyPr rtlCol="0" anchor="ctr"/>
+          <a:p>
+            <a:pPr algn="ctr"/>
+            <a:endParaRPr lang="zh-CN" altLang="en-US"/>
+          </a:p>
+        </p:txBody>
+      </p:sp>
+      <p:sp>
+        <p:nvSpPr>
+          <p:cNvPr id="49" name="矩形 48"/>
+          <p:cNvSpPr/>
+          <p:nvPr/>
+        </p:nvSpPr>
+        <p:spPr>
+          <a:xfrm>
+            <a:off x="5996940" y="3032125"/>
+            <a:ext cx="894715" cy="255270"/>
+          </a:xfrm>
+          <a:prstGeom prst="rect">
+            <a:avLst/>
+          </a:prstGeom>
+        </p:spPr>
+        <p:style>
+          <a:lnRef idx="2">
+            <a:schemeClr val="accent1">
+              <a:shade val="50000"/>
+            </a:schemeClr>
+          </a:lnRef>
+          <a:fillRef idx="1">
+            <a:schemeClr val="accent1"/>
+          </a:fillRef>
+          <a:effectRef idx="0">
+            <a:schemeClr val="accent1"/>
+          </a:effectRef>
+          <a:fontRef idx="minor">
+            <a:schemeClr val="lt1"/>
+          </a:fontRef>
+        </p:style>
+        <p:txBody>
+          <a:bodyPr rtlCol="0" anchor="ctr"/>
+          <a:p>
+            <a:pPr algn="ctr"/>
+            <a:endParaRPr lang="zh-CN" altLang="en-US"/>
+          </a:p>
+        </p:txBody>
+      </p:sp>
+      <p:sp>
+        <p:nvSpPr>
+          <p:cNvPr id="50" name="矩形 49"/>
+          <p:cNvSpPr/>
+          <p:nvPr/>
+        </p:nvSpPr>
+        <p:spPr>
+          <a:xfrm>
+            <a:off x="5996940" y="2658745"/>
+            <a:ext cx="894715" cy="255270"/>
+          </a:xfrm>
+          <a:prstGeom prst="rect">
+            <a:avLst/>
+          </a:prstGeom>
+        </p:spPr>
+        <p:style>
+          <a:lnRef idx="2">
+            <a:schemeClr val="accent1">
+              <a:shade val="50000"/>
+            </a:schemeClr>
+          </a:lnRef>
+          <a:fillRef idx="1">
+            <a:schemeClr val="accent1"/>
+          </a:fillRef>
+          <a:effectRef idx="0">
+            <a:schemeClr val="accent1"/>
+          </a:effectRef>
+          <a:fontRef idx="minor">
+            <a:schemeClr val="lt1"/>
+          </a:fontRef>
+        </p:style>
+        <p:txBody>
+          <a:bodyPr rtlCol="0" anchor="ctr"/>
+          <a:p>
+            <a:pPr algn="ctr"/>
+            <a:endParaRPr lang="zh-CN" altLang="en-US"/>
+          </a:p>
+        </p:txBody>
+      </p:sp>
+      <p:sp>
+        <p:nvSpPr>
+          <p:cNvPr id="51" name="文本框 50"/>
+          <p:cNvSpPr txBox="1"/>
+          <p:nvPr/>
+        </p:nvSpPr>
+        <p:spPr>
+          <a:xfrm>
+            <a:off x="4170045" y="3484245"/>
+            <a:ext cx="3606800" cy="158750"/>
+          </a:xfrm>
+          <a:prstGeom prst="rect">
+            <a:avLst/>
+          </a:prstGeom>
+          <a:noFill/>
+          <a:ln>
+            <a:solidFill>
+              <a:schemeClr val="bg1">
+                <a:lumMod val="50000"/>
+              </a:schemeClr>
+            </a:solidFill>
+            <a:prstDash val="dash"/>
+          </a:ln>
+        </p:spPr>
+        <p:txBody>
+          <a:bodyPr wrap="square" lIns="0" tIns="0" rIns="0" bIns="0" rtlCol="0">
+            <a:noAutofit/>
+          </a:bodyPr>
+          <a:p>
+            <a:pPr algn="ctr"/>
+            <a:r>
+              <a:rPr lang="en-US" altLang="zh-CN" sz="1200" dirty="0" err="1" smtClean="0"/>
+              <a:t>Pannel</a:t>
+            </a:r>
+            <a:r>
+              <a:rPr lang="en-US" altLang="zh-CN" sz="1200" dirty="0" smtClean="0"/>
+              <a:t> Title</a:t>
+            </a:r>
+            <a:endParaRPr lang="en-US" altLang="zh-CN" sz="1200" dirty="0" smtClean="0"/>
+          </a:p>
+        </p:txBody>
+      </p:sp>
+      <p:sp>
+        <p:nvSpPr>
+          <p:cNvPr id="52" name="矩形 51"/>
+          <p:cNvSpPr/>
+          <p:nvPr/>
+        </p:nvSpPr>
+        <p:spPr>
+          <a:xfrm>
+            <a:off x="6994525" y="2548890"/>
+            <a:ext cx="671195" cy="892175"/>
+          </a:xfrm>
+          <a:prstGeom prst="rect">
+            <a:avLst/>
+          </a:prstGeom>
+        </p:spPr>
+        <p:style>
+          <a:lnRef idx="2">
+            <a:schemeClr val="accent1">
+              <a:shade val="50000"/>
+            </a:schemeClr>
+          </a:lnRef>
+          <a:fillRef idx="1">
+            <a:schemeClr val="accent1"/>
+          </a:fillRef>
+          <a:effectRef idx="0">
+            <a:schemeClr val="accent1"/>
+          </a:effectRef>
+          <a:fontRef idx="minor">
+            <a:schemeClr val="lt1"/>
+          </a:fontRef>
+        </p:style>
+        <p:txBody>
+          <a:bodyPr rtlCol="0" anchor="ctr"/>
+          <a:p>
+            <a:pPr algn="ctr"/>
+            <a:endParaRPr lang="zh-CN" altLang="en-US"/>
+          </a:p>
+        </p:txBody>
+      </p:sp>
+      <p:cxnSp>
+        <p:nvCxnSpPr>
+          <p:cNvPr id="41" name="直接箭头连接符 40"/>
+          <p:cNvCxnSpPr>
+            <a:stCxn id="40" idx="0"/>
+            <a:endCxn id="3" idx="2"/>
+          </p:cNvCxnSpPr>
+          <p:nvPr/>
+        </p:nvCxnSpPr>
+        <p:spPr>
+          <a:xfrm flipV="1">
+            <a:off x="4043045" y="2455545"/>
+            <a:ext cx="277495" cy="1523365"/>
+          </a:xfrm>
+          <a:prstGeom prst="straightConnector1">
+            <a:avLst/>
+          </a:prstGeom>
+          <a:ln>
+            <a:solidFill>
+              <a:schemeClr val="tx1"/>
+            </a:solidFill>
+            <a:tailEnd type="arrow"/>
+          </a:ln>
+        </p:spPr>
+        <p:style>
+          <a:lnRef idx="1">
+            <a:schemeClr val="accent1"/>
+          </a:lnRef>
+          <a:fillRef idx="0">
+            <a:schemeClr val="accent1"/>
+          </a:fillRef>
+          <a:effectRef idx="0">
+            <a:schemeClr val="accent1"/>
+          </a:effectRef>
+          <a:fontRef idx="minor">
+            <a:schemeClr val="tx1"/>
+          </a:fontRef>
+        </p:style>
+      </p:cxnSp>
+      <p:sp>
+        <p:nvSpPr>
+          <p:cNvPr id="53" name="矩形 52"/>
+          <p:cNvSpPr/>
+          <p:nvPr/>
+        </p:nvSpPr>
+        <p:spPr>
+          <a:xfrm>
+            <a:off x="6208396" y="3979049"/>
+            <a:ext cx="828675" cy="368300"/>
+          </a:xfrm>
+          <a:prstGeom prst="rect">
+            <a:avLst/>
+          </a:prstGeom>
+        </p:spPr>
+        <p:txBody>
+          <a:bodyPr wrap="none">
+            <a:spAutoFit/>
+          </a:bodyPr>
+          <a:p>
+            <a:pPr algn="l"/>
+            <a:r>
+              <a:rPr lang="en-US" altLang="zh-CN" b="1" dirty="0" err="1" smtClean="0">
+                <a:solidFill>
+                  <a:schemeClr val="accent1">
+                    <a:lumMod val="75000"/>
+                  </a:schemeClr>
+                </a:solidFill>
+                <a:effectLst/>
+              </a:rPr>
+              <a:t>Pannel</a:t>
+            </a:r>
+            <a:endParaRPr lang="en-US" altLang="zh-CN" b="1" dirty="0" err="1" smtClean="0">
+              <a:solidFill>
+                <a:schemeClr val="accent1">
+                  <a:lumMod val="75000"/>
+                </a:schemeClr>
+              </a:solidFill>
+              <a:effectLst/>
+            </a:endParaRPr>
+          </a:p>
+        </p:txBody>
+      </p:sp>
+      <p:cxnSp>
+        <p:nvCxnSpPr>
+          <p:cNvPr id="54" name="直接箭头连接符 53"/>
+          <p:cNvCxnSpPr>
+            <a:stCxn id="53" idx="0"/>
+          </p:cNvCxnSpPr>
+          <p:nvPr/>
+        </p:nvCxnSpPr>
+        <p:spPr>
+          <a:xfrm flipV="1">
+            <a:off x="6623050" y="3644265"/>
+            <a:ext cx="100330" cy="334645"/>
+          </a:xfrm>
+          <a:prstGeom prst="straightConnector1">
+            <a:avLst/>
+          </a:prstGeom>
+          <a:ln>
+            <a:tailEnd type="arrow"/>
+          </a:ln>
+        </p:spPr>
+        <p:style>
+          <a:lnRef idx="1">
+            <a:schemeClr val="accent1"/>
+          </a:lnRef>
+          <a:fillRef idx="0">
+            <a:schemeClr val="accent1"/>
+          </a:fillRef>
+          <a:effectRef idx="0">
+            <a:schemeClr val="accent1"/>
+          </a:effectRef>
+          <a:fontRef idx="minor">
+            <a:schemeClr val="tx1"/>
+          </a:fontRef>
+        </p:style>
+      </p:cxnSp>
+      <p:sp>
+        <p:nvSpPr>
+          <p:cNvPr id="55" name="文本框 54"/>
+          <p:cNvSpPr txBox="1"/>
+          <p:nvPr/>
+        </p:nvSpPr>
+        <p:spPr>
+          <a:xfrm>
+            <a:off x="4053840" y="137795"/>
+            <a:ext cx="5345430" cy="368300"/>
+          </a:xfrm>
+          <a:prstGeom prst="rect">
+            <a:avLst/>
+          </a:prstGeom>
+        </p:spPr>
+        <p:style>
+          <a:lnRef idx="2">
+            <a:schemeClr val="dk1"/>
+          </a:lnRef>
+          <a:fillRef idx="1">
+            <a:schemeClr val="lt1"/>
+          </a:fillRef>
+          <a:effectRef idx="0">
+            <a:schemeClr val="dk1"/>
+          </a:effectRef>
+          <a:fontRef idx="minor">
+            <a:schemeClr val="dk1"/>
+          </a:fontRef>
+        </p:style>
+        <p:txBody>
+          <a:bodyPr wrap="square" rtlCol="0" anchor="t">
+            <a:spAutoFit/>
+          </a:bodyPr>
+          <a:p>
+            <a:pPr algn="ctr"/>
+            <a:r>
+              <a:rPr lang="zh-CN" altLang="en-US" b="1">
+                <a:latin typeface="微软雅黑" panose="020B0503020204020204" pitchFamily="34" charset="-122"/>
+                <a:ea typeface="微软雅黑" panose="020B0503020204020204" pitchFamily="34" charset="-122"/>
+                <a:cs typeface="微软雅黑" panose="020B0503020204020204" pitchFamily="34" charset="-122"/>
+              </a:rPr>
+              <a:t>SARibbonBar</a:t>
+            </a:r>
+            <a:r>
+              <a:rPr lang="en-US" altLang="zh-CN" b="1">
+                <a:latin typeface="微软雅黑" panose="020B0503020204020204" pitchFamily="34" charset="-122"/>
+                <a:ea typeface="微软雅黑" panose="020B0503020204020204" pitchFamily="34" charset="-122"/>
+                <a:cs typeface="微软雅黑" panose="020B0503020204020204" pitchFamily="34" charset="-122"/>
+              </a:rPr>
+              <a:t>::</a:t>
+            </a:r>
+            <a:r>
+              <a:rPr lang="zh-CN" altLang="en-US" b="1">
+                <a:latin typeface="微软雅黑" panose="020B0503020204020204" pitchFamily="34" charset="-122"/>
+                <a:ea typeface="微软雅黑" panose="020B0503020204020204" pitchFamily="34" charset="-122"/>
+                <a:cs typeface="微软雅黑" panose="020B0503020204020204" pitchFamily="34" charset="-122"/>
+              </a:rPr>
+              <a:t>OfficeStyle 尺寸定位</a:t>
+            </a:r>
+            <a:endParaRPr lang="zh-CN" altLang="en-US" b="1">
+              <a:latin typeface="微软雅黑" panose="020B0503020204020204" pitchFamily="34" charset="-122"/>
+              <a:ea typeface="微软雅黑" panose="020B0503020204020204" pitchFamily="34" charset="-122"/>
+              <a:cs typeface="微软雅黑" panose="020B0503020204020204" pitchFamily="34" charset="-122"/>
+            </a:endParaRPr>
+          </a:p>
+        </p:txBody>
+      </p:sp>
+      <p:sp>
+        <p:nvSpPr>
+          <p:cNvPr id="5" name="矩形 4"/>
+          <p:cNvSpPr/>
+          <p:nvPr/>
+        </p:nvSpPr>
+        <p:spPr>
+          <a:xfrm>
+            <a:off x="4113530" y="2000250"/>
+            <a:ext cx="287655" cy="241935"/>
+          </a:xfrm>
+          <a:prstGeom prst="rect">
+            <a:avLst/>
+          </a:prstGeom>
+        </p:spPr>
+        <p:style>
+          <a:lnRef idx="2">
+            <a:schemeClr val="accent4">
+              <a:shade val="50000"/>
+            </a:schemeClr>
+          </a:lnRef>
+          <a:fillRef idx="1">
+            <a:schemeClr val="accent4"/>
+          </a:fillRef>
+          <a:effectRef idx="0">
+            <a:schemeClr val="accent4"/>
+          </a:effectRef>
+          <a:fontRef idx="minor">
+            <a:schemeClr val="lt1"/>
+          </a:fontRef>
+        </p:style>
+        <p:txBody>
+          <a:bodyPr rtlCol="0" anchor="ctr"/>
+          <a:p>
+            <a:pPr algn="ctr"/>
+            <a:endParaRPr lang="zh-CN" altLang="en-US"/>
+          </a:p>
+        </p:txBody>
+      </p:sp>
+      <p:sp>
+        <p:nvSpPr>
+          <p:cNvPr id="6" name="矩形 5"/>
+          <p:cNvSpPr/>
+          <p:nvPr/>
+        </p:nvSpPr>
+        <p:spPr>
+          <a:xfrm>
+            <a:off x="4792980" y="1084580"/>
+            <a:ext cx="3678555" cy="368300"/>
+          </a:xfrm>
+          <a:prstGeom prst="rect">
+            <a:avLst/>
+          </a:prstGeom>
+        </p:spPr>
+        <p:txBody>
+          <a:bodyPr wrap="none" rtlCol="0" anchor="t">
+            <a:spAutoFit/>
+          </a:bodyPr>
+          <a:p>
+            <a:pPr lvl="0" algn="l">
+              <a:buClrTx/>
+              <a:buSzTx/>
+              <a:buFontTx/>
+            </a:pPr>
+            <a:r>
+              <a:rPr lang="en-US" altLang="zh-CN" b="1" dirty="0" err="1" smtClean="0">
+                <a:solidFill>
+                  <a:schemeClr val="accent1">
+                    <a:lumMod val="75000"/>
+                  </a:schemeClr>
+                </a:solidFill>
+                <a:effectLst/>
+                <a:sym typeface="+mn-ea"/>
+              </a:rPr>
+              <a:t>2</a:t>
+            </a:r>
+            <a:r>
+              <a:rPr lang="zh-CN" altLang="en-US" b="1" dirty="0" err="1" smtClean="0">
+                <a:solidFill>
+                  <a:schemeClr val="accent1">
+                    <a:lumMod val="75000"/>
+                  </a:schemeClr>
+                </a:solidFill>
+                <a:effectLst/>
+                <a:sym typeface="+mn-ea"/>
+              </a:rPr>
+              <a:t>、</a:t>
+            </a:r>
+            <a:r>
+              <a:rPr lang="en-US" altLang="zh-CN" b="1" dirty="0" err="1" smtClean="0">
+                <a:solidFill>
+                  <a:schemeClr val="accent1">
+                    <a:lumMod val="75000"/>
+                  </a:schemeClr>
+                </a:solidFill>
+                <a:effectLst/>
+                <a:sym typeface="+mn-ea"/>
+              </a:rPr>
+              <a:t>cornerWidget(Qt::TopLeftCorner)</a:t>
+            </a:r>
+            <a:endParaRPr lang="en-US" altLang="zh-CN" b="1" dirty="0" err="1" smtClean="0">
+              <a:solidFill>
+                <a:schemeClr val="accent1">
+                  <a:lumMod val="75000"/>
+                </a:schemeClr>
+              </a:solidFill>
+              <a:effectLst/>
+              <a:sym typeface="+mn-ea"/>
+            </a:endParaRPr>
+          </a:p>
+        </p:txBody>
+      </p:sp>
+      <p:cxnSp>
+        <p:nvCxnSpPr>
+          <p:cNvPr id="8" name="直接箭头连接符 7"/>
+          <p:cNvCxnSpPr>
+            <a:endCxn id="28" idx="0"/>
+          </p:cNvCxnSpPr>
+          <p:nvPr/>
+        </p:nvCxnSpPr>
+        <p:spPr>
+          <a:xfrm>
+            <a:off x="4587875" y="1459230"/>
+            <a:ext cx="6350" cy="548005"/>
+          </a:xfrm>
+          <a:prstGeom prst="straightConnector1">
+            <a:avLst/>
+          </a:prstGeom>
+          <a:ln>
+            <a:tailEnd type="arrow"/>
+          </a:ln>
+        </p:spPr>
+        <p:style>
+          <a:lnRef idx="1">
+            <a:schemeClr val="accent1"/>
+          </a:lnRef>
+          <a:fillRef idx="0">
+            <a:schemeClr val="accent1"/>
+          </a:fillRef>
+          <a:effectRef idx="0">
+            <a:schemeClr val="accent1"/>
+          </a:effectRef>
+          <a:fontRef idx="minor">
+            <a:schemeClr val="tx1"/>
+          </a:fontRef>
+        </p:style>
+      </p:cxnSp>
+      <p:sp>
+        <p:nvSpPr>
+          <p:cNvPr id="9" name="文本框 8"/>
+          <p:cNvSpPr txBox="1"/>
+          <p:nvPr/>
+        </p:nvSpPr>
+        <p:spPr>
+          <a:xfrm>
+            <a:off x="229235" y="1452880"/>
+            <a:ext cx="3220085" cy="368300"/>
+          </a:xfrm>
+          <a:prstGeom prst="rect">
+            <a:avLst/>
+          </a:prstGeom>
+          <a:noFill/>
+        </p:spPr>
+        <p:txBody>
+          <a:bodyPr wrap="square" rtlCol="0">
+            <a:spAutoFit/>
+          </a:bodyPr>
+          <a:p>
+            <a:r>
+              <a:rPr lang="zh-CN" altLang="en-US">
+                <a:latin typeface="微软雅黑" panose="020B0503020204020204" pitchFamily="34" charset="-122"/>
+                <a:ea typeface="微软雅黑" panose="020B0503020204020204" pitchFamily="34" charset="-122"/>
+              </a:rPr>
+              <a:t>一般为图标，如果存在会显示</a:t>
+            </a:r>
+            <a:endParaRPr lang="zh-CN" altLang="en-US">
+              <a:latin typeface="微软雅黑" panose="020B0503020204020204" pitchFamily="34" charset="-122"/>
+              <a:ea typeface="微软雅黑" panose="020B0503020204020204" pitchFamily="34" charset="-122"/>
+            </a:endParaRPr>
+          </a:p>
+        </p:txBody>
+      </p:sp>
+      <p:sp>
+        <p:nvSpPr>
+          <p:cNvPr id="11" name="文本框 10"/>
+          <p:cNvSpPr txBox="1"/>
+          <p:nvPr/>
+        </p:nvSpPr>
+        <p:spPr>
+          <a:xfrm>
+            <a:off x="1607185" y="1933575"/>
+            <a:ext cx="1578610" cy="368300"/>
+          </a:xfrm>
+          <a:prstGeom prst="rect">
+            <a:avLst/>
+          </a:prstGeom>
+          <a:noFill/>
+        </p:spPr>
+        <p:txBody>
+          <a:bodyPr wrap="square" rtlCol="0" anchor="t">
+            <a:spAutoFit/>
+          </a:bodyPr>
+          <a:p>
+            <a:r>
+              <a:rPr lang="zh-CN" altLang="en-US">
+                <a:solidFill>
+                  <a:schemeClr val="accent2">
+                    <a:lumMod val="75000"/>
+                  </a:schemeClr>
+                </a:solidFill>
+              </a:rPr>
+              <a:t>titleBarHeight</a:t>
+            </a:r>
+            <a:endParaRPr lang="zh-CN" altLang="en-US">
+              <a:solidFill>
+                <a:schemeClr val="accent2">
+                  <a:lumMod val="75000"/>
+                </a:schemeClr>
+              </a:solidFill>
+            </a:endParaRPr>
+          </a:p>
+        </p:txBody>
+      </p:sp>
+      <p:cxnSp>
+        <p:nvCxnSpPr>
+          <p:cNvPr id="12" name="直接连接符 11"/>
+          <p:cNvCxnSpPr/>
+          <p:nvPr/>
+        </p:nvCxnSpPr>
+        <p:spPr>
+          <a:xfrm flipH="1">
+            <a:off x="1244600" y="2006600"/>
+            <a:ext cx="2798445" cy="0"/>
+          </a:xfrm>
+          <a:prstGeom prst="line">
+            <a:avLst/>
+          </a:prstGeom>
+          <a:ln>
+            <a:solidFill>
+              <a:schemeClr val="bg1">
+                <a:lumMod val="50000"/>
+              </a:schemeClr>
+            </a:solidFill>
+          </a:ln>
+        </p:spPr>
+        <p:style>
+          <a:lnRef idx="1">
+            <a:schemeClr val="accent1"/>
+          </a:lnRef>
+          <a:fillRef idx="0">
+            <a:schemeClr val="accent1"/>
+          </a:fillRef>
+          <a:effectRef idx="0">
+            <a:schemeClr val="accent1"/>
+          </a:effectRef>
+          <a:fontRef idx="minor">
+            <a:schemeClr val="tx1"/>
+          </a:fontRef>
+        </p:style>
+      </p:cxnSp>
+      <p:cxnSp>
+        <p:nvCxnSpPr>
+          <p:cNvPr id="14" name="直接连接符 13"/>
+          <p:cNvCxnSpPr/>
+          <p:nvPr/>
+        </p:nvCxnSpPr>
+        <p:spPr>
+          <a:xfrm flipH="1">
+            <a:off x="3177540" y="2249805"/>
+            <a:ext cx="857250" cy="0"/>
+          </a:xfrm>
+          <a:prstGeom prst="line">
+            <a:avLst/>
+          </a:prstGeom>
+          <a:ln>
+            <a:solidFill>
+              <a:schemeClr val="bg1">
+                <a:lumMod val="50000"/>
+              </a:schemeClr>
+            </a:solidFill>
+          </a:ln>
+        </p:spPr>
+        <p:style>
+          <a:lnRef idx="1">
+            <a:schemeClr val="accent1"/>
+          </a:lnRef>
+          <a:fillRef idx="0">
+            <a:schemeClr val="accent1"/>
+          </a:fillRef>
+          <a:effectRef idx="0">
+            <a:schemeClr val="accent1"/>
+          </a:effectRef>
+          <a:fontRef idx="minor">
+            <a:schemeClr val="tx1"/>
+          </a:fontRef>
+        </p:style>
+      </p:cxnSp>
+      <p:cxnSp>
+        <p:nvCxnSpPr>
+          <p:cNvPr id="15" name="直接箭头连接符 14"/>
+          <p:cNvCxnSpPr/>
+          <p:nvPr/>
+        </p:nvCxnSpPr>
+        <p:spPr>
+          <a:xfrm flipH="1">
+            <a:off x="3265805" y="1993900"/>
+            <a:ext cx="4445" cy="255905"/>
+          </a:xfrm>
+          <a:prstGeom prst="straightConnector1">
+            <a:avLst/>
+          </a:prstGeom>
+          <a:ln>
+            <a:solidFill>
+              <a:schemeClr val="bg1">
+                <a:lumMod val="50000"/>
+              </a:schemeClr>
+            </a:solidFill>
+            <a:headEnd type="arrow" w="med" len="med"/>
+            <a:tailEnd type="arrow" w="med" len="med"/>
+          </a:ln>
+        </p:spPr>
+        <p:style>
+          <a:lnRef idx="1">
+            <a:schemeClr val="accent1"/>
+          </a:lnRef>
+          <a:fillRef idx="0">
+            <a:schemeClr val="accent1"/>
+          </a:fillRef>
+          <a:effectRef idx="0">
+            <a:schemeClr val="accent1"/>
+          </a:effectRef>
+          <a:fontRef idx="minor">
+            <a:schemeClr val="tx1"/>
+          </a:fontRef>
+        </p:style>
+      </p:cxnSp>
+      <p:cxnSp>
+        <p:nvCxnSpPr>
+          <p:cNvPr id="17" name="直接连接符 16"/>
+          <p:cNvCxnSpPr/>
+          <p:nvPr/>
+        </p:nvCxnSpPr>
+        <p:spPr>
+          <a:xfrm flipH="1">
+            <a:off x="3177540" y="2455545"/>
+            <a:ext cx="857250" cy="0"/>
+          </a:xfrm>
+          <a:prstGeom prst="line">
+            <a:avLst/>
+          </a:prstGeom>
+          <a:ln>
+            <a:solidFill>
+              <a:schemeClr val="bg1">
+                <a:lumMod val="50000"/>
+              </a:schemeClr>
+            </a:solidFill>
+          </a:ln>
+        </p:spPr>
+        <p:style>
+          <a:lnRef idx="1">
+            <a:schemeClr val="accent1"/>
+          </a:lnRef>
+          <a:fillRef idx="0">
+            <a:schemeClr val="accent1"/>
+          </a:fillRef>
+          <a:effectRef idx="0">
+            <a:schemeClr val="accent1"/>
+          </a:effectRef>
+          <a:fontRef idx="minor">
+            <a:schemeClr val="tx1"/>
+          </a:fontRef>
+        </p:style>
+      </p:cxnSp>
+      <p:cxnSp>
+        <p:nvCxnSpPr>
+          <p:cNvPr id="18" name="直接箭头连接符 17"/>
+          <p:cNvCxnSpPr/>
+          <p:nvPr/>
+        </p:nvCxnSpPr>
+        <p:spPr>
+          <a:xfrm>
+            <a:off x="3270250" y="2242185"/>
+            <a:ext cx="0" cy="207010"/>
+          </a:xfrm>
+          <a:prstGeom prst="straightConnector1">
+            <a:avLst/>
+          </a:prstGeom>
+          <a:ln>
+            <a:solidFill>
+              <a:schemeClr val="bg1">
+                <a:lumMod val="50000"/>
+              </a:schemeClr>
+            </a:solidFill>
+            <a:headEnd type="arrow" w="med" len="med"/>
+            <a:tailEnd type="arrow" w="med" len="med"/>
+          </a:ln>
+        </p:spPr>
+        <p:style>
+          <a:lnRef idx="1">
+            <a:schemeClr val="accent1"/>
+          </a:lnRef>
+          <a:fillRef idx="0">
+            <a:schemeClr val="accent1"/>
+          </a:fillRef>
+          <a:effectRef idx="0">
+            <a:schemeClr val="accent1"/>
+          </a:effectRef>
+          <a:fontRef idx="minor">
+            <a:schemeClr val="tx1"/>
+          </a:fontRef>
+        </p:style>
+      </p:cxnSp>
+      <p:sp>
+        <p:nvSpPr>
+          <p:cNvPr id="19" name="文本框 18"/>
+          <p:cNvSpPr txBox="1"/>
+          <p:nvPr/>
+        </p:nvSpPr>
+        <p:spPr>
+          <a:xfrm>
+            <a:off x="1598930" y="2168525"/>
+            <a:ext cx="1578610" cy="368300"/>
+          </a:xfrm>
+          <a:prstGeom prst="rect">
+            <a:avLst/>
+          </a:prstGeom>
+          <a:noFill/>
+        </p:spPr>
+        <p:txBody>
+          <a:bodyPr wrap="square" rtlCol="0" anchor="t">
+            <a:spAutoFit/>
+          </a:bodyPr>
+          <a:p>
+            <a:r>
+              <a:rPr lang="zh-CN" altLang="en-US">
+                <a:solidFill>
+                  <a:schemeClr val="accent2">
+                    <a:lumMod val="75000"/>
+                  </a:schemeClr>
+                </a:solidFill>
+              </a:rPr>
+              <a:t>t</a:t>
+            </a:r>
+            <a:r>
+              <a:rPr lang="en-US" altLang="zh-CN">
+                <a:solidFill>
+                  <a:schemeClr val="accent2">
+                    <a:lumMod val="75000"/>
+                  </a:schemeClr>
+                </a:solidFill>
+              </a:rPr>
+              <a:t>ab</a:t>
+            </a:r>
+            <a:r>
+              <a:rPr lang="zh-CN" altLang="en-US">
+                <a:solidFill>
+                  <a:schemeClr val="accent2">
+                    <a:lumMod val="75000"/>
+                  </a:schemeClr>
+                </a:solidFill>
+              </a:rPr>
+              <a:t>BarHeight</a:t>
+            </a:r>
+            <a:endParaRPr lang="zh-CN" altLang="en-US">
+              <a:solidFill>
+                <a:schemeClr val="accent2">
+                  <a:lumMod val="75000"/>
+                </a:schemeClr>
+              </a:solidFill>
+            </a:endParaRPr>
+          </a:p>
+        </p:txBody>
+      </p:sp>
+      <p:cxnSp>
+        <p:nvCxnSpPr>
+          <p:cNvPr id="20" name="直接连接符 19"/>
+          <p:cNvCxnSpPr/>
+          <p:nvPr/>
+        </p:nvCxnSpPr>
+        <p:spPr>
+          <a:xfrm flipH="1" flipV="1">
+            <a:off x="1226820" y="3697605"/>
+            <a:ext cx="2729230" cy="6985"/>
+          </a:xfrm>
+          <a:prstGeom prst="line">
+            <a:avLst/>
+          </a:prstGeom>
+          <a:ln>
+            <a:solidFill>
+              <a:schemeClr val="bg1">
+                <a:lumMod val="50000"/>
+              </a:schemeClr>
+            </a:solidFill>
+          </a:ln>
+        </p:spPr>
+        <p:style>
+          <a:lnRef idx="1">
+            <a:schemeClr val="accent1"/>
+          </a:lnRef>
+          <a:fillRef idx="0">
+            <a:schemeClr val="accent1"/>
+          </a:fillRef>
+          <a:effectRef idx="0">
+            <a:schemeClr val="accent1"/>
+          </a:effectRef>
+          <a:fontRef idx="minor">
+            <a:schemeClr val="tx1"/>
+          </a:fontRef>
+        </p:style>
+      </p:cxnSp>
+      <p:cxnSp>
+        <p:nvCxnSpPr>
+          <p:cNvPr id="21" name="直接箭头连接符 20"/>
+          <p:cNvCxnSpPr/>
+          <p:nvPr/>
+        </p:nvCxnSpPr>
+        <p:spPr>
+          <a:xfrm>
+            <a:off x="1517650" y="2006600"/>
+            <a:ext cx="6350" cy="1683385"/>
+          </a:xfrm>
+          <a:prstGeom prst="straightConnector1">
+            <a:avLst/>
+          </a:prstGeom>
+          <a:ln>
+            <a:solidFill>
+              <a:schemeClr val="bg1">
+                <a:lumMod val="50000"/>
+              </a:schemeClr>
+            </a:solidFill>
+            <a:headEnd type="arrow" w="med" len="med"/>
+            <a:tailEnd type="arrow" w="med" len="med"/>
+          </a:ln>
+        </p:spPr>
+        <p:style>
+          <a:lnRef idx="1">
+            <a:schemeClr val="accent1"/>
+          </a:lnRef>
+          <a:fillRef idx="0">
+            <a:schemeClr val="accent1"/>
+          </a:fillRef>
+          <a:effectRef idx="0">
+            <a:schemeClr val="accent1"/>
+          </a:effectRef>
+          <a:fontRef idx="minor">
+            <a:schemeClr val="tx1"/>
+          </a:fontRef>
+        </p:style>
+      </p:cxnSp>
+      <p:sp>
+        <p:nvSpPr>
+          <p:cNvPr id="22" name="文本框 21"/>
+          <p:cNvSpPr txBox="1"/>
+          <p:nvPr/>
+        </p:nvSpPr>
+        <p:spPr>
+          <a:xfrm>
+            <a:off x="556260" y="2754630"/>
+            <a:ext cx="1578610" cy="368300"/>
+          </a:xfrm>
+          <a:prstGeom prst="rect">
+            <a:avLst/>
+          </a:prstGeom>
+          <a:noFill/>
+        </p:spPr>
+        <p:txBody>
+          <a:bodyPr wrap="square" rtlCol="0" anchor="t">
+            <a:spAutoFit/>
+          </a:bodyPr>
+          <a:p>
+            <a:r>
+              <a:rPr>
+                <a:solidFill>
+                  <a:schemeClr val="accent2">
+                    <a:lumMod val="75000"/>
+                  </a:schemeClr>
+                </a:solidFill>
+              </a:rPr>
+              <a:t>mainBarHeight</a:t>
+            </a:r>
+            <a:endParaRPr>
+              <a:solidFill>
+                <a:schemeClr val="accent2">
+                  <a:lumMod val="75000"/>
+                </a:schemeClr>
+              </a:solidFill>
+            </a:endParaRPr>
+          </a:p>
+        </p:txBody>
+      </p:sp>
+      <p:sp>
+        <p:nvSpPr>
+          <p:cNvPr id="23" name="文本框 22"/>
+          <p:cNvSpPr txBox="1"/>
+          <p:nvPr/>
+        </p:nvSpPr>
+        <p:spPr>
+          <a:xfrm>
+            <a:off x="556260" y="3840480"/>
+            <a:ext cx="2006600" cy="645160"/>
+          </a:xfrm>
+          <a:prstGeom prst="rect">
+            <a:avLst/>
+          </a:prstGeom>
+          <a:noFill/>
+        </p:spPr>
+        <p:txBody>
+          <a:bodyPr wrap="square" rtlCol="0">
+            <a:spAutoFit/>
+          </a:bodyPr>
+          <a:p>
+            <a:r>
+              <a:rPr lang="en-US" altLang="zh-CN">
+                <a:latin typeface="微软雅黑" panose="020B0503020204020204" pitchFamily="34" charset="-122"/>
+                <a:ea typeface="微软雅黑" panose="020B0503020204020204" pitchFamily="34" charset="-122"/>
+                <a:cs typeface="微软雅黑" panose="020B0503020204020204" pitchFamily="34" charset="-122"/>
+              </a:rPr>
+              <a:t>1</a:t>
+            </a:r>
+            <a:r>
+              <a:rPr lang="zh-CN" altLang="en-US">
+                <a:latin typeface="微软雅黑" panose="020B0503020204020204" pitchFamily="34" charset="-122"/>
+                <a:ea typeface="微软雅黑" panose="020B0503020204020204" pitchFamily="34" charset="-122"/>
+                <a:cs typeface="微软雅黑" panose="020B0503020204020204" pitchFamily="34" charset="-122"/>
+              </a:rPr>
+              <a:t>、垂直方向通过三个高度确定</a:t>
+            </a:r>
+            <a:endParaRPr lang="zh-CN" altLang="en-US">
+              <a:latin typeface="微软雅黑" panose="020B0503020204020204" pitchFamily="34" charset="-122"/>
+              <a:ea typeface="微软雅黑" panose="020B0503020204020204" pitchFamily="34" charset="-122"/>
+              <a:cs typeface="微软雅黑" panose="020B0503020204020204" pitchFamily="34" charset="-122"/>
+            </a:endParaRPr>
+          </a:p>
+        </p:txBody>
+      </p:sp>
+      <p:sp>
+        <p:nvSpPr>
+          <p:cNvPr id="25" name="文本框 24"/>
+          <p:cNvSpPr txBox="1"/>
+          <p:nvPr/>
+        </p:nvSpPr>
+        <p:spPr>
+          <a:xfrm>
+            <a:off x="4211955" y="1576070"/>
+            <a:ext cx="443865" cy="245110"/>
+          </a:xfrm>
+          <a:prstGeom prst="rect">
+            <a:avLst/>
+          </a:prstGeom>
+          <a:noFill/>
+        </p:spPr>
+        <p:txBody>
+          <a:bodyPr wrap="square" rtlCol="0">
+            <a:spAutoFit/>
+          </a:bodyPr>
+          <a:p>
+            <a:r>
+              <a:rPr lang="en-US" altLang="zh-CN" sz="1000"/>
+              <a:t>5px</a:t>
+            </a:r>
+            <a:endParaRPr lang="en-US" altLang="zh-CN" sz="1000"/>
+          </a:p>
+        </p:txBody>
+      </p:sp>
+      <p:cxnSp>
+        <p:nvCxnSpPr>
+          <p:cNvPr id="27" name="直接箭头连接符 26"/>
+          <p:cNvCxnSpPr>
+            <a:stCxn id="25" idx="2"/>
+          </p:cNvCxnSpPr>
+          <p:nvPr/>
+        </p:nvCxnSpPr>
+        <p:spPr>
+          <a:xfrm flipH="1">
+            <a:off x="4431030" y="1821180"/>
+            <a:ext cx="3175" cy="104775"/>
+          </a:xfrm>
+          <a:prstGeom prst="straightConnector1">
+            <a:avLst/>
+          </a:prstGeom>
+          <a:ln>
+            <a:solidFill>
+              <a:schemeClr val="bg1">
+                <a:lumMod val="50000"/>
+              </a:schemeClr>
+            </a:solidFill>
+            <a:tailEnd type="arrow"/>
+          </a:ln>
+        </p:spPr>
+        <p:style>
+          <a:lnRef idx="1">
+            <a:schemeClr val="accent1"/>
+          </a:lnRef>
+          <a:fillRef idx="0">
+            <a:schemeClr val="accent1"/>
+          </a:fillRef>
+          <a:effectRef idx="0">
+            <a:schemeClr val="accent1"/>
+          </a:effectRef>
+          <a:fontRef idx="minor">
+            <a:schemeClr val="tx1"/>
+          </a:fontRef>
+        </p:style>
+      </p:cxnSp>
+      <p:sp>
+        <p:nvSpPr>
+          <p:cNvPr id="28" name="矩形 27"/>
+          <p:cNvSpPr/>
+          <p:nvPr/>
+        </p:nvSpPr>
+        <p:spPr>
+          <a:xfrm>
+            <a:off x="4450080" y="2007235"/>
+            <a:ext cx="287655" cy="234950"/>
+          </a:xfrm>
+          <a:prstGeom prst="rect">
+            <a:avLst/>
+          </a:prstGeom>
+        </p:spPr>
+        <p:style>
+          <a:lnRef idx="2">
+            <a:schemeClr val="accent6">
+              <a:shade val="50000"/>
+            </a:schemeClr>
+          </a:lnRef>
+          <a:fillRef idx="1">
+            <a:schemeClr val="accent6"/>
+          </a:fillRef>
+          <a:effectRef idx="0">
+            <a:schemeClr val="accent6"/>
+          </a:effectRef>
+          <a:fontRef idx="minor">
+            <a:schemeClr val="lt1"/>
+          </a:fontRef>
+        </p:style>
+        <p:txBody>
+          <a:bodyPr rtlCol="0" anchor="ctr"/>
+          <a:p>
+            <a:pPr algn="ctr"/>
+            <a:endParaRPr lang="zh-CN" altLang="en-US"/>
+          </a:p>
+        </p:txBody>
+      </p:sp>
+      <p:sp>
+        <p:nvSpPr>
+          <p:cNvPr id="31" name="文本框 30"/>
+          <p:cNvSpPr txBox="1"/>
+          <p:nvPr/>
+        </p:nvSpPr>
+        <p:spPr>
+          <a:xfrm>
+            <a:off x="4548505" y="1572260"/>
+            <a:ext cx="443865" cy="245110"/>
+          </a:xfrm>
+          <a:prstGeom prst="rect">
+            <a:avLst/>
+          </a:prstGeom>
+          <a:noFill/>
+        </p:spPr>
+        <p:txBody>
+          <a:bodyPr wrap="square" rtlCol="0">
+            <a:spAutoFit/>
+          </a:bodyPr>
+          <a:p>
+            <a:r>
+              <a:rPr lang="en-US" altLang="zh-CN" sz="1000"/>
+              <a:t>5px</a:t>
+            </a:r>
+            <a:endParaRPr lang="en-US" altLang="zh-CN" sz="1000"/>
+          </a:p>
+        </p:txBody>
+      </p:sp>
+      <p:cxnSp>
+        <p:nvCxnSpPr>
+          <p:cNvPr id="32" name="直接箭头连接符 31"/>
+          <p:cNvCxnSpPr>
+            <a:stCxn id="31" idx="2"/>
+          </p:cNvCxnSpPr>
+          <p:nvPr/>
+        </p:nvCxnSpPr>
+        <p:spPr>
+          <a:xfrm flipH="1">
+            <a:off x="4767580" y="1817370"/>
+            <a:ext cx="3175" cy="104775"/>
+          </a:xfrm>
+          <a:prstGeom prst="straightConnector1">
+            <a:avLst/>
+          </a:prstGeom>
+          <a:ln>
+            <a:solidFill>
+              <a:schemeClr val="bg1">
+                <a:lumMod val="50000"/>
+              </a:schemeClr>
+            </a:solidFill>
+            <a:tailEnd type="arrow"/>
+          </a:ln>
+        </p:spPr>
+        <p:style>
+          <a:lnRef idx="1">
+            <a:schemeClr val="accent1"/>
+          </a:lnRef>
+          <a:fillRef idx="0">
+            <a:schemeClr val="accent1"/>
+          </a:fillRef>
+          <a:effectRef idx="0">
+            <a:schemeClr val="accent1"/>
+          </a:effectRef>
+          <a:fontRef idx="minor">
+            <a:schemeClr val="tx1"/>
+          </a:fontRef>
+        </p:style>
+      </p:cxnSp>
+      <p:cxnSp>
+        <p:nvCxnSpPr>
+          <p:cNvPr id="56" name="直接箭头连接符 55"/>
+          <p:cNvCxnSpPr/>
+          <p:nvPr/>
+        </p:nvCxnSpPr>
+        <p:spPr>
+          <a:xfrm>
+            <a:off x="4248150" y="1390650"/>
+            <a:ext cx="10795" cy="606425"/>
+          </a:xfrm>
+          <a:prstGeom prst="straightConnector1">
+            <a:avLst/>
+          </a:prstGeom>
+          <a:ln>
+            <a:tailEnd type="arrow"/>
+          </a:ln>
+        </p:spPr>
+        <p:style>
+          <a:lnRef idx="1">
+            <a:schemeClr val="accent1"/>
+          </a:lnRef>
+          <a:fillRef idx="0">
+            <a:schemeClr val="accent1"/>
+          </a:fillRef>
+          <a:effectRef idx="0">
+            <a:schemeClr val="accent1"/>
+          </a:effectRef>
+          <a:fontRef idx="minor">
+            <a:schemeClr val="tx1"/>
+          </a:fontRef>
+        </p:style>
+      </p:cxnSp>
+      <p:sp>
+        <p:nvSpPr>
+          <p:cNvPr id="57" name="矩形 56"/>
+          <p:cNvSpPr/>
+          <p:nvPr/>
+        </p:nvSpPr>
+        <p:spPr>
+          <a:xfrm>
+            <a:off x="3395980" y="1096010"/>
+            <a:ext cx="924560" cy="368300"/>
+          </a:xfrm>
+          <a:prstGeom prst="rect">
+            <a:avLst/>
+          </a:prstGeom>
+        </p:spPr>
+        <p:txBody>
+          <a:bodyPr wrap="none" rtlCol="0" anchor="t">
+            <a:spAutoFit/>
+          </a:bodyPr>
+          <a:p>
+            <a:pPr lvl="0" algn="l">
+              <a:buClrTx/>
+              <a:buSzTx/>
+              <a:buFontTx/>
+            </a:pPr>
+            <a:r>
+              <a:rPr lang="en-US" altLang="zh-CN" b="1" dirty="0" err="1" smtClean="0">
+                <a:solidFill>
+                  <a:schemeClr val="accent1">
+                    <a:lumMod val="75000"/>
+                  </a:schemeClr>
+                </a:solidFill>
+                <a:effectLst/>
+                <a:sym typeface="+mn-ea"/>
+              </a:rPr>
+              <a:t>1</a:t>
+            </a:r>
+            <a:r>
+              <a:rPr lang="zh-CN" altLang="en-US" b="1" dirty="0" err="1" smtClean="0">
+                <a:solidFill>
+                  <a:schemeClr val="accent1">
+                    <a:lumMod val="75000"/>
+                  </a:schemeClr>
+                </a:solidFill>
+                <a:effectLst/>
+                <a:sym typeface="+mn-ea"/>
+              </a:rPr>
+              <a:t>、</a:t>
+            </a:r>
+            <a:r>
+              <a:rPr lang="en-US" altLang="zh-CN" b="1" dirty="0" err="1" smtClean="0">
+                <a:solidFill>
+                  <a:schemeClr val="accent1">
+                    <a:lumMod val="75000"/>
+                  </a:schemeClr>
+                </a:solidFill>
+                <a:effectLst/>
+                <a:sym typeface="+mn-ea"/>
+              </a:rPr>
+              <a:t>icon</a:t>
+            </a:r>
+            <a:endParaRPr lang="en-US" altLang="zh-CN" b="1" dirty="0" err="1" smtClean="0">
+              <a:solidFill>
+                <a:schemeClr val="accent1">
+                  <a:lumMod val="75000"/>
+                </a:schemeClr>
+              </a:solidFill>
+              <a:effectLst/>
+              <a:sym typeface="+mn-ea"/>
+            </a:endParaRPr>
+          </a:p>
+        </p:txBody>
+      </p:sp>
+      <p:cxnSp>
+        <p:nvCxnSpPr>
+          <p:cNvPr id="58" name="直接连接符 57"/>
+          <p:cNvCxnSpPr/>
+          <p:nvPr/>
+        </p:nvCxnSpPr>
+        <p:spPr>
+          <a:xfrm>
+            <a:off x="4592320" y="1464310"/>
+            <a:ext cx="285750" cy="0"/>
+          </a:xfrm>
+          <a:prstGeom prst="line">
+            <a:avLst/>
+          </a:prstGeom>
+        </p:spPr>
+        <p:style>
+          <a:lnRef idx="1">
+            <a:schemeClr val="accent1"/>
+          </a:lnRef>
+          <a:fillRef idx="0">
+            <a:schemeClr val="accent1"/>
+          </a:fillRef>
+          <a:effectRef idx="0">
+            <a:schemeClr val="accent1"/>
+          </a:effectRef>
+          <a:fontRef idx="minor">
+            <a:schemeClr val="tx1"/>
+          </a:fontRef>
+        </p:style>
+      </p:cxnSp>
+      <p:sp>
+        <p:nvSpPr>
+          <p:cNvPr id="59" name="文本框 58"/>
+          <p:cNvSpPr txBox="1"/>
+          <p:nvPr/>
+        </p:nvSpPr>
+        <p:spPr>
+          <a:xfrm>
+            <a:off x="6489065" y="1610360"/>
+            <a:ext cx="443865" cy="245110"/>
+          </a:xfrm>
+          <a:prstGeom prst="rect">
+            <a:avLst/>
+          </a:prstGeom>
+          <a:noFill/>
+        </p:spPr>
+        <p:txBody>
+          <a:bodyPr wrap="square" rtlCol="0">
+            <a:spAutoFit/>
+          </a:bodyPr>
+          <a:p>
+            <a:r>
+              <a:rPr lang="en-US" altLang="zh-CN" sz="1000"/>
+              <a:t>1px</a:t>
+            </a:r>
+            <a:endParaRPr lang="en-US" altLang="zh-CN" sz="1000"/>
+          </a:p>
+        </p:txBody>
+      </p:sp>
+      <p:cxnSp>
+        <p:nvCxnSpPr>
+          <p:cNvPr id="60" name="直接箭头连接符 59"/>
+          <p:cNvCxnSpPr>
+            <a:stCxn id="59" idx="2"/>
+          </p:cNvCxnSpPr>
+          <p:nvPr/>
+        </p:nvCxnSpPr>
+        <p:spPr>
+          <a:xfrm flipH="1">
+            <a:off x="6700520" y="1855470"/>
+            <a:ext cx="3175" cy="104775"/>
+          </a:xfrm>
+          <a:prstGeom prst="straightConnector1">
+            <a:avLst/>
+          </a:prstGeom>
+          <a:ln>
+            <a:solidFill>
+              <a:schemeClr val="bg1">
+                <a:lumMod val="50000"/>
+              </a:schemeClr>
+            </a:solidFill>
+            <a:tailEnd type="arrow"/>
+          </a:ln>
+        </p:spPr>
+        <p:style>
+          <a:lnRef idx="1">
+            <a:schemeClr val="accent1"/>
+          </a:lnRef>
+          <a:fillRef idx="0">
+            <a:schemeClr val="accent1"/>
+          </a:fillRef>
+          <a:effectRef idx="0">
+            <a:schemeClr val="accent1"/>
+          </a:effectRef>
+          <a:fontRef idx="minor">
+            <a:schemeClr val="tx1"/>
+          </a:fontRef>
+        </p:style>
+      </p:cxnSp>
+    </p:spTree>
+  </p:cSld>
+  <p:clrMapOvr>
+    <a:masterClrMapping/>
+  </p:clrMapOvr>
+</p:sld>
+</file>
+
+<file path=ppt/slides/slide3.xml><?xml version="1.0" encoding="utf-8"?>
+<p:sld xmlns:a="http://schemas.openxmlformats.org/drawingml/2006/main" xmlns:r="http://schemas.openxmlformats.org/officeDocument/2006/relationships" xmlns:p="http://schemas.openxmlformats.org/presentationml/2006/main">
+  <p:cSld>
+    <p:spTree>
+      <p:nvGrpSpPr>
+        <p:cNvPr id="1" name=""/>
+        <p:cNvGrpSpPr/>
+        <p:nvPr/>
+      </p:nvGrpSpPr>
+      <p:grpSpPr>
+        <a:xfrm>
+          <a:off x="0" y="0"/>
+          <a:ext cx="0" cy="0"/>
+          <a:chOff x="0" y="0"/>
+          <a:chExt cx="0" cy="0"/>
+        </a:xfrm>
+      </p:grpSpPr>
+      <p:sp>
+        <p:nvSpPr>
+          <p:cNvPr id="4" name="矩形 3"/>
+          <p:cNvSpPr/>
+          <p:nvPr/>
+        </p:nvSpPr>
+        <p:spPr>
+          <a:xfrm>
             <a:off x="1210611" y="1309512"/>
             <a:ext cx="4828347" cy="1703750"/>
           </a:xfrm>
@@ -4784,7 +8640,7 @@
           <p:nvPr/>
         </p:nvPicPr>
         <p:blipFill>
-          <a:blip r:embed="rId2"/>
+          <a:blip r:embed="rId1"/>
           <a:stretch>
             <a:fillRect/>
           </a:stretch>
@@ -5203,7 +9059,7 @@
           <p:nvPr/>
         </p:nvPicPr>
         <p:blipFill>
-          <a:blip r:embed="rId3"/>
+          <a:blip r:embed="rId2"/>
           <a:stretch>
             <a:fillRect/>
           </a:stretch>
@@ -5571,11 +9427,6 @@
         </p:txBody>
       </p:sp>
     </p:spTree>
-    <p:extLst>
-      <p:ext uri="{BB962C8B-B14F-4D97-AF65-F5344CB8AC3E}">
-        <p14:creationId xmlns:p14="http://schemas.microsoft.com/office/powerpoint/2010/main" val="1992269711"/>
-      </p:ext>
-    </p:extLst>
   </p:cSld>
   <p:clrMapOvr>
     <a:masterClrMapping/>
@@ -5626,7 +9477,7 @@
     </a:clrScheme>
     <a:fontScheme name="Office">
       <a:majorFont>
-        <a:latin typeface="Calibri Light" panose="020F0302020204030204"/>
+        <a:latin typeface="Calibri Light"/>
         <a:ea typeface=""/>
         <a:cs typeface=""/>
         <a:font script="Jpan" typeface="ＭＳ Ｐゴシック"/>
@@ -5661,7 +9512,7 @@
         <a:font script="Geor" typeface="Sylfaen"/>
       </a:majorFont>
       <a:minorFont>
-        <a:latin typeface="Calibri" panose="020F0502020204030204"/>
+        <a:latin typeface="Calibri"/>
         <a:ea typeface=""/>
         <a:cs typeface=""/>
         <a:font script="Jpan" typeface="ＭＳ Ｐゴシック"/>
@@ -5834,8 +9685,6 @@
       </a:bgFillStyleLst>
     </a:fmtScheme>
   </a:themeElements>
-  <a:objectDefaults/>
-  <a:extraClrSchemeLst/>
   <a:extLst>
     <a:ext uri="{05A4C25C-085E-4340-85A3-A5531E510DB2}">
       <thm15:themeFamily xmlns:thm15="http://schemas.microsoft.com/office/thememl/2012/main" name="Office Theme" id="{62F939B6-93AF-4DB8-9C6B-D6C7DFDC589F}" vid="{4A3C46E8-61CC-4603-A589-7422A47A8E4A}"/>

--- a/src/SARibbonBar/doc/SARibbonBar.pptx
+++ b/src/SARibbonBar/doc/SARibbonBar.pptx
@@ -8,6 +8,7 @@
     <p:sldId id="257" r:id="rId3"/>
     <p:sldId id="259" r:id="rId4"/>
     <p:sldId id="256" r:id="rId5"/>
+    <p:sldId id="261" r:id="rId6"/>
   </p:sldIdLst>
   <p:sldSz cx="12192000" cy="6858000"/>
   <p:notesSz cx="6858000" cy="9144000"/>
@@ -9434,6 +9435,1505 @@
 </p:sld>
 </file>
 
+<file path=ppt/slides/slide4.xml><?xml version="1.0" encoding="utf-8"?>
+<p:sld xmlns:a="http://schemas.openxmlformats.org/drawingml/2006/main" xmlns:r="http://schemas.openxmlformats.org/officeDocument/2006/relationships" xmlns:p="http://schemas.openxmlformats.org/presentationml/2006/main">
+  <p:cSld>
+    <p:spTree>
+      <p:nvGrpSpPr>
+        <p:cNvPr id="1" name=""/>
+        <p:cNvGrpSpPr/>
+        <p:nvPr/>
+      </p:nvGrpSpPr>
+      <p:grpSpPr>
+        <a:xfrm>
+          <a:off x="0" y="0"/>
+          <a:ext cx="0" cy="0"/>
+          <a:chOff x="0" y="0"/>
+          <a:chExt cx="0" cy="0"/>
+        </a:xfrm>
+      </p:grpSpPr>
+      <p:sp>
+        <p:nvSpPr>
+          <p:cNvPr id="4" name="矩形 3"/>
+          <p:cNvSpPr/>
+          <p:nvPr/>
+        </p:nvSpPr>
+        <p:spPr>
+          <a:xfrm>
+            <a:off x="1210310" y="1519555"/>
+            <a:ext cx="10530840" cy="1493520"/>
+          </a:xfrm>
+          <a:prstGeom prst="rect">
+            <a:avLst/>
+          </a:prstGeom>
+          <a:solidFill>
+            <a:schemeClr val="accent1">
+              <a:lumMod val="20000"/>
+              <a:lumOff val="80000"/>
+            </a:schemeClr>
+          </a:solidFill>
+          <a:ln>
+            <a:solidFill>
+              <a:schemeClr val="tx1"/>
+            </a:solidFill>
+          </a:ln>
+        </p:spPr>
+        <p:style>
+          <a:lnRef idx="2">
+            <a:schemeClr val="accent1">
+              <a:shade val="50000"/>
+            </a:schemeClr>
+          </a:lnRef>
+          <a:fillRef idx="1">
+            <a:schemeClr val="accent1"/>
+          </a:fillRef>
+          <a:effectRef idx="0">
+            <a:schemeClr val="accent1"/>
+          </a:effectRef>
+          <a:fontRef idx="minor">
+            <a:schemeClr val="lt1"/>
+          </a:fontRef>
+        </p:style>
+        <p:txBody>
+          <a:bodyPr rtlCol="0" anchor="ctr"/>
+          <a:lstStyle/>
+          <a:p>
+            <a:pPr algn="ctr"/>
+            <a:endParaRPr lang="zh-CN" altLang="en-US"/>
+          </a:p>
+        </p:txBody>
+      </p:sp>
+      <p:sp>
+        <p:nvSpPr>
+          <p:cNvPr id="2" name="矩形 1"/>
+          <p:cNvSpPr/>
+          <p:nvPr/>
+        </p:nvSpPr>
+        <p:spPr>
+          <a:xfrm>
+            <a:off x="1210310" y="1764030"/>
+            <a:ext cx="10530205" cy="1248410"/>
+          </a:xfrm>
+          <a:prstGeom prst="rect">
+            <a:avLst/>
+          </a:prstGeom>
+          <a:solidFill>
+            <a:schemeClr val="bg1"/>
+          </a:solidFill>
+        </p:spPr>
+        <p:style>
+          <a:lnRef idx="2">
+            <a:schemeClr val="accent1">
+              <a:shade val="50000"/>
+            </a:schemeClr>
+          </a:lnRef>
+          <a:fillRef idx="1">
+            <a:schemeClr val="accent1"/>
+          </a:fillRef>
+          <a:effectRef idx="0">
+            <a:schemeClr val="accent1"/>
+          </a:effectRef>
+          <a:fontRef idx="minor">
+            <a:schemeClr val="lt1"/>
+          </a:fontRef>
+        </p:style>
+        <p:txBody>
+          <a:bodyPr rtlCol="0" anchor="ctr"/>
+          <a:p>
+            <a:pPr algn="ctr"/>
+            <a:endParaRPr lang="zh-CN" altLang="en-US"/>
+          </a:p>
+        </p:txBody>
+      </p:sp>
+      <p:sp>
+        <p:nvSpPr>
+          <p:cNvPr id="3" name="矩形 2"/>
+          <p:cNvSpPr/>
+          <p:nvPr/>
+        </p:nvSpPr>
+        <p:spPr>
+          <a:xfrm>
+            <a:off x="1210310" y="1558290"/>
+            <a:ext cx="412115" cy="205740"/>
+          </a:xfrm>
+          <a:prstGeom prst="rect">
+            <a:avLst/>
+          </a:prstGeom>
+          <a:solidFill>
+            <a:srgbClr val="C00000"/>
+          </a:solidFill>
+        </p:spPr>
+        <p:style>
+          <a:lnRef idx="2">
+            <a:schemeClr val="accent1">
+              <a:shade val="50000"/>
+            </a:schemeClr>
+          </a:lnRef>
+          <a:fillRef idx="1">
+            <a:schemeClr val="accent1"/>
+          </a:fillRef>
+          <a:effectRef idx="0">
+            <a:schemeClr val="accent1"/>
+          </a:effectRef>
+          <a:fontRef idx="minor">
+            <a:schemeClr val="lt1"/>
+          </a:fontRef>
+        </p:style>
+        <p:txBody>
+          <a:bodyPr rtlCol="0" anchor="ctr"/>
+          <a:p>
+            <a:pPr algn="ctr"/>
+            <a:endParaRPr lang="zh-CN" altLang="en-US"/>
+          </a:p>
+        </p:txBody>
+      </p:sp>
+      <p:sp>
+        <p:nvSpPr>
+          <p:cNvPr id="7" name="矩形 6"/>
+          <p:cNvSpPr/>
+          <p:nvPr/>
+        </p:nvSpPr>
+        <p:spPr>
+          <a:xfrm>
+            <a:off x="1682750" y="1558290"/>
+            <a:ext cx="3352800" cy="205740"/>
+          </a:xfrm>
+          <a:prstGeom prst="rect">
+            <a:avLst/>
+          </a:prstGeom>
+          <a:solidFill>
+            <a:schemeClr val="accent2"/>
+          </a:solidFill>
+          <a:ln>
+            <a:solidFill>
+              <a:schemeClr val="accent2"/>
+            </a:solidFill>
+          </a:ln>
+        </p:spPr>
+        <p:style>
+          <a:lnRef idx="2">
+            <a:schemeClr val="accent1">
+              <a:shade val="50000"/>
+            </a:schemeClr>
+          </a:lnRef>
+          <a:fillRef idx="1">
+            <a:schemeClr val="accent1"/>
+          </a:fillRef>
+          <a:effectRef idx="0">
+            <a:schemeClr val="accent1"/>
+          </a:effectRef>
+          <a:fontRef idx="minor">
+            <a:schemeClr val="lt1"/>
+          </a:fontRef>
+        </p:style>
+        <p:txBody>
+          <a:bodyPr rtlCol="0" anchor="ctr"/>
+          <a:p>
+            <a:pPr algn="ctr"/>
+            <a:endParaRPr lang="zh-CN" altLang="en-US"/>
+          </a:p>
+        </p:txBody>
+      </p:sp>
+      <p:sp>
+        <p:nvSpPr>
+          <p:cNvPr id="10" name="矩形 9"/>
+          <p:cNvSpPr/>
+          <p:nvPr/>
+        </p:nvSpPr>
+        <p:spPr>
+          <a:xfrm>
+            <a:off x="9353550" y="1515745"/>
+            <a:ext cx="1477010" cy="248285"/>
+          </a:xfrm>
+          <a:prstGeom prst="rect">
+            <a:avLst/>
+          </a:prstGeom>
+          <a:solidFill>
+            <a:schemeClr val="accent2">
+              <a:lumMod val="20000"/>
+              <a:lumOff val="80000"/>
+            </a:schemeClr>
+          </a:solidFill>
+          <a:ln>
+            <a:solidFill>
+              <a:schemeClr val="accent2"/>
+            </a:solidFill>
+          </a:ln>
+        </p:spPr>
+        <p:style>
+          <a:lnRef idx="2">
+            <a:schemeClr val="accent1">
+              <a:shade val="50000"/>
+            </a:schemeClr>
+          </a:lnRef>
+          <a:fillRef idx="1">
+            <a:schemeClr val="accent1"/>
+          </a:fillRef>
+          <a:effectRef idx="0">
+            <a:schemeClr val="accent1"/>
+          </a:effectRef>
+          <a:fontRef idx="minor">
+            <a:schemeClr val="lt1"/>
+          </a:fontRef>
+        </p:style>
+        <p:txBody>
+          <a:bodyPr rtlCol="0" anchor="ctr"/>
+          <a:p>
+            <a:pPr algn="ctr"/>
+            <a:endParaRPr lang="zh-CN" altLang="en-US"/>
+          </a:p>
+        </p:txBody>
+      </p:sp>
+      <p:sp>
+        <p:nvSpPr>
+          <p:cNvPr id="13" name="矩形 12"/>
+          <p:cNvSpPr/>
+          <p:nvPr/>
+        </p:nvSpPr>
+        <p:spPr>
+          <a:xfrm>
+            <a:off x="11457940" y="1516380"/>
+            <a:ext cx="283210" cy="242570"/>
+          </a:xfrm>
+          <a:prstGeom prst="rect">
+            <a:avLst/>
+          </a:prstGeom>
+          <a:solidFill>
+            <a:schemeClr val="accent2">
+              <a:lumMod val="20000"/>
+              <a:lumOff val="80000"/>
+            </a:schemeClr>
+          </a:solidFill>
+          <a:ln>
+            <a:solidFill>
+              <a:schemeClr val="accent2"/>
+            </a:solidFill>
+          </a:ln>
+        </p:spPr>
+        <p:style>
+          <a:lnRef idx="2">
+            <a:schemeClr val="accent1">
+              <a:shade val="50000"/>
+            </a:schemeClr>
+          </a:lnRef>
+          <a:fillRef idx="1">
+            <a:schemeClr val="accent1"/>
+          </a:fillRef>
+          <a:effectRef idx="0">
+            <a:schemeClr val="accent1"/>
+          </a:effectRef>
+          <a:fontRef idx="minor">
+            <a:schemeClr val="lt1"/>
+          </a:fontRef>
+        </p:style>
+        <p:txBody>
+          <a:bodyPr rtlCol="0" anchor="ctr"/>
+          <a:p>
+            <a:pPr algn="ctr"/>
+            <a:r>
+              <a:rPr lang="en-US" altLang="zh-CN">
+                <a:solidFill>
+                  <a:schemeClr val="tx1"/>
+                </a:solidFill>
+                <a:latin typeface="微软雅黑" panose="020B0503020204020204" pitchFamily="34" charset="-122"/>
+                <a:ea typeface="微软雅黑" panose="020B0503020204020204" pitchFamily="34" charset="-122"/>
+              </a:rPr>
+              <a:t>×</a:t>
+            </a:r>
+            <a:endParaRPr lang="en-US" altLang="zh-CN">
+              <a:solidFill>
+                <a:schemeClr val="tx1"/>
+              </a:solidFill>
+              <a:latin typeface="微软雅黑" panose="020B0503020204020204" pitchFamily="34" charset="-122"/>
+              <a:ea typeface="微软雅黑" panose="020B0503020204020204" pitchFamily="34" charset="-122"/>
+            </a:endParaRPr>
+          </a:p>
+        </p:txBody>
+      </p:sp>
+      <p:sp>
+        <p:nvSpPr>
+          <p:cNvPr id="24" name="矩形 23"/>
+          <p:cNvSpPr/>
+          <p:nvPr/>
+        </p:nvSpPr>
+        <p:spPr>
+          <a:xfrm>
+            <a:off x="11172190" y="1516380"/>
+            <a:ext cx="283210" cy="242570"/>
+          </a:xfrm>
+          <a:prstGeom prst="rect">
+            <a:avLst/>
+          </a:prstGeom>
+          <a:solidFill>
+            <a:schemeClr val="accent2">
+              <a:lumMod val="20000"/>
+              <a:lumOff val="80000"/>
+            </a:schemeClr>
+          </a:solidFill>
+          <a:ln>
+            <a:solidFill>
+              <a:schemeClr val="accent2"/>
+            </a:solidFill>
+          </a:ln>
+        </p:spPr>
+        <p:style>
+          <a:lnRef idx="2">
+            <a:schemeClr val="accent1">
+              <a:shade val="50000"/>
+            </a:schemeClr>
+          </a:lnRef>
+          <a:fillRef idx="1">
+            <a:schemeClr val="accent1"/>
+          </a:fillRef>
+          <a:effectRef idx="0">
+            <a:schemeClr val="accent1"/>
+          </a:effectRef>
+          <a:fontRef idx="minor">
+            <a:schemeClr val="lt1"/>
+          </a:fontRef>
+        </p:style>
+        <p:txBody>
+          <a:bodyPr rtlCol="0" anchor="ctr"/>
+          <a:p>
+            <a:pPr algn="ctr"/>
+            <a:r>
+              <a:rPr lang="zh-CN" altLang="en-US">
+                <a:solidFill>
+                  <a:schemeClr val="tx1"/>
+                </a:solidFill>
+                <a:latin typeface="微软雅黑" panose="020B0503020204020204" pitchFamily="34" charset="-122"/>
+                <a:ea typeface="微软雅黑" panose="020B0503020204020204" pitchFamily="34" charset="-122"/>
+              </a:rPr>
+              <a:t>□</a:t>
+            </a:r>
+            <a:endParaRPr lang="zh-CN" altLang="en-US">
+              <a:solidFill>
+                <a:schemeClr val="tx1"/>
+              </a:solidFill>
+              <a:latin typeface="微软雅黑" panose="020B0503020204020204" pitchFamily="34" charset="-122"/>
+              <a:ea typeface="微软雅黑" panose="020B0503020204020204" pitchFamily="34" charset="-122"/>
+            </a:endParaRPr>
+          </a:p>
+        </p:txBody>
+      </p:sp>
+      <p:sp>
+        <p:nvSpPr>
+          <p:cNvPr id="26" name="矩形 25"/>
+          <p:cNvSpPr/>
+          <p:nvPr/>
+        </p:nvSpPr>
+        <p:spPr>
+          <a:xfrm>
+            <a:off x="10888980" y="1516380"/>
+            <a:ext cx="283210" cy="242570"/>
+          </a:xfrm>
+          <a:prstGeom prst="rect">
+            <a:avLst/>
+          </a:prstGeom>
+          <a:solidFill>
+            <a:schemeClr val="accent2">
+              <a:lumMod val="20000"/>
+              <a:lumOff val="80000"/>
+            </a:schemeClr>
+          </a:solidFill>
+          <a:ln>
+            <a:solidFill>
+              <a:schemeClr val="accent2"/>
+            </a:solidFill>
+          </a:ln>
+        </p:spPr>
+        <p:style>
+          <a:lnRef idx="2">
+            <a:schemeClr val="accent1">
+              <a:shade val="50000"/>
+            </a:schemeClr>
+          </a:lnRef>
+          <a:fillRef idx="1">
+            <a:schemeClr val="accent1"/>
+          </a:fillRef>
+          <a:effectRef idx="0">
+            <a:schemeClr val="accent1"/>
+          </a:effectRef>
+          <a:fontRef idx="minor">
+            <a:schemeClr val="lt1"/>
+          </a:fontRef>
+        </p:style>
+        <p:txBody>
+          <a:bodyPr rtlCol="0" anchor="ctr"/>
+          <a:p>
+            <a:pPr algn="ctr"/>
+            <a:r>
+              <a:rPr lang="en-US" altLang="zh-CN" sz="900">
+                <a:solidFill>
+                  <a:schemeClr val="tx1"/>
+                </a:solidFill>
+              </a:rPr>
+              <a:t>_</a:t>
+            </a:r>
+            <a:endParaRPr lang="en-US" altLang="zh-CN" sz="900">
+              <a:solidFill>
+                <a:schemeClr val="tx1"/>
+              </a:solidFill>
+            </a:endParaRPr>
+          </a:p>
+        </p:txBody>
+      </p:sp>
+      <p:sp>
+        <p:nvSpPr>
+          <p:cNvPr id="29" name="矩形 28"/>
+          <p:cNvSpPr/>
+          <p:nvPr/>
+        </p:nvSpPr>
+        <p:spPr>
+          <a:xfrm>
+            <a:off x="6351271" y="3287534"/>
+            <a:ext cx="1025525" cy="368300"/>
+          </a:xfrm>
+          <a:prstGeom prst="rect">
+            <a:avLst/>
+          </a:prstGeom>
+        </p:spPr>
+        <p:txBody>
+          <a:bodyPr wrap="none">
+            <a:spAutoFit/>
+          </a:bodyPr>
+          <a:p>
+            <a:pPr algn="l"/>
+            <a:r>
+              <a:rPr lang="en-US" altLang="zh-CN" b="1" dirty="0" err="1" smtClean="0">
+                <a:solidFill>
+                  <a:schemeClr val="accent1">
+                    <a:lumMod val="75000"/>
+                  </a:schemeClr>
+                </a:solidFill>
+                <a:effectLst/>
+              </a:rPr>
+              <a:t>Category</a:t>
+            </a:r>
+            <a:endParaRPr lang="en-US" altLang="zh-CN" b="1" dirty="0" err="1" smtClean="0">
+              <a:solidFill>
+                <a:schemeClr val="accent1">
+                  <a:lumMod val="75000"/>
+                </a:schemeClr>
+              </a:solidFill>
+              <a:effectLst/>
+            </a:endParaRPr>
+          </a:p>
+        </p:txBody>
+      </p:sp>
+      <p:cxnSp>
+        <p:nvCxnSpPr>
+          <p:cNvPr id="30" name="直接箭头连接符 29"/>
+          <p:cNvCxnSpPr>
+            <a:stCxn id="29" idx="0"/>
+          </p:cNvCxnSpPr>
+          <p:nvPr/>
+        </p:nvCxnSpPr>
+        <p:spPr>
+          <a:xfrm flipH="1" flipV="1">
+            <a:off x="6410325" y="2484755"/>
+            <a:ext cx="454025" cy="802640"/>
+          </a:xfrm>
+          <a:prstGeom prst="straightConnector1">
+            <a:avLst/>
+          </a:prstGeom>
+          <a:ln>
+            <a:tailEnd type="arrow"/>
+          </a:ln>
+        </p:spPr>
+        <p:style>
+          <a:lnRef idx="1">
+            <a:schemeClr val="accent1"/>
+          </a:lnRef>
+          <a:fillRef idx="0">
+            <a:schemeClr val="accent1"/>
+          </a:fillRef>
+          <a:effectRef idx="0">
+            <a:schemeClr val="accent1"/>
+          </a:effectRef>
+          <a:fontRef idx="minor">
+            <a:schemeClr val="tx1"/>
+          </a:fontRef>
+        </p:style>
+      </p:cxnSp>
+      <p:sp>
+        <p:nvSpPr>
+          <p:cNvPr id="33" name="矩形 32"/>
+          <p:cNvSpPr/>
+          <p:nvPr/>
+        </p:nvSpPr>
+        <p:spPr>
+          <a:xfrm>
+            <a:off x="3549016" y="939939"/>
+            <a:ext cx="1755140" cy="368300"/>
+          </a:xfrm>
+          <a:prstGeom prst="rect">
+            <a:avLst/>
+          </a:prstGeom>
+        </p:spPr>
+        <p:txBody>
+          <a:bodyPr wrap="none">
+            <a:spAutoFit/>
+          </a:bodyPr>
+          <a:p>
+            <a:pPr algn="l"/>
+            <a:r>
+              <a:rPr lang="en-US" altLang="zh-CN" b="1" dirty="0" err="1" smtClean="0">
+                <a:solidFill>
+                  <a:schemeClr val="accent1">
+                    <a:lumMod val="75000"/>
+                  </a:schemeClr>
+                </a:solidFill>
+                <a:effectLst/>
+              </a:rPr>
+              <a:t>SARibbonTabBar</a:t>
+            </a:r>
+            <a:endParaRPr lang="en-US" altLang="zh-CN" b="1" dirty="0" err="1" smtClean="0">
+              <a:solidFill>
+                <a:schemeClr val="accent1">
+                  <a:lumMod val="75000"/>
+                </a:schemeClr>
+              </a:solidFill>
+              <a:effectLst/>
+            </a:endParaRPr>
+          </a:p>
+        </p:txBody>
+      </p:sp>
+      <p:cxnSp>
+        <p:nvCxnSpPr>
+          <p:cNvPr id="34" name="直接箭头连接符 33"/>
+          <p:cNvCxnSpPr>
+            <a:stCxn id="33" idx="2"/>
+          </p:cNvCxnSpPr>
+          <p:nvPr/>
+        </p:nvCxnSpPr>
+        <p:spPr>
+          <a:xfrm flipH="1">
+            <a:off x="3813175" y="1308100"/>
+            <a:ext cx="613410" cy="363855"/>
+          </a:xfrm>
+          <a:prstGeom prst="straightConnector1">
+            <a:avLst/>
+          </a:prstGeom>
+          <a:ln>
+            <a:tailEnd type="arrow"/>
+          </a:ln>
+        </p:spPr>
+        <p:style>
+          <a:lnRef idx="1">
+            <a:schemeClr val="accent1"/>
+          </a:lnRef>
+          <a:fillRef idx="0">
+            <a:schemeClr val="accent1"/>
+          </a:fillRef>
+          <a:effectRef idx="0">
+            <a:schemeClr val="accent1"/>
+          </a:effectRef>
+          <a:fontRef idx="minor">
+            <a:schemeClr val="tx1"/>
+          </a:fontRef>
+        </p:style>
+      </p:cxnSp>
+      <p:sp>
+        <p:nvSpPr>
+          <p:cNvPr id="35" name="矩形 34"/>
+          <p:cNvSpPr/>
+          <p:nvPr/>
+        </p:nvSpPr>
+        <p:spPr>
+          <a:xfrm>
+            <a:off x="7309486" y="945019"/>
+            <a:ext cx="890905" cy="368300"/>
+          </a:xfrm>
+          <a:prstGeom prst="rect">
+            <a:avLst/>
+          </a:prstGeom>
+        </p:spPr>
+        <p:txBody>
+          <a:bodyPr wrap="none">
+            <a:spAutoFit/>
+          </a:bodyPr>
+          <a:p>
+            <a:pPr algn="l"/>
+            <a:r>
+              <a:rPr lang="en-US" altLang="zh-CN" b="1" dirty="0" err="1" smtClean="0">
+                <a:solidFill>
+                  <a:schemeClr val="accent1">
+                    <a:lumMod val="75000"/>
+                  </a:schemeClr>
+                </a:solidFill>
+                <a:effectLst/>
+              </a:rPr>
+              <a:t>titleBar</a:t>
+            </a:r>
+            <a:endParaRPr lang="en-US" altLang="zh-CN" b="1" dirty="0" err="1" smtClean="0">
+              <a:solidFill>
+                <a:schemeClr val="accent1">
+                  <a:lumMod val="75000"/>
+                </a:schemeClr>
+              </a:solidFill>
+              <a:effectLst/>
+            </a:endParaRPr>
+          </a:p>
+        </p:txBody>
+      </p:sp>
+      <p:sp>
+        <p:nvSpPr>
+          <p:cNvPr id="36" name="文本框 35"/>
+          <p:cNvSpPr txBox="1"/>
+          <p:nvPr/>
+        </p:nvSpPr>
+        <p:spPr>
+          <a:xfrm>
+            <a:off x="5113655" y="1518920"/>
+            <a:ext cx="4161790" cy="245110"/>
+          </a:xfrm>
+          <a:prstGeom prst="rect">
+            <a:avLst/>
+          </a:prstGeom>
+          <a:noFill/>
+          <a:ln>
+            <a:solidFill>
+              <a:schemeClr val="tx1"/>
+            </a:solidFill>
+            <a:prstDash val="sysDot"/>
+          </a:ln>
+        </p:spPr>
+        <p:txBody>
+          <a:bodyPr wrap="square" rtlCol="0">
+            <a:spAutoFit/>
+          </a:bodyPr>
+          <a:p>
+            <a:pPr algn="ctr"/>
+            <a:r>
+              <a:rPr lang="en-US" altLang="zh-CN" sz="1000"/>
+              <a:t>window title</a:t>
+            </a:r>
+            <a:endParaRPr lang="en-US" altLang="zh-CN" sz="1000"/>
+          </a:p>
+        </p:txBody>
+      </p:sp>
+      <p:cxnSp>
+        <p:nvCxnSpPr>
+          <p:cNvPr id="37" name="直接箭头连接符 36"/>
+          <p:cNvCxnSpPr>
+            <a:stCxn id="35" idx="2"/>
+          </p:cNvCxnSpPr>
+          <p:nvPr/>
+        </p:nvCxnSpPr>
+        <p:spPr>
+          <a:xfrm flipH="1">
+            <a:off x="7587615" y="1313180"/>
+            <a:ext cx="167640" cy="362585"/>
+          </a:xfrm>
+          <a:prstGeom prst="straightConnector1">
+            <a:avLst/>
+          </a:prstGeom>
+          <a:ln>
+            <a:tailEnd type="arrow"/>
+          </a:ln>
+        </p:spPr>
+        <p:style>
+          <a:lnRef idx="1">
+            <a:schemeClr val="accent1"/>
+          </a:lnRef>
+          <a:fillRef idx="0">
+            <a:schemeClr val="accent1"/>
+          </a:fillRef>
+          <a:effectRef idx="0">
+            <a:schemeClr val="accent1"/>
+          </a:effectRef>
+          <a:fontRef idx="minor">
+            <a:schemeClr val="tx1"/>
+          </a:fontRef>
+        </p:style>
+      </p:cxnSp>
+      <p:sp>
+        <p:nvSpPr>
+          <p:cNvPr id="38" name="矩形 37"/>
+          <p:cNvSpPr/>
+          <p:nvPr/>
+        </p:nvSpPr>
+        <p:spPr>
+          <a:xfrm>
+            <a:off x="8578851" y="939939"/>
+            <a:ext cx="2593340" cy="368300"/>
+          </a:xfrm>
+          <a:prstGeom prst="rect">
+            <a:avLst/>
+          </a:prstGeom>
+        </p:spPr>
+        <p:txBody>
+          <a:bodyPr wrap="none">
+            <a:spAutoFit/>
+          </a:bodyPr>
+          <a:p>
+            <a:pPr algn="l"/>
+            <a:r>
+              <a:rPr lang="en-US" altLang="zh-CN" b="1" dirty="0" err="1" smtClean="0">
+                <a:solidFill>
+                  <a:schemeClr val="accent1">
+                    <a:lumMod val="75000"/>
+                  </a:schemeClr>
+                </a:solidFill>
+                <a:effectLst/>
+              </a:rPr>
+              <a:t>SARibbonQuickAccessBar</a:t>
+            </a:r>
+            <a:endParaRPr lang="en-US" altLang="zh-CN" b="1" dirty="0" err="1" smtClean="0">
+              <a:solidFill>
+                <a:schemeClr val="accent1">
+                  <a:lumMod val="75000"/>
+                </a:schemeClr>
+              </a:solidFill>
+              <a:effectLst/>
+            </a:endParaRPr>
+          </a:p>
+        </p:txBody>
+      </p:sp>
+      <p:cxnSp>
+        <p:nvCxnSpPr>
+          <p:cNvPr id="39" name="直接箭头连接符 38"/>
+          <p:cNvCxnSpPr>
+            <a:stCxn id="38" idx="2"/>
+          </p:cNvCxnSpPr>
+          <p:nvPr/>
+        </p:nvCxnSpPr>
+        <p:spPr>
+          <a:xfrm>
+            <a:off x="9875520" y="1308100"/>
+            <a:ext cx="176530" cy="438785"/>
+          </a:xfrm>
+          <a:prstGeom prst="straightConnector1">
+            <a:avLst/>
+          </a:prstGeom>
+          <a:ln>
+            <a:tailEnd type="arrow"/>
+          </a:ln>
+        </p:spPr>
+        <p:style>
+          <a:lnRef idx="1">
+            <a:schemeClr val="accent1"/>
+          </a:lnRef>
+          <a:fillRef idx="0">
+            <a:schemeClr val="accent1"/>
+          </a:fillRef>
+          <a:effectRef idx="0">
+            <a:schemeClr val="accent1"/>
+          </a:effectRef>
+          <a:fontRef idx="minor">
+            <a:schemeClr val="tx1"/>
+          </a:fontRef>
+        </p:style>
+      </p:cxnSp>
+      <p:sp>
+        <p:nvSpPr>
+          <p:cNvPr id="40" name="矩形 39"/>
+          <p:cNvSpPr/>
+          <p:nvPr/>
+        </p:nvSpPr>
+        <p:spPr>
+          <a:xfrm>
+            <a:off x="944246" y="945019"/>
+            <a:ext cx="1887855" cy="368300"/>
+          </a:xfrm>
+          <a:prstGeom prst="rect">
+            <a:avLst/>
+          </a:prstGeom>
+        </p:spPr>
+        <p:txBody>
+          <a:bodyPr wrap="none">
+            <a:spAutoFit/>
+          </a:bodyPr>
+          <a:p>
+            <a:pPr algn="l"/>
+            <a:r>
+              <a:rPr lang="en-US" altLang="zh-CN" b="1" dirty="0" err="1" smtClean="0">
+                <a:solidFill>
+                  <a:schemeClr val="accent1">
+                    <a:lumMod val="75000"/>
+                  </a:schemeClr>
+                </a:solidFill>
+                <a:effectLst/>
+              </a:rPr>
+              <a:t>applicationButton</a:t>
+            </a:r>
+            <a:endParaRPr lang="en-US" altLang="zh-CN" b="1" dirty="0" err="1" smtClean="0">
+              <a:solidFill>
+                <a:schemeClr val="accent1">
+                  <a:lumMod val="75000"/>
+                </a:schemeClr>
+              </a:solidFill>
+              <a:effectLst/>
+            </a:endParaRPr>
+          </a:p>
+        </p:txBody>
+      </p:sp>
+      <p:sp>
+        <p:nvSpPr>
+          <p:cNvPr id="42" name="矩形 41"/>
+          <p:cNvSpPr/>
+          <p:nvPr/>
+        </p:nvSpPr>
+        <p:spPr>
+          <a:xfrm>
+            <a:off x="1268095" y="1815465"/>
+            <a:ext cx="3780155" cy="1141095"/>
+          </a:xfrm>
+          <a:prstGeom prst="rect">
+            <a:avLst/>
+          </a:prstGeom>
+          <a:solidFill>
+            <a:schemeClr val="accent1">
+              <a:lumMod val="20000"/>
+              <a:lumOff val="80000"/>
+            </a:schemeClr>
+          </a:solidFill>
+          <a:ln>
+            <a:solidFill>
+              <a:schemeClr val="tx1"/>
+            </a:solidFill>
+          </a:ln>
+        </p:spPr>
+        <p:style>
+          <a:lnRef idx="2">
+            <a:schemeClr val="accent1">
+              <a:shade val="50000"/>
+            </a:schemeClr>
+          </a:lnRef>
+          <a:fillRef idx="1">
+            <a:schemeClr val="accent1"/>
+          </a:fillRef>
+          <a:effectRef idx="0">
+            <a:schemeClr val="accent1"/>
+          </a:effectRef>
+          <a:fontRef idx="minor">
+            <a:schemeClr val="lt1"/>
+          </a:fontRef>
+        </p:style>
+        <p:txBody>
+          <a:bodyPr rtlCol="0" anchor="ctr"/>
+          <a:p>
+            <a:pPr algn="ctr"/>
+            <a:endParaRPr lang="zh-CN" altLang="en-US"/>
+          </a:p>
+        </p:txBody>
+      </p:sp>
+      <p:sp>
+        <p:nvSpPr>
+          <p:cNvPr id="43" name="矩形 42"/>
+          <p:cNvSpPr/>
+          <p:nvPr/>
+        </p:nvSpPr>
+        <p:spPr>
+          <a:xfrm>
+            <a:off x="1268730" y="1815465"/>
+            <a:ext cx="3779520" cy="976630"/>
+          </a:xfrm>
+          <a:prstGeom prst="rect">
+            <a:avLst/>
+          </a:prstGeom>
+          <a:solidFill>
+            <a:schemeClr val="bg1"/>
+          </a:solidFill>
+        </p:spPr>
+        <p:style>
+          <a:lnRef idx="2">
+            <a:schemeClr val="accent1">
+              <a:shade val="50000"/>
+            </a:schemeClr>
+          </a:lnRef>
+          <a:fillRef idx="1">
+            <a:schemeClr val="accent1"/>
+          </a:fillRef>
+          <a:effectRef idx="0">
+            <a:schemeClr val="accent1"/>
+          </a:effectRef>
+          <a:fontRef idx="minor">
+            <a:schemeClr val="lt1"/>
+          </a:fontRef>
+        </p:style>
+        <p:txBody>
+          <a:bodyPr rtlCol="0" anchor="ctr"/>
+          <a:p>
+            <a:pPr algn="ctr"/>
+            <a:endParaRPr lang="zh-CN" altLang="en-US"/>
+          </a:p>
+        </p:txBody>
+      </p:sp>
+      <p:sp>
+        <p:nvSpPr>
+          <p:cNvPr id="44" name="矩形 43"/>
+          <p:cNvSpPr/>
+          <p:nvPr/>
+        </p:nvSpPr>
+        <p:spPr>
+          <a:xfrm>
+            <a:off x="4892040" y="2816225"/>
+            <a:ext cx="132080" cy="111125"/>
+          </a:xfrm>
+          <a:prstGeom prst="rect">
+            <a:avLst/>
+          </a:prstGeom>
+          <a:solidFill>
+            <a:schemeClr val="accent2"/>
+          </a:solidFill>
+        </p:spPr>
+        <p:style>
+          <a:lnRef idx="2">
+            <a:schemeClr val="accent1">
+              <a:shade val="50000"/>
+            </a:schemeClr>
+          </a:lnRef>
+          <a:fillRef idx="1">
+            <a:schemeClr val="accent1"/>
+          </a:fillRef>
+          <a:effectRef idx="0">
+            <a:schemeClr val="accent1"/>
+          </a:effectRef>
+          <a:fontRef idx="minor">
+            <a:schemeClr val="lt1"/>
+          </a:fontRef>
+        </p:style>
+        <p:txBody>
+          <a:bodyPr rtlCol="0" anchor="ctr"/>
+          <a:p>
+            <a:pPr algn="ctr"/>
+            <a:endParaRPr lang="zh-CN" altLang="en-US"/>
+          </a:p>
+        </p:txBody>
+      </p:sp>
+      <p:sp>
+        <p:nvSpPr>
+          <p:cNvPr id="45" name="矩形 44"/>
+          <p:cNvSpPr/>
+          <p:nvPr/>
+        </p:nvSpPr>
+        <p:spPr>
+          <a:xfrm>
+            <a:off x="1323340" y="1857375"/>
+            <a:ext cx="671195" cy="892175"/>
+          </a:xfrm>
+          <a:prstGeom prst="rect">
+            <a:avLst/>
+          </a:prstGeom>
+        </p:spPr>
+        <p:style>
+          <a:lnRef idx="2">
+            <a:schemeClr val="accent1">
+              <a:shade val="50000"/>
+            </a:schemeClr>
+          </a:lnRef>
+          <a:fillRef idx="1">
+            <a:schemeClr val="accent1"/>
+          </a:fillRef>
+          <a:effectRef idx="0">
+            <a:schemeClr val="accent1"/>
+          </a:effectRef>
+          <a:fontRef idx="minor">
+            <a:schemeClr val="lt1"/>
+          </a:fontRef>
+        </p:style>
+        <p:txBody>
+          <a:bodyPr rtlCol="0" anchor="ctr"/>
+          <a:p>
+            <a:pPr algn="ctr"/>
+            <a:endParaRPr lang="zh-CN" altLang="en-US"/>
+          </a:p>
+        </p:txBody>
+      </p:sp>
+      <p:sp>
+        <p:nvSpPr>
+          <p:cNvPr id="46" name="矩形 45"/>
+          <p:cNvSpPr/>
+          <p:nvPr/>
+        </p:nvSpPr>
+        <p:spPr>
+          <a:xfrm>
+            <a:off x="2088515" y="2494280"/>
+            <a:ext cx="894715" cy="255270"/>
+          </a:xfrm>
+          <a:prstGeom prst="rect">
+            <a:avLst/>
+          </a:prstGeom>
+        </p:spPr>
+        <p:style>
+          <a:lnRef idx="2">
+            <a:schemeClr val="accent1">
+              <a:shade val="50000"/>
+            </a:schemeClr>
+          </a:lnRef>
+          <a:fillRef idx="1">
+            <a:schemeClr val="accent1"/>
+          </a:fillRef>
+          <a:effectRef idx="0">
+            <a:schemeClr val="accent1"/>
+          </a:effectRef>
+          <a:fontRef idx="minor">
+            <a:schemeClr val="lt1"/>
+          </a:fontRef>
+        </p:style>
+        <p:txBody>
+          <a:bodyPr rtlCol="0" anchor="ctr"/>
+          <a:p>
+            <a:pPr algn="ctr"/>
+            <a:endParaRPr lang="zh-CN" altLang="en-US"/>
+          </a:p>
+        </p:txBody>
+      </p:sp>
+      <p:sp>
+        <p:nvSpPr>
+          <p:cNvPr id="47" name="矩形 46"/>
+          <p:cNvSpPr/>
+          <p:nvPr/>
+        </p:nvSpPr>
+        <p:spPr>
+          <a:xfrm>
+            <a:off x="2088515" y="1857375"/>
+            <a:ext cx="894715" cy="255270"/>
+          </a:xfrm>
+          <a:prstGeom prst="rect">
+            <a:avLst/>
+          </a:prstGeom>
+        </p:spPr>
+        <p:style>
+          <a:lnRef idx="2">
+            <a:schemeClr val="accent1">
+              <a:shade val="50000"/>
+            </a:schemeClr>
+          </a:lnRef>
+          <a:fillRef idx="1">
+            <a:schemeClr val="accent1"/>
+          </a:fillRef>
+          <a:effectRef idx="0">
+            <a:schemeClr val="accent1"/>
+          </a:effectRef>
+          <a:fontRef idx="minor">
+            <a:schemeClr val="lt1"/>
+          </a:fontRef>
+        </p:style>
+        <p:txBody>
+          <a:bodyPr rtlCol="0" anchor="ctr"/>
+          <a:p>
+            <a:pPr algn="ctr"/>
+            <a:endParaRPr lang="zh-CN" altLang="en-US"/>
+          </a:p>
+        </p:txBody>
+      </p:sp>
+      <p:sp>
+        <p:nvSpPr>
+          <p:cNvPr id="48" name="矩形 47"/>
+          <p:cNvSpPr/>
+          <p:nvPr/>
+        </p:nvSpPr>
+        <p:spPr>
+          <a:xfrm>
+            <a:off x="2088515" y="2176145"/>
+            <a:ext cx="894715" cy="255270"/>
+          </a:xfrm>
+          <a:prstGeom prst="rect">
+            <a:avLst/>
+          </a:prstGeom>
+        </p:spPr>
+        <p:style>
+          <a:lnRef idx="2">
+            <a:schemeClr val="accent1">
+              <a:shade val="50000"/>
+            </a:schemeClr>
+          </a:lnRef>
+          <a:fillRef idx="1">
+            <a:schemeClr val="accent1"/>
+          </a:fillRef>
+          <a:effectRef idx="0">
+            <a:schemeClr val="accent1"/>
+          </a:effectRef>
+          <a:fontRef idx="minor">
+            <a:schemeClr val="lt1"/>
+          </a:fontRef>
+        </p:style>
+        <p:txBody>
+          <a:bodyPr rtlCol="0" anchor="ctr"/>
+          <a:p>
+            <a:pPr algn="ctr"/>
+            <a:endParaRPr lang="zh-CN" altLang="en-US"/>
+          </a:p>
+        </p:txBody>
+      </p:sp>
+      <p:sp>
+        <p:nvSpPr>
+          <p:cNvPr id="49" name="矩形 48"/>
+          <p:cNvSpPr/>
+          <p:nvPr/>
+        </p:nvSpPr>
+        <p:spPr>
+          <a:xfrm>
+            <a:off x="3093085" y="2340610"/>
+            <a:ext cx="894715" cy="255270"/>
+          </a:xfrm>
+          <a:prstGeom prst="rect">
+            <a:avLst/>
+          </a:prstGeom>
+        </p:spPr>
+        <p:style>
+          <a:lnRef idx="2">
+            <a:schemeClr val="accent1">
+              <a:shade val="50000"/>
+            </a:schemeClr>
+          </a:lnRef>
+          <a:fillRef idx="1">
+            <a:schemeClr val="accent1"/>
+          </a:fillRef>
+          <a:effectRef idx="0">
+            <a:schemeClr val="accent1"/>
+          </a:effectRef>
+          <a:fontRef idx="minor">
+            <a:schemeClr val="lt1"/>
+          </a:fontRef>
+        </p:style>
+        <p:txBody>
+          <a:bodyPr rtlCol="0" anchor="ctr"/>
+          <a:p>
+            <a:pPr algn="ctr"/>
+            <a:endParaRPr lang="zh-CN" altLang="en-US"/>
+          </a:p>
+        </p:txBody>
+      </p:sp>
+      <p:sp>
+        <p:nvSpPr>
+          <p:cNvPr id="50" name="矩形 49"/>
+          <p:cNvSpPr/>
+          <p:nvPr/>
+        </p:nvSpPr>
+        <p:spPr>
+          <a:xfrm>
+            <a:off x="3093085" y="1967230"/>
+            <a:ext cx="894715" cy="255270"/>
+          </a:xfrm>
+          <a:prstGeom prst="rect">
+            <a:avLst/>
+          </a:prstGeom>
+        </p:spPr>
+        <p:style>
+          <a:lnRef idx="2">
+            <a:schemeClr val="accent1">
+              <a:shade val="50000"/>
+            </a:schemeClr>
+          </a:lnRef>
+          <a:fillRef idx="1">
+            <a:schemeClr val="accent1"/>
+          </a:fillRef>
+          <a:effectRef idx="0">
+            <a:schemeClr val="accent1"/>
+          </a:effectRef>
+          <a:fontRef idx="minor">
+            <a:schemeClr val="lt1"/>
+          </a:fontRef>
+        </p:style>
+        <p:txBody>
+          <a:bodyPr rtlCol="0" anchor="ctr"/>
+          <a:p>
+            <a:pPr algn="ctr"/>
+            <a:endParaRPr lang="zh-CN" altLang="en-US"/>
+          </a:p>
+        </p:txBody>
+      </p:sp>
+      <p:sp>
+        <p:nvSpPr>
+          <p:cNvPr id="51" name="文本框 50"/>
+          <p:cNvSpPr txBox="1"/>
+          <p:nvPr/>
+        </p:nvSpPr>
+        <p:spPr>
+          <a:xfrm>
+            <a:off x="1266190" y="2792730"/>
+            <a:ext cx="3606800" cy="158750"/>
+          </a:xfrm>
+          <a:prstGeom prst="rect">
+            <a:avLst/>
+          </a:prstGeom>
+          <a:noFill/>
+          <a:ln>
+            <a:solidFill>
+              <a:schemeClr val="bg1">
+                <a:lumMod val="50000"/>
+              </a:schemeClr>
+            </a:solidFill>
+            <a:prstDash val="dash"/>
+          </a:ln>
+        </p:spPr>
+        <p:txBody>
+          <a:bodyPr wrap="square" lIns="0" tIns="0" rIns="0" bIns="0" rtlCol="0">
+            <a:noAutofit/>
+          </a:bodyPr>
+          <a:p>
+            <a:pPr algn="ctr"/>
+            <a:r>
+              <a:rPr lang="en-US" altLang="zh-CN" sz="1200" dirty="0" err="1" smtClean="0"/>
+              <a:t>Pannel</a:t>
+            </a:r>
+            <a:r>
+              <a:rPr lang="en-US" altLang="zh-CN" sz="1200" dirty="0" smtClean="0"/>
+              <a:t> Title</a:t>
+            </a:r>
+            <a:endParaRPr lang="en-US" altLang="zh-CN" sz="1200" dirty="0" smtClean="0"/>
+          </a:p>
+        </p:txBody>
+      </p:sp>
+      <p:sp>
+        <p:nvSpPr>
+          <p:cNvPr id="52" name="矩形 51"/>
+          <p:cNvSpPr/>
+          <p:nvPr/>
+        </p:nvSpPr>
+        <p:spPr>
+          <a:xfrm>
+            <a:off x="4090670" y="1857375"/>
+            <a:ext cx="671195" cy="892175"/>
+          </a:xfrm>
+          <a:prstGeom prst="rect">
+            <a:avLst/>
+          </a:prstGeom>
+        </p:spPr>
+        <p:style>
+          <a:lnRef idx="2">
+            <a:schemeClr val="accent1">
+              <a:shade val="50000"/>
+            </a:schemeClr>
+          </a:lnRef>
+          <a:fillRef idx="1">
+            <a:schemeClr val="accent1"/>
+          </a:fillRef>
+          <a:effectRef idx="0">
+            <a:schemeClr val="accent1"/>
+          </a:effectRef>
+          <a:fontRef idx="minor">
+            <a:schemeClr val="lt1"/>
+          </a:fontRef>
+        </p:style>
+        <p:txBody>
+          <a:bodyPr rtlCol="0" anchor="ctr"/>
+          <a:p>
+            <a:pPr algn="ctr"/>
+            <a:endParaRPr lang="zh-CN" altLang="en-US"/>
+          </a:p>
+        </p:txBody>
+      </p:sp>
+      <p:cxnSp>
+        <p:nvCxnSpPr>
+          <p:cNvPr id="41" name="直接箭头连接符 40"/>
+          <p:cNvCxnSpPr>
+            <a:stCxn id="40" idx="2"/>
+            <a:endCxn id="3" idx="2"/>
+          </p:cNvCxnSpPr>
+          <p:nvPr/>
+        </p:nvCxnSpPr>
+        <p:spPr>
+          <a:xfrm flipH="1">
+            <a:off x="1416685" y="1313180"/>
+            <a:ext cx="471805" cy="450850"/>
+          </a:xfrm>
+          <a:prstGeom prst="straightConnector1">
+            <a:avLst/>
+          </a:prstGeom>
+          <a:ln>
+            <a:solidFill>
+              <a:schemeClr val="tx1"/>
+            </a:solidFill>
+            <a:tailEnd type="arrow"/>
+          </a:ln>
+        </p:spPr>
+        <p:style>
+          <a:lnRef idx="1">
+            <a:schemeClr val="accent1"/>
+          </a:lnRef>
+          <a:fillRef idx="0">
+            <a:schemeClr val="accent1"/>
+          </a:fillRef>
+          <a:effectRef idx="0">
+            <a:schemeClr val="accent1"/>
+          </a:effectRef>
+          <a:fontRef idx="minor">
+            <a:schemeClr val="tx1"/>
+          </a:fontRef>
+        </p:style>
+      </p:cxnSp>
+      <p:sp>
+        <p:nvSpPr>
+          <p:cNvPr id="53" name="矩形 52"/>
+          <p:cNvSpPr/>
+          <p:nvPr/>
+        </p:nvSpPr>
+        <p:spPr>
+          <a:xfrm>
+            <a:off x="3304541" y="3287534"/>
+            <a:ext cx="828675" cy="368300"/>
+          </a:xfrm>
+          <a:prstGeom prst="rect">
+            <a:avLst/>
+          </a:prstGeom>
+        </p:spPr>
+        <p:txBody>
+          <a:bodyPr wrap="none">
+            <a:spAutoFit/>
+          </a:bodyPr>
+          <a:p>
+            <a:pPr algn="l"/>
+            <a:r>
+              <a:rPr lang="en-US" altLang="zh-CN" b="1" dirty="0" err="1" smtClean="0">
+                <a:solidFill>
+                  <a:schemeClr val="accent1">
+                    <a:lumMod val="75000"/>
+                  </a:schemeClr>
+                </a:solidFill>
+                <a:effectLst/>
+              </a:rPr>
+              <a:t>Pannel</a:t>
+            </a:r>
+            <a:endParaRPr lang="en-US" altLang="zh-CN" b="1" dirty="0" err="1" smtClean="0">
+              <a:solidFill>
+                <a:schemeClr val="accent1">
+                  <a:lumMod val="75000"/>
+                </a:schemeClr>
+              </a:solidFill>
+              <a:effectLst/>
+            </a:endParaRPr>
+          </a:p>
+        </p:txBody>
+      </p:sp>
+      <p:cxnSp>
+        <p:nvCxnSpPr>
+          <p:cNvPr id="54" name="直接箭头连接符 53"/>
+          <p:cNvCxnSpPr>
+            <a:stCxn id="53" idx="0"/>
+          </p:cNvCxnSpPr>
+          <p:nvPr/>
+        </p:nvCxnSpPr>
+        <p:spPr>
+          <a:xfrm flipV="1">
+            <a:off x="3719195" y="2952750"/>
+            <a:ext cx="100330" cy="334645"/>
+          </a:xfrm>
+          <a:prstGeom prst="straightConnector1">
+            <a:avLst/>
+          </a:prstGeom>
+          <a:ln>
+            <a:tailEnd type="arrow"/>
+          </a:ln>
+        </p:spPr>
+        <p:style>
+          <a:lnRef idx="1">
+            <a:schemeClr val="accent1"/>
+          </a:lnRef>
+          <a:fillRef idx="0">
+            <a:schemeClr val="accent1"/>
+          </a:fillRef>
+          <a:effectRef idx="0">
+            <a:schemeClr val="accent1"/>
+          </a:effectRef>
+          <a:fontRef idx="minor">
+            <a:schemeClr val="tx1"/>
+          </a:fontRef>
+        </p:style>
+      </p:cxnSp>
+      <p:sp>
+        <p:nvSpPr>
+          <p:cNvPr id="55" name="文本框 54"/>
+          <p:cNvSpPr txBox="1"/>
+          <p:nvPr/>
+        </p:nvSpPr>
+        <p:spPr>
+          <a:xfrm>
+            <a:off x="4053840" y="137795"/>
+            <a:ext cx="5345430" cy="368300"/>
+          </a:xfrm>
+          <a:prstGeom prst="rect">
+            <a:avLst/>
+          </a:prstGeom>
+        </p:spPr>
+        <p:style>
+          <a:lnRef idx="2">
+            <a:schemeClr val="dk1"/>
+          </a:lnRef>
+          <a:fillRef idx="1">
+            <a:schemeClr val="lt1"/>
+          </a:fillRef>
+          <a:effectRef idx="0">
+            <a:schemeClr val="dk1"/>
+          </a:effectRef>
+          <a:fontRef idx="minor">
+            <a:schemeClr val="dk1"/>
+          </a:fontRef>
+        </p:style>
+        <p:txBody>
+          <a:bodyPr wrap="square" rtlCol="0" anchor="t">
+            <a:spAutoFit/>
+          </a:bodyPr>
+          <a:p>
+            <a:pPr algn="ctr"/>
+            <a:r>
+              <a:rPr lang="zh-CN" altLang="en-US" b="1">
+                <a:latin typeface="微软雅黑" panose="020B0503020204020204" pitchFamily="34" charset="-122"/>
+                <a:ea typeface="微软雅黑" panose="020B0503020204020204" pitchFamily="34" charset="-122"/>
+                <a:cs typeface="微软雅黑" panose="020B0503020204020204" pitchFamily="34" charset="-122"/>
+              </a:rPr>
+              <a:t>SARibbonBar</a:t>
+            </a:r>
+            <a:r>
+              <a:rPr lang="en-US" altLang="zh-CN" b="1">
+                <a:latin typeface="微软雅黑" panose="020B0503020204020204" pitchFamily="34" charset="-122"/>
+                <a:ea typeface="微软雅黑" panose="020B0503020204020204" pitchFamily="34" charset="-122"/>
+                <a:cs typeface="微软雅黑" panose="020B0503020204020204" pitchFamily="34" charset="-122"/>
+              </a:rPr>
+              <a:t>::</a:t>
+            </a:r>
+            <a:r>
+              <a:rPr b="1">
+                <a:latin typeface="微软雅黑" panose="020B0503020204020204" pitchFamily="34" charset="-122"/>
+                <a:ea typeface="微软雅黑" panose="020B0503020204020204" pitchFamily="34" charset="-122"/>
+                <a:cs typeface="微软雅黑" panose="020B0503020204020204" pitchFamily="34" charset="-122"/>
+              </a:rPr>
+              <a:t>WpsLiteStyle</a:t>
+            </a:r>
+            <a:r>
+              <a:rPr lang="zh-CN" altLang="en-US" b="1">
+                <a:latin typeface="微软雅黑" panose="020B0503020204020204" pitchFamily="34" charset="-122"/>
+                <a:ea typeface="微软雅黑" panose="020B0503020204020204" pitchFamily="34" charset="-122"/>
+                <a:cs typeface="微软雅黑" panose="020B0503020204020204" pitchFamily="34" charset="-122"/>
+              </a:rPr>
+              <a:t> </a:t>
+            </a:r>
+            <a:r>
+              <a:rPr lang="en-US" altLang="zh-CN" b="1">
+                <a:latin typeface="微软雅黑" panose="020B0503020204020204" pitchFamily="34" charset="-122"/>
+                <a:ea typeface="微软雅黑" panose="020B0503020204020204" pitchFamily="34" charset="-122"/>
+                <a:cs typeface="微软雅黑" panose="020B0503020204020204" pitchFamily="34" charset="-122"/>
+              </a:rPr>
+              <a:t>Ribbon</a:t>
+            </a:r>
+            <a:r>
+              <a:rPr lang="zh-CN" altLang="en-US" b="1">
+                <a:latin typeface="微软雅黑" panose="020B0503020204020204" pitchFamily="34" charset="-122"/>
+                <a:ea typeface="微软雅黑" panose="020B0503020204020204" pitchFamily="34" charset="-122"/>
+                <a:cs typeface="微软雅黑" panose="020B0503020204020204" pitchFamily="34" charset="-122"/>
+              </a:rPr>
+              <a:t>模式示例</a:t>
+            </a:r>
+            <a:endParaRPr lang="zh-CN" altLang="en-US" b="1">
+              <a:latin typeface="微软雅黑" panose="020B0503020204020204" pitchFamily="34" charset="-122"/>
+              <a:ea typeface="微软雅黑" panose="020B0503020204020204" pitchFamily="34" charset="-122"/>
+              <a:cs typeface="微软雅黑" panose="020B0503020204020204" pitchFamily="34" charset="-122"/>
+            </a:endParaRPr>
+          </a:p>
+        </p:txBody>
+      </p:sp>
+    </p:spTree>
+  </p:cSld>
+  <p:clrMapOvr>
+    <a:masterClrMapping/>
+  </p:clrMapOvr>
+</p:sld>
+</file>
+
 <file path=ppt/theme/theme1.xml><?xml version="1.0" encoding="utf-8"?>
 <a:theme xmlns:a="http://schemas.openxmlformats.org/drawingml/2006/main" name="Office 主题">
   <a:themeElements>
